--- a/study/courses/iis/IIS_lec_3.pptx
+++ b/study/courses/iis/IIS_lec_3.pptx
@@ -5,16 +5,18 @@
     <p:sldMasterId id="2147483684" r:id="rId1"/>
   </p:sldMasterIdLst>
   <p:notesMasterIdLst>
-    <p:notesMasterId r:id="rId9"/>
+    <p:notesMasterId r:id="rId11"/>
   </p:notesMasterIdLst>
   <p:sldIdLst>
     <p:sldId id="278" r:id="rId2"/>
-    <p:sldId id="277" r:id="rId3"/>
-    <p:sldId id="279" r:id="rId4"/>
-    <p:sldId id="280" r:id="rId5"/>
-    <p:sldId id="281" r:id="rId6"/>
-    <p:sldId id="282" r:id="rId7"/>
-    <p:sldId id="283" r:id="rId8"/>
+    <p:sldId id="282" r:id="rId3"/>
+    <p:sldId id="283" r:id="rId4"/>
+    <p:sldId id="284" r:id="rId5"/>
+    <p:sldId id="285" r:id="rId6"/>
+    <p:sldId id="286" r:id="rId7"/>
+    <p:sldId id="287" r:id="rId8"/>
+    <p:sldId id="288" r:id="rId9"/>
+    <p:sldId id="289" r:id="rId10"/>
   </p:sldIdLst>
   <p:sldSz cx="12192000" cy="6858000"/>
   <p:notesSz cx="6858000" cy="9144000"/>
@@ -115,7 +117,7 @@
   </p:defaultTextStyle>
   <p:extLst>
     <p:ext uri="{EFAFB233-063F-42B5-8137-9DF3F51BA10A}">
-      <p15:sldGuideLst xmlns:p15="http://schemas.microsoft.com/office/powerpoint/2012/main">
+      <p15:sldGuideLst xmlns:p15="http://schemas.microsoft.com/office/powerpoint/2012/main" xmlns="">
         <p15:guide id="1" orient="horz" pos="2160">
           <p15:clr>
             <a:srgbClr val="A4A3A4"/>
@@ -214,7 +216,7 @@
           <a:p>
             <a:fld id="{62782DC0-A7C2-4D6B-A659-1A08DD2913BE}" type="datetimeFigureOut">
               <a:rPr lang="ru-RU" smtClean="0"/>
-              <a:t>21.09.2017</a:t>
+              <a:t>05.10.2018</a:t>
             </a:fld>
             <a:endParaRPr lang="ru-RU"/>
           </a:p>
@@ -663,7 +665,7 @@
           <a:p>
             <a:fld id="{4EDDABE8-6F76-41C8-B009-27E1CF092874}" type="datetime1">
               <a:rPr lang="ru-RU" smtClean="0"/>
-              <a:t>21.09.2017</a:t>
+              <a:t>05.10.2018</a:t>
             </a:fld>
             <a:endParaRPr lang="ru-RU"/>
           </a:p>
@@ -685,10 +687,22 @@
           <a:lstStyle/>
           <a:p>
             <a:r>
-              <a:rPr lang="ru-RU" smtClean="0"/>
-              <a:t>НИУ "МЭИ", Каф. УиИ, 2017</a:t>
-            </a:r>
-            <a:endParaRPr lang="ru-RU"/>
+              <a:rPr lang="ru-RU" dirty="0" smtClean="0"/>
+              <a:t>НИУ "МЭИ", Каф. </a:t>
+            </a:r>
+            <a:r>
+              <a:rPr lang="ru-RU" dirty="0" err="1" smtClean="0"/>
+              <a:t>УиИ</a:t>
+            </a:r>
+            <a:r>
+              <a:rPr lang="ru-RU" dirty="0" smtClean="0"/>
+              <a:t>, </a:t>
+            </a:r>
+            <a:r>
+              <a:rPr lang="ru-RU" dirty="0" smtClean="0"/>
+              <a:t>2018</a:t>
+            </a:r>
+            <a:endParaRPr lang="ru-RU" dirty="0"/>
           </a:p>
         </p:txBody>
       </p:sp>
@@ -837,7 +851,7 @@
           <a:p>
             <a:fld id="{599A9CCE-63A0-4EEF-BBC8-913EC1BEF941}" type="datetime1">
               <a:rPr lang="ru-RU" smtClean="0"/>
-              <a:t>21.09.2017</a:t>
+              <a:t>05.10.2018</a:t>
             </a:fld>
             <a:endParaRPr lang="ru-RU"/>
           </a:p>
@@ -859,10 +873,22 @@
           <a:lstStyle/>
           <a:p>
             <a:r>
-              <a:rPr lang="ru-RU" smtClean="0"/>
-              <a:t>НИУ "МЭИ", Каф. УиИ, 2017</a:t>
-            </a:r>
-            <a:endParaRPr lang="ru-RU"/>
+              <a:rPr lang="ru-RU" dirty="0" smtClean="0"/>
+              <a:t>НИУ "МЭИ", Каф. </a:t>
+            </a:r>
+            <a:r>
+              <a:rPr lang="ru-RU" dirty="0" err="1" smtClean="0"/>
+              <a:t>УиИ</a:t>
+            </a:r>
+            <a:r>
+              <a:rPr lang="ru-RU" dirty="0" smtClean="0"/>
+              <a:t>, </a:t>
+            </a:r>
+            <a:r>
+              <a:rPr lang="ru-RU" dirty="0" smtClean="0"/>
+              <a:t>2018</a:t>
+            </a:r>
+            <a:endParaRPr lang="ru-RU" dirty="0"/>
           </a:p>
         </p:txBody>
       </p:sp>
@@ -1021,7 +1047,7 @@
           <a:p>
             <a:fld id="{0593963B-4822-411F-8E3C-1423F6774503}" type="datetime1">
               <a:rPr lang="ru-RU" smtClean="0"/>
-              <a:t>21.09.2017</a:t>
+              <a:t>05.10.2018</a:t>
             </a:fld>
             <a:endParaRPr lang="ru-RU"/>
           </a:p>
@@ -1043,10 +1069,22 @@
           <a:lstStyle/>
           <a:p>
             <a:r>
-              <a:rPr lang="ru-RU" smtClean="0"/>
-              <a:t>НИУ "МЭИ", Каф. УиИ, 2017</a:t>
-            </a:r>
-            <a:endParaRPr lang="ru-RU"/>
+              <a:rPr lang="ru-RU" dirty="0" smtClean="0"/>
+              <a:t>НИУ "МЭИ", Каф. </a:t>
+            </a:r>
+            <a:r>
+              <a:rPr lang="ru-RU" dirty="0" err="1" smtClean="0"/>
+              <a:t>УиИ</a:t>
+            </a:r>
+            <a:r>
+              <a:rPr lang="ru-RU" dirty="0" smtClean="0"/>
+              <a:t>, </a:t>
+            </a:r>
+            <a:r>
+              <a:rPr lang="ru-RU" dirty="0" smtClean="0"/>
+              <a:t>2018</a:t>
+            </a:r>
+            <a:endParaRPr lang="ru-RU" dirty="0"/>
           </a:p>
         </p:txBody>
       </p:sp>
@@ -1195,7 +1233,7 @@
           <a:p>
             <a:fld id="{995BA836-88CC-458A-AC97-77B0F1BFA1F2}" type="datetime1">
               <a:rPr lang="ru-RU" smtClean="0"/>
-              <a:t>21.09.2017</a:t>
+              <a:t>05.10.2018</a:t>
             </a:fld>
             <a:endParaRPr lang="ru-RU"/>
           </a:p>
@@ -1217,10 +1255,22 @@
           <a:lstStyle/>
           <a:p>
             <a:r>
-              <a:rPr lang="ru-RU" smtClean="0"/>
-              <a:t>НИУ "МЭИ", Каф. УиИ, 2017</a:t>
-            </a:r>
-            <a:endParaRPr lang="ru-RU"/>
+              <a:rPr lang="ru-RU" dirty="0" smtClean="0"/>
+              <a:t>НИУ "МЭИ", Каф. </a:t>
+            </a:r>
+            <a:r>
+              <a:rPr lang="ru-RU" dirty="0" err="1" smtClean="0"/>
+              <a:t>УиИ</a:t>
+            </a:r>
+            <a:r>
+              <a:rPr lang="ru-RU" dirty="0" smtClean="0"/>
+              <a:t>, </a:t>
+            </a:r>
+            <a:r>
+              <a:rPr lang="ru-RU" dirty="0" smtClean="0"/>
+              <a:t>2018</a:t>
+            </a:r>
+            <a:endParaRPr lang="ru-RU" dirty="0"/>
           </a:p>
         </p:txBody>
       </p:sp>
@@ -1445,7 +1495,7 @@
           <a:p>
             <a:fld id="{23863B5E-E802-4570-8B54-E37573BF60E8}" type="datetime1">
               <a:rPr lang="ru-RU" smtClean="0"/>
-              <a:t>21.09.2017</a:t>
+              <a:t>05.10.2018</a:t>
             </a:fld>
             <a:endParaRPr lang="ru-RU"/>
           </a:p>
@@ -1467,10 +1517,22 @@
           <a:lstStyle/>
           <a:p>
             <a:r>
-              <a:rPr lang="ru-RU" smtClean="0"/>
-              <a:t>НИУ "МЭИ", Каф. УиИ, 2017</a:t>
-            </a:r>
-            <a:endParaRPr lang="ru-RU"/>
+              <a:rPr lang="ru-RU" dirty="0" smtClean="0"/>
+              <a:t>НИУ "МЭИ", Каф. </a:t>
+            </a:r>
+            <a:r>
+              <a:rPr lang="ru-RU" dirty="0" err="1" smtClean="0"/>
+              <a:t>УиИ</a:t>
+            </a:r>
+            <a:r>
+              <a:rPr lang="ru-RU" dirty="0" smtClean="0"/>
+              <a:t>, </a:t>
+            </a:r>
+            <a:r>
+              <a:rPr lang="ru-RU" dirty="0" smtClean="0"/>
+              <a:t>2018</a:t>
+            </a:r>
+            <a:endParaRPr lang="ru-RU" dirty="0"/>
           </a:p>
         </p:txBody>
       </p:sp>
@@ -1737,7 +1799,7 @@
           <a:p>
             <a:fld id="{D9756B29-CA98-4454-9581-9696AAAEE3B8}" type="datetime1">
               <a:rPr lang="ru-RU" smtClean="0"/>
-              <a:t>21.09.2017</a:t>
+              <a:t>05.10.2018</a:t>
             </a:fld>
             <a:endParaRPr lang="ru-RU"/>
           </a:p>
@@ -1759,10 +1821,22 @@
           <a:lstStyle/>
           <a:p>
             <a:r>
-              <a:rPr lang="ru-RU" smtClean="0"/>
-              <a:t>НИУ "МЭИ", Каф. УиИ, 2017</a:t>
-            </a:r>
-            <a:endParaRPr lang="ru-RU"/>
+              <a:rPr lang="ru-RU" dirty="0" smtClean="0"/>
+              <a:t>НИУ "МЭИ", Каф. </a:t>
+            </a:r>
+            <a:r>
+              <a:rPr lang="ru-RU" dirty="0" err="1" smtClean="0"/>
+              <a:t>УиИ</a:t>
+            </a:r>
+            <a:r>
+              <a:rPr lang="ru-RU" dirty="0" smtClean="0"/>
+              <a:t>, </a:t>
+            </a:r>
+            <a:r>
+              <a:rPr lang="ru-RU" dirty="0" smtClean="0"/>
+              <a:t>2018</a:t>
+            </a:r>
+            <a:endParaRPr lang="ru-RU" dirty="0"/>
           </a:p>
         </p:txBody>
       </p:sp>
@@ -2168,7 +2242,7 @@
           <a:p>
             <a:fld id="{41971359-3C03-4208-8C10-37618AD6AAF9}" type="datetime1">
               <a:rPr lang="ru-RU" smtClean="0"/>
-              <a:t>21.09.2017</a:t>
+              <a:t>05.10.2018</a:t>
             </a:fld>
             <a:endParaRPr lang="ru-RU"/>
           </a:p>
@@ -2190,10 +2264,22 @@
           <a:lstStyle/>
           <a:p>
             <a:r>
-              <a:rPr lang="ru-RU" smtClean="0"/>
-              <a:t>НИУ "МЭИ", Каф. УиИ, 2017</a:t>
-            </a:r>
-            <a:endParaRPr lang="ru-RU"/>
+              <a:rPr lang="ru-RU" dirty="0" smtClean="0"/>
+              <a:t>НИУ "МЭИ", Каф. </a:t>
+            </a:r>
+            <a:r>
+              <a:rPr lang="ru-RU" dirty="0" err="1" smtClean="0"/>
+              <a:t>УиИ</a:t>
+            </a:r>
+            <a:r>
+              <a:rPr lang="ru-RU" dirty="0" smtClean="0"/>
+              <a:t>, </a:t>
+            </a:r>
+            <a:r>
+              <a:rPr lang="ru-RU" dirty="0" smtClean="0"/>
+              <a:t>2018</a:t>
+            </a:r>
+            <a:endParaRPr lang="ru-RU" dirty="0"/>
           </a:p>
         </p:txBody>
       </p:sp>
@@ -2290,7 +2376,7 @@
           <a:p>
             <a:fld id="{4CA44069-E999-40AB-A7D6-EB045B798918}" type="datetime1">
               <a:rPr lang="ru-RU" smtClean="0"/>
-              <a:t>21.09.2017</a:t>
+              <a:t>05.10.2018</a:t>
             </a:fld>
             <a:endParaRPr lang="ru-RU"/>
           </a:p>
@@ -2312,10 +2398,22 @@
           <a:lstStyle/>
           <a:p>
             <a:r>
-              <a:rPr lang="ru-RU" smtClean="0"/>
-              <a:t>НИУ "МЭИ", Каф. УиИ, 2017</a:t>
-            </a:r>
-            <a:endParaRPr lang="ru-RU"/>
+              <a:rPr lang="ru-RU" dirty="0" smtClean="0"/>
+              <a:t>НИУ "МЭИ", Каф. </a:t>
+            </a:r>
+            <a:r>
+              <a:rPr lang="ru-RU" dirty="0" err="1" smtClean="0"/>
+              <a:t>УиИ</a:t>
+            </a:r>
+            <a:r>
+              <a:rPr lang="ru-RU" dirty="0" smtClean="0"/>
+              <a:t>, </a:t>
+            </a:r>
+            <a:r>
+              <a:rPr lang="ru-RU" dirty="0" smtClean="0"/>
+              <a:t>2018</a:t>
+            </a:r>
+            <a:endParaRPr lang="ru-RU" dirty="0"/>
           </a:p>
         </p:txBody>
       </p:sp>
@@ -2389,7 +2487,7 @@
           <a:p>
             <a:fld id="{5AA24ECE-E864-4882-BC26-C114F263A3FC}" type="datetime1">
               <a:rPr lang="ru-RU" smtClean="0"/>
-              <a:t>21.09.2017</a:t>
+              <a:t>05.10.2018</a:t>
             </a:fld>
             <a:endParaRPr lang="ru-RU"/>
           </a:p>
@@ -2411,10 +2509,22 @@
           <a:lstStyle/>
           <a:p>
             <a:r>
-              <a:rPr lang="ru-RU" smtClean="0"/>
-              <a:t>НИУ "МЭИ", Каф. УиИ, 2017</a:t>
-            </a:r>
-            <a:endParaRPr lang="ru-RU"/>
+              <a:rPr lang="ru-RU" dirty="0" smtClean="0"/>
+              <a:t>НИУ "МЭИ", Каф. </a:t>
+            </a:r>
+            <a:r>
+              <a:rPr lang="ru-RU" dirty="0" err="1" smtClean="0"/>
+              <a:t>УиИ</a:t>
+            </a:r>
+            <a:r>
+              <a:rPr lang="ru-RU" dirty="0" smtClean="0"/>
+              <a:t>, </a:t>
+            </a:r>
+            <a:r>
+              <a:rPr lang="ru-RU" dirty="0" smtClean="0"/>
+              <a:t>2018</a:t>
+            </a:r>
+            <a:endParaRPr lang="ru-RU" dirty="0"/>
           </a:p>
         </p:txBody>
       </p:sp>
@@ -2670,7 +2780,7 @@
           <a:p>
             <a:fld id="{295BDA29-9429-4ADE-BC3F-9F7A3C7F2CED}" type="datetime1">
               <a:rPr lang="ru-RU" smtClean="0"/>
-              <a:t>21.09.2017</a:t>
+              <a:t>05.10.2018</a:t>
             </a:fld>
             <a:endParaRPr lang="ru-RU"/>
           </a:p>
@@ -2692,10 +2802,22 @@
           <a:lstStyle/>
           <a:p>
             <a:r>
-              <a:rPr lang="ru-RU" smtClean="0"/>
-              <a:t>НИУ "МЭИ", Каф. УиИ, 2017</a:t>
-            </a:r>
-            <a:endParaRPr lang="ru-RU"/>
+              <a:rPr lang="ru-RU" dirty="0" smtClean="0"/>
+              <a:t>НИУ "МЭИ", Каф. </a:t>
+            </a:r>
+            <a:r>
+              <a:rPr lang="ru-RU" dirty="0" err="1" smtClean="0"/>
+              <a:t>УиИ</a:t>
+            </a:r>
+            <a:r>
+              <a:rPr lang="ru-RU" dirty="0" smtClean="0"/>
+              <a:t>, </a:t>
+            </a:r>
+            <a:r>
+              <a:rPr lang="ru-RU" dirty="0" smtClean="0"/>
+              <a:t>2018</a:t>
+            </a:r>
+            <a:endParaRPr lang="ru-RU" dirty="0"/>
           </a:p>
         </p:txBody>
       </p:sp>
@@ -2927,7 +3049,7 @@
           <a:p>
             <a:fld id="{0073F5EC-CA88-4D46-8013-20F61D2C7B5B}" type="datetime1">
               <a:rPr lang="ru-RU" smtClean="0"/>
-              <a:t>21.09.2017</a:t>
+              <a:t>05.10.2018</a:t>
             </a:fld>
             <a:endParaRPr lang="ru-RU"/>
           </a:p>
@@ -2949,10 +3071,22 @@
           <a:lstStyle/>
           <a:p>
             <a:r>
-              <a:rPr lang="ru-RU" smtClean="0"/>
-              <a:t>НИУ "МЭИ", Каф. УиИ, 2017</a:t>
-            </a:r>
-            <a:endParaRPr lang="ru-RU"/>
+              <a:rPr lang="ru-RU" dirty="0" smtClean="0"/>
+              <a:t>НИУ "МЭИ", Каф. </a:t>
+            </a:r>
+            <a:r>
+              <a:rPr lang="ru-RU" dirty="0" err="1" smtClean="0"/>
+              <a:t>УиИ</a:t>
+            </a:r>
+            <a:r>
+              <a:rPr lang="ru-RU" dirty="0" smtClean="0"/>
+              <a:t>, </a:t>
+            </a:r>
+            <a:r>
+              <a:rPr lang="ru-RU" dirty="0" smtClean="0"/>
+              <a:t>2018</a:t>
+            </a:r>
+            <a:endParaRPr lang="ru-RU" dirty="0"/>
           </a:p>
         </p:txBody>
       </p:sp>
@@ -3144,7 +3278,7 @@
           <a:p>
             <a:fld id="{8E0BB943-7F87-404B-A19B-4EC5C3D17EF6}" type="datetime1">
               <a:rPr lang="ru-RU" smtClean="0"/>
-              <a:t>21.09.2017</a:t>
+              <a:t>05.10.2018</a:t>
             </a:fld>
             <a:endParaRPr lang="ru-RU"/>
           </a:p>
@@ -3184,10 +3318,22 @@
           </a:lstStyle>
           <a:p>
             <a:r>
-              <a:rPr lang="ru-RU" smtClean="0"/>
-              <a:t>НИУ "МЭИ", Каф. УиИ, 2017</a:t>
-            </a:r>
-            <a:endParaRPr lang="ru-RU"/>
+              <a:rPr lang="ru-RU" dirty="0" smtClean="0"/>
+              <a:t>НИУ "МЭИ", Каф. </a:t>
+            </a:r>
+            <a:r>
+              <a:rPr lang="ru-RU" dirty="0" err="1" smtClean="0"/>
+              <a:t>УиИ</a:t>
+            </a:r>
+            <a:r>
+              <a:rPr lang="ru-RU" dirty="0" smtClean="0"/>
+              <a:t>, </a:t>
+            </a:r>
+            <a:r>
+              <a:rPr lang="ru-RU" dirty="0" smtClean="0"/>
+              <a:t>2018</a:t>
+            </a:r>
+            <a:endParaRPr lang="ru-RU" dirty="0"/>
           </a:p>
         </p:txBody>
       </p:sp>
@@ -3555,7 +3701,7 @@
                   </a:schemeClr>
                 </a:solidFill>
               </a:rPr>
-              <a:t>Методы классификации текстовых документов</a:t>
+              <a:t>Обзор методов классификации</a:t>
             </a:r>
             <a:endParaRPr lang="ru-RU" sz="4800" i="1" dirty="0">
               <a:solidFill>
@@ -3611,7 +3757,15 @@
             </a:pPr>
             <a:r>
               <a:rPr lang="ru-RU" dirty="0" smtClean="0"/>
-              <a:t>Осень 2017 г.</a:t>
+              <a:t>Осень </a:t>
+            </a:r>
+            <a:r>
+              <a:rPr lang="ru-RU" dirty="0" smtClean="0"/>
+              <a:t>2018 </a:t>
+            </a:r>
+            <a:r>
+              <a:rPr lang="ru-RU" dirty="0" smtClean="0"/>
+              <a:t>г.</a:t>
             </a:r>
             <a:endParaRPr lang="ru-RU" dirty="0"/>
           </a:p>
@@ -3633,10 +3787,22 @@
           <a:lstStyle/>
           <a:p>
             <a:r>
-              <a:rPr lang="ru-RU" smtClean="0"/>
-              <a:t>НИУ "МЭИ", Каф. УиИ, 2017</a:t>
-            </a:r>
-            <a:endParaRPr lang="ru-RU"/>
+              <a:rPr lang="ru-RU" dirty="0" smtClean="0"/>
+              <a:t>НИУ "МЭИ", Каф. </a:t>
+            </a:r>
+            <a:r>
+              <a:rPr lang="ru-RU" dirty="0" err="1" smtClean="0"/>
+              <a:t>УиИ</a:t>
+            </a:r>
+            <a:r>
+              <a:rPr lang="ru-RU" dirty="0" smtClean="0"/>
+              <a:t>, </a:t>
+            </a:r>
+            <a:r>
+              <a:rPr lang="ru-RU" dirty="0" smtClean="0"/>
+              <a:t>2018</a:t>
+            </a:r>
+            <a:endParaRPr lang="ru-RU" dirty="0"/>
           </a:p>
         </p:txBody>
       </p:sp>
@@ -3702,7 +3868,7 @@
       </p:grpSpPr>
       <p:sp>
         <p:nvSpPr>
-          <p:cNvPr id="5" name="Заголовок 1"/>
+          <p:cNvPr id="2" name="Заголовок 1"/>
           <p:cNvSpPr>
             <a:spLocks noGrp="1"/>
           </p:cNvSpPr>
@@ -3712,8 +3878,8 @@
         </p:nvSpPr>
         <p:spPr>
           <a:xfrm>
-            <a:off x="246744" y="103869"/>
-            <a:ext cx="11713034" cy="694418"/>
+            <a:off x="609600" y="274638"/>
+            <a:ext cx="10972800" cy="506412"/>
           </a:xfrm>
         </p:spPr>
         <p:txBody>
@@ -3723,7 +3889,7 @@
           <a:lstStyle/>
           <a:p>
             <a:r>
-              <a:rPr lang="ru-RU" sz="3600" i="1" dirty="0" smtClean="0">
+              <a:rPr lang="ru-RU" sz="3600" i="1" dirty="0">
                 <a:solidFill>
                   <a:schemeClr val="tx2">
                     <a:lumMod val="60000"/>
@@ -3731,22 +3897,51 @@
                   </a:schemeClr>
                 </a:solidFill>
               </a:rPr>
-              <a:t>Систематизация методов классификации</a:t>
-            </a:r>
-            <a:endParaRPr lang="ru-RU" sz="3600" i="1" dirty="0">
-              <a:solidFill>
-                <a:schemeClr val="tx2">
-                  <a:lumMod val="60000"/>
-                  <a:lumOff val="40000"/>
-                </a:schemeClr>
-              </a:solidFill>
-            </a:endParaRPr>
-          </a:p>
-        </p:txBody>
-      </p:sp>
-      <p:sp>
-        <p:nvSpPr>
-          <p:cNvPr id="7" name="Нижний колонтитул 6"/>
+              <a:t>Наивный байесовский метод (НБ)</a:t>
+            </a:r>
+          </a:p>
+        </p:txBody>
+      </p:sp>
+      <p:sp>
+        <p:nvSpPr>
+          <p:cNvPr id="3" name="Объект 2"/>
+          <p:cNvSpPr>
+            <a:spLocks noGrp="1"/>
+          </p:cNvSpPr>
+          <p:nvPr>
+            <p:ph idx="1"/>
+          </p:nvPr>
+        </p:nvSpPr>
+        <p:spPr>
+          <a:xfrm>
+            <a:off x="752475" y="1136651"/>
+            <a:ext cx="2495550" cy="396874"/>
+          </a:xfrm>
+        </p:spPr>
+        <p:txBody>
+          <a:bodyPr>
+            <a:normAutofit/>
+          </a:bodyPr>
+          <a:lstStyle/>
+          <a:p>
+            <a:pPr marL="0" indent="0">
+              <a:buNone/>
+            </a:pPr>
+            <a:r>
+              <a:rPr lang="ru-RU" sz="2000" dirty="0"/>
+              <a:t>теорема </a:t>
+            </a:r>
+            <a:r>
+              <a:rPr lang="ru-RU" sz="2000" dirty="0" smtClean="0"/>
+              <a:t>Байеса: </a:t>
+            </a:r>
+            <a:endParaRPr lang="ru-RU" sz="2000" dirty="0"/>
+          </a:p>
+        </p:txBody>
+      </p:sp>
+      <p:sp>
+        <p:nvSpPr>
+          <p:cNvPr id="4" name="Нижний колонтитул 3"/>
           <p:cNvSpPr>
             <a:spLocks noGrp="1"/>
           </p:cNvSpPr>
@@ -3769,7 +3964,11 @@
             </a:r>
             <a:r>
               <a:rPr lang="ru-RU" dirty="0" smtClean="0"/>
-              <a:t>, 2017</a:t>
+              <a:t>, </a:t>
+            </a:r>
+            <a:r>
+              <a:rPr lang="ru-RU" dirty="0" smtClean="0"/>
+              <a:t>2018</a:t>
             </a:r>
             <a:endParaRPr lang="ru-RU" dirty="0"/>
           </a:p>
@@ -3777,7 +3976,7 @@
       </p:sp>
       <p:sp>
         <p:nvSpPr>
-          <p:cNvPr id="6" name="Номер слайда 5"/>
+          <p:cNvPr id="5" name="Номер слайда 4"/>
           <p:cNvSpPr>
             <a:spLocks noGrp="1"/>
           </p:cNvSpPr>
@@ -3798,29 +3997,18 @@
           </a:p>
         </p:txBody>
       </p:sp>
-      <p:pic>
-        <p:nvPicPr>
-          <p:cNvPr id="8" name="Рисунок 7" descr="C:\Users\А\Desktop\методы классиф.bmp"/>
-          <p:cNvPicPr/>
+      <p:sp>
+        <p:nvSpPr>
+          <p:cNvPr id="6" name="Rectangle 2"/>
+          <p:cNvSpPr>
+            <a:spLocks noChangeArrowheads="1"/>
+          </p:cNvSpPr>
           <p:nvPr/>
-        </p:nvPicPr>
-        <p:blipFill>
-          <a:blip r:embed="rId2">
-            <a:extLst>
-              <a:ext uri="{28A0092B-C50C-407E-A947-70E740481C1C}">
-                <a14:useLocalDpi xmlns:a14="http://schemas.microsoft.com/office/drawing/2010/main" val="0"/>
-              </a:ext>
-            </a:extLst>
-          </a:blip>
-          <a:srcRect/>
-          <a:stretch>
-            <a:fillRect/>
-          </a:stretch>
-        </p:blipFill>
+        </p:nvSpPr>
         <p:spPr bwMode="auto">
           <a:xfrm>
-            <a:off x="1569325" y="976974"/>
-            <a:ext cx="9053349" cy="4913518"/>
+            <a:off x="0" y="41275"/>
+            <a:ext cx="12192000" cy="0"/>
           </a:xfrm>
           <a:prstGeom prst="rect">
             <a:avLst/>
@@ -3829,12 +4017,545 @@
           <a:ln>
             <a:noFill/>
           </a:ln>
+          <a:effectLst/>
+          <a:extLst>
+            <a:ext uri="{909E8E84-426E-40DD-AFC4-6F175D3DCCD1}">
+              <a14:hiddenFill xmlns:a14="http://schemas.microsoft.com/office/drawing/2010/main">
+                <a:solidFill>
+                  <a:schemeClr val="accent1"/>
+                </a:solidFill>
+              </a14:hiddenFill>
+            </a:ext>
+            <a:ext uri="{91240B29-F687-4F45-9708-019B960494DF}">
+              <a14:hiddenLine xmlns:a14="http://schemas.microsoft.com/office/drawing/2010/main" w="9525">
+                <a:solidFill>
+                  <a:schemeClr val="tx1"/>
+                </a:solidFill>
+                <a:miter lim="800000"/>
+                <a:headEnd/>
+                <a:tailEnd/>
+              </a14:hiddenLine>
+            </a:ext>
+            <a:ext uri="{AF507438-7753-43E0-B8FC-AC1667EBCBE1}">
+              <a14:hiddenEffects xmlns:a14="http://schemas.microsoft.com/office/drawing/2010/main">
+                <a:effectLst>
+                  <a:outerShdw dist="35921" dir="2700000" algn="ctr" rotWithShape="0">
+                    <a:schemeClr val="bg2"/>
+                  </a:outerShdw>
+                </a:effectLst>
+              </a14:hiddenEffects>
+            </a:ext>
+          </a:extLst>
         </p:spPr>
-      </p:pic>
+        <p:txBody>
+          <a:bodyPr vert="horz" wrap="none" lIns="91440" tIns="45720" rIns="91440" bIns="45720" numCol="1" anchor="ctr" anchorCtr="0" compatLnSpc="1">
+            <a:prstTxWarp prst="textNoShape">
+              <a:avLst/>
+            </a:prstTxWarp>
+            <a:spAutoFit/>
+          </a:bodyPr>
+          <a:lstStyle/>
+          <a:p>
+            <a:endParaRPr lang="ru-RU"/>
+          </a:p>
+        </p:txBody>
+      </p:sp>
+      <p:graphicFrame>
+        <p:nvGraphicFramePr>
+          <p:cNvPr id="7" name="Объект 6"/>
+          <p:cNvGraphicFramePr>
+            <a:graphicFrameLocks noChangeAspect="1"/>
+          </p:cNvGraphicFramePr>
+          <p:nvPr>
+            <p:extLst>
+              <p:ext uri="{D42A27DB-BD31-4B8C-83A1-F6EECF244321}">
+                <p14:modId xmlns:p14="http://schemas.microsoft.com/office/powerpoint/2010/main" val="585935599"/>
+              </p:ext>
+            </p:extLst>
+          </p:nvPr>
+        </p:nvGraphicFramePr>
+        <p:xfrm>
+          <a:off x="3593843" y="987058"/>
+          <a:ext cx="2730757" cy="696912"/>
+        </p:xfrm>
+        <a:graphic>
+          <a:graphicData uri="http://schemas.openxmlformats.org/presentationml/2006/ole">
+            <mc:AlternateContent xmlns:mc="http://schemas.openxmlformats.org/markup-compatibility/2006">
+              <mc:Choice xmlns:v="urn:schemas-microsoft-com:vml" Requires="v">
+                <p:oleObj spid="_x0000_s14373" name="Уравнение" r:id="rId3" imgW="1828800" imgH="469900" progId="Equation.3">
+                  <p:embed/>
+                </p:oleObj>
+              </mc:Choice>
+              <mc:Fallback>
+                <p:oleObj name="Уравнение" r:id="rId3" imgW="1828800" imgH="469900" progId="Equation.3">
+                  <p:embed/>
+                  <p:pic>
+                    <p:nvPicPr>
+                      <p:cNvPr id="0" name="Object 1"/>
+                      <p:cNvPicPr>
+                        <a:picLocks noChangeAspect="1" noChangeArrowheads="1"/>
+                      </p:cNvPicPr>
+                      <p:nvPr/>
+                    </p:nvPicPr>
+                    <p:blipFill>
+                      <a:blip r:embed="rId4">
+                        <a:extLst>
+                          <a:ext uri="{28A0092B-C50C-407E-A947-70E740481C1C}">
+                            <a14:useLocalDpi xmlns:a14="http://schemas.microsoft.com/office/drawing/2010/main" val="0"/>
+                          </a:ext>
+                        </a:extLst>
+                      </a:blip>
+                      <a:srcRect/>
+                      <a:stretch>
+                        <a:fillRect/>
+                      </a:stretch>
+                    </p:blipFill>
+                    <p:spPr bwMode="auto">
+                      <a:xfrm>
+                        <a:off x="3593843" y="987058"/>
+                        <a:ext cx="2730757" cy="696912"/>
+                      </a:xfrm>
+                      <a:prstGeom prst="rect">
+                        <a:avLst/>
+                      </a:prstGeom>
+                      <a:noFill/>
+                    </p:spPr>
+                  </p:pic>
+                </p:oleObj>
+              </mc:Fallback>
+            </mc:AlternateContent>
+          </a:graphicData>
+        </a:graphic>
+      </p:graphicFrame>
+      <p:sp>
+        <p:nvSpPr>
+          <p:cNvPr id="8" name="Прямоугольник 7"/>
+          <p:cNvSpPr/>
+          <p:nvPr/>
+        </p:nvSpPr>
+        <p:spPr>
+          <a:xfrm>
+            <a:off x="752474" y="1801883"/>
+            <a:ext cx="10829925" cy="707886"/>
+          </a:xfrm>
+          <a:prstGeom prst="rect">
+            <a:avLst/>
+          </a:prstGeom>
+        </p:spPr>
+        <p:txBody>
+          <a:bodyPr wrap="square">
+            <a:spAutoFit/>
+          </a:bodyPr>
+          <a:lstStyle/>
+          <a:p>
+            <a:r>
+              <a:rPr lang="ru-RU" sz="2000" dirty="0"/>
+              <a:t>позволяет определить вероятность какого-либо события при условии, что произошло другое статистически взаимозависимое с ним событие.</a:t>
+            </a:r>
+          </a:p>
+        </p:txBody>
+      </p:sp>
+      <p:graphicFrame>
+        <p:nvGraphicFramePr>
+          <p:cNvPr id="13" name="Объект 12"/>
+          <p:cNvGraphicFramePr>
+            <a:graphicFrameLocks noChangeAspect="1"/>
+          </p:cNvGraphicFramePr>
+          <p:nvPr>
+            <p:extLst>
+              <p:ext uri="{D42A27DB-BD31-4B8C-83A1-F6EECF244321}">
+                <p14:modId xmlns:p14="http://schemas.microsoft.com/office/powerpoint/2010/main" val="3116316326"/>
+              </p:ext>
+            </p:extLst>
+          </p:nvPr>
+        </p:nvGraphicFramePr>
+        <p:xfrm>
+          <a:off x="781050" y="2761497"/>
+          <a:ext cx="560858" cy="334128"/>
+        </p:xfrm>
+        <a:graphic>
+          <a:graphicData uri="http://schemas.openxmlformats.org/presentationml/2006/ole">
+            <mc:AlternateContent xmlns:mc="http://schemas.openxmlformats.org/markup-compatibility/2006">
+              <mc:Choice xmlns:v="urn:schemas-microsoft-com:vml" Requires="v">
+                <p:oleObj spid="_x0000_s14374" name="Уравнение" r:id="rId5" imgW="444114" imgH="266469" progId="Equation.3">
+                  <p:embed/>
+                </p:oleObj>
+              </mc:Choice>
+              <mc:Fallback>
+                <p:oleObj name="Уравнение" r:id="rId5" imgW="444114" imgH="266469" progId="Equation.3">
+                  <p:embed/>
+                  <p:pic>
+                    <p:nvPicPr>
+                      <p:cNvPr id="0" name="Object 7"/>
+                      <p:cNvPicPr>
+                        <a:picLocks noChangeAspect="1" noChangeArrowheads="1"/>
+                      </p:cNvPicPr>
+                      <p:nvPr/>
+                    </p:nvPicPr>
+                    <p:blipFill>
+                      <a:blip r:embed="rId6">
+                        <a:extLst>
+                          <a:ext uri="{28A0092B-C50C-407E-A947-70E740481C1C}">
+                            <a14:useLocalDpi xmlns:a14="http://schemas.microsoft.com/office/drawing/2010/main" val="0"/>
+                          </a:ext>
+                        </a:extLst>
+                      </a:blip>
+                      <a:srcRect/>
+                      <a:stretch>
+                        <a:fillRect/>
+                      </a:stretch>
+                    </p:blipFill>
+                    <p:spPr bwMode="auto">
+                      <a:xfrm>
+                        <a:off x="781050" y="2761497"/>
+                        <a:ext cx="560858" cy="334128"/>
+                      </a:xfrm>
+                      <a:prstGeom prst="rect">
+                        <a:avLst/>
+                      </a:prstGeom>
+                      <a:noFill/>
+                    </p:spPr>
+                  </p:pic>
+                </p:oleObj>
+              </mc:Fallback>
+            </mc:AlternateContent>
+          </a:graphicData>
+        </a:graphic>
+      </p:graphicFrame>
+      <p:sp>
+        <p:nvSpPr>
+          <p:cNvPr id="15" name="Прямоугольник 14"/>
+          <p:cNvSpPr/>
+          <p:nvPr/>
+        </p:nvSpPr>
+        <p:spPr>
+          <a:xfrm>
+            <a:off x="470233" y="2714344"/>
+            <a:ext cx="10326217" cy="707886"/>
+          </a:xfrm>
+          <a:prstGeom prst="rect">
+            <a:avLst/>
+          </a:prstGeom>
+        </p:spPr>
+        <p:txBody>
+          <a:bodyPr wrap="square">
+            <a:spAutoFit/>
+          </a:bodyPr>
+          <a:lstStyle/>
+          <a:p>
+            <a:pPr marL="342900" indent="-342900">
+              <a:buFont typeface="Arial" panose="020B0604020202020204" pitchFamily="34" charset="0"/>
+              <a:buChar char="•"/>
+            </a:pPr>
+            <a:r>
+              <a:rPr lang="ru-RU" sz="2000" dirty="0" smtClean="0"/>
+              <a:t>         - одинакова </a:t>
+            </a:r>
+            <a:r>
+              <a:rPr lang="ru-RU" sz="2000" dirty="0"/>
+              <a:t>для различных классов и может быть исключена из дальнейшего </a:t>
+            </a:r>
+            <a:r>
+              <a:rPr lang="ru-RU" sz="2000" dirty="0" smtClean="0"/>
+              <a:t>рассмотрения  </a:t>
+            </a:r>
+            <a:endParaRPr lang="ru-RU" sz="2000" dirty="0"/>
+          </a:p>
+        </p:txBody>
+      </p:sp>
+      <p:sp>
+        <p:nvSpPr>
+          <p:cNvPr id="16" name="TextBox 15"/>
+          <p:cNvSpPr txBox="1"/>
+          <p:nvPr/>
+        </p:nvSpPr>
+        <p:spPr>
+          <a:xfrm>
+            <a:off x="470233" y="3411190"/>
+            <a:ext cx="11315700" cy="1015663"/>
+          </a:xfrm>
+          <a:prstGeom prst="rect">
+            <a:avLst/>
+          </a:prstGeom>
+          <a:noFill/>
+        </p:spPr>
+        <p:txBody>
+          <a:bodyPr wrap="square" rtlCol="0">
+            <a:spAutoFit/>
+          </a:bodyPr>
+          <a:lstStyle/>
+          <a:p>
+            <a:pPr marL="342900" indent="-342900">
+              <a:buFont typeface="Arial" panose="020B0604020202020204" pitchFamily="34" charset="0"/>
+              <a:buChar char="•"/>
+            </a:pPr>
+            <a:r>
+              <a:rPr lang="ru-RU" sz="2000" u="sng" dirty="0"/>
+              <a:t>Допущение</a:t>
+            </a:r>
+            <a:r>
+              <a:rPr lang="ru-RU" sz="2000" dirty="0"/>
+              <a:t>: </a:t>
+            </a:r>
+            <a:r>
+              <a:rPr lang="ru-RU" sz="2000" dirty="0" smtClean="0"/>
+              <a:t>признаки (свойства, термины,…), которыми описывается объект, независимы между собой.</a:t>
+            </a:r>
+          </a:p>
+          <a:p>
+            <a:pPr marL="342900" indent="-342900">
+              <a:buFont typeface="Arial" panose="020B0604020202020204" pitchFamily="34" charset="0"/>
+              <a:buChar char="•"/>
+            </a:pPr>
+            <a:r>
+              <a:rPr lang="ru-RU" sz="2000" dirty="0" smtClean="0"/>
+              <a:t>Данное допущение значительно упрощает задачу, но крайне редко выполняется на практике</a:t>
+            </a:r>
+            <a:endParaRPr lang="ru-RU" sz="2000" dirty="0"/>
+          </a:p>
+        </p:txBody>
+      </p:sp>
+      <p:graphicFrame>
+        <p:nvGraphicFramePr>
+          <p:cNvPr id="18" name="Объект 17"/>
+          <p:cNvGraphicFramePr>
+            <a:graphicFrameLocks noChangeAspect="1"/>
+          </p:cNvGraphicFramePr>
+          <p:nvPr>
+            <p:extLst>
+              <p:ext uri="{D42A27DB-BD31-4B8C-83A1-F6EECF244321}">
+                <p14:modId xmlns:p14="http://schemas.microsoft.com/office/powerpoint/2010/main" val="3368736256"/>
+              </p:ext>
+            </p:extLst>
+          </p:nvPr>
+        </p:nvGraphicFramePr>
+        <p:xfrm>
+          <a:off x="4506783" y="4339735"/>
+          <a:ext cx="2253118" cy="585556"/>
+        </p:xfrm>
+        <a:graphic>
+          <a:graphicData uri="http://schemas.openxmlformats.org/presentationml/2006/ole">
+            <mc:AlternateContent xmlns:mc="http://schemas.openxmlformats.org/markup-compatibility/2006">
+              <mc:Choice xmlns:v="urn:schemas-microsoft-com:vml" Requires="v">
+                <p:oleObj spid="_x0000_s14375" name="Уравнение" r:id="rId7" imgW="1688367" imgH="431613" progId="Equation.3">
+                  <p:embed/>
+                </p:oleObj>
+              </mc:Choice>
+              <mc:Fallback>
+                <p:oleObj name="Уравнение" r:id="rId7" imgW="1688367" imgH="431613" progId="Equation.3">
+                  <p:embed/>
+                  <p:pic>
+                    <p:nvPicPr>
+                      <p:cNvPr id="0" name="Object 9"/>
+                      <p:cNvPicPr>
+                        <a:picLocks noChangeAspect="1" noChangeArrowheads="1"/>
+                      </p:cNvPicPr>
+                      <p:nvPr/>
+                    </p:nvPicPr>
+                    <p:blipFill>
+                      <a:blip r:embed="rId8">
+                        <a:extLst>
+                          <a:ext uri="{28A0092B-C50C-407E-A947-70E740481C1C}">
+                            <a14:useLocalDpi xmlns:a14="http://schemas.microsoft.com/office/drawing/2010/main" val="0"/>
+                          </a:ext>
+                        </a:extLst>
+                      </a:blip>
+                      <a:srcRect/>
+                      <a:stretch>
+                        <a:fillRect/>
+                      </a:stretch>
+                    </p:blipFill>
+                    <p:spPr bwMode="auto">
+                      <a:xfrm>
+                        <a:off x="4506783" y="4339735"/>
+                        <a:ext cx="2253118" cy="585556"/>
+                      </a:xfrm>
+                      <a:prstGeom prst="rect">
+                        <a:avLst/>
+                      </a:prstGeom>
+                      <a:noFill/>
+                    </p:spPr>
+                  </p:pic>
+                </p:oleObj>
+              </mc:Fallback>
+            </mc:AlternateContent>
+          </a:graphicData>
+        </a:graphic>
+      </p:graphicFrame>
+      <p:sp>
+        <p:nvSpPr>
+          <p:cNvPr id="19" name="Rectangle 12"/>
+          <p:cNvSpPr>
+            <a:spLocks noChangeArrowheads="1"/>
+          </p:cNvSpPr>
+          <p:nvPr/>
+        </p:nvSpPr>
+        <p:spPr bwMode="auto">
+          <a:xfrm flipV="1">
+            <a:off x="4392483" y="5603658"/>
+            <a:ext cx="14160402" cy="45719"/>
+          </a:xfrm>
+          <a:prstGeom prst="rect">
+            <a:avLst/>
+          </a:prstGeom>
+          <a:noFill/>
+          <a:ln>
+            <a:noFill/>
+          </a:ln>
+          <a:effectLst/>
+          <a:extLst>
+            <a:ext uri="{909E8E84-426E-40DD-AFC4-6F175D3DCCD1}">
+              <a14:hiddenFill xmlns:a14="http://schemas.microsoft.com/office/drawing/2010/main">
+                <a:solidFill>
+                  <a:schemeClr val="accent1"/>
+                </a:solidFill>
+              </a14:hiddenFill>
+            </a:ext>
+            <a:ext uri="{91240B29-F687-4F45-9708-019B960494DF}">
+              <a14:hiddenLine xmlns:a14="http://schemas.microsoft.com/office/drawing/2010/main" w="9525">
+                <a:solidFill>
+                  <a:schemeClr val="tx1"/>
+                </a:solidFill>
+                <a:miter lim="800000"/>
+                <a:headEnd/>
+                <a:tailEnd/>
+              </a14:hiddenLine>
+            </a:ext>
+            <a:ext uri="{AF507438-7753-43E0-B8FC-AC1667EBCBE1}">
+              <a14:hiddenEffects xmlns:a14="http://schemas.microsoft.com/office/drawing/2010/main">
+                <a:effectLst>
+                  <a:outerShdw dist="35921" dir="2700000" algn="ctr" rotWithShape="0">
+                    <a:schemeClr val="bg2"/>
+                  </a:outerShdw>
+                </a:effectLst>
+              </a14:hiddenEffects>
+            </a:ext>
+          </a:extLst>
+        </p:spPr>
+        <p:txBody>
+          <a:bodyPr vert="horz" wrap="square" lIns="91440" tIns="45720" rIns="91440" bIns="45720" numCol="1" anchor="ctr" anchorCtr="0" compatLnSpc="1">
+            <a:prstTxWarp prst="textNoShape">
+              <a:avLst/>
+            </a:prstTxWarp>
+            <a:spAutoFit/>
+          </a:bodyPr>
+          <a:lstStyle/>
+          <a:p>
+            <a:endParaRPr lang="ru-RU"/>
+          </a:p>
+        </p:txBody>
+      </p:sp>
+      <p:graphicFrame>
+        <p:nvGraphicFramePr>
+          <p:cNvPr id="20" name="Объект 19"/>
+          <p:cNvGraphicFramePr>
+            <a:graphicFrameLocks noChangeAspect="1"/>
+          </p:cNvGraphicFramePr>
+          <p:nvPr>
+            <p:extLst>
+              <p:ext uri="{D42A27DB-BD31-4B8C-83A1-F6EECF244321}">
+                <p14:modId xmlns:p14="http://schemas.microsoft.com/office/powerpoint/2010/main" val="1020968075"/>
+              </p:ext>
+            </p:extLst>
+          </p:nvPr>
+        </p:nvGraphicFramePr>
+        <p:xfrm>
+          <a:off x="4233896" y="5439278"/>
+          <a:ext cx="2798892" cy="608455"/>
+        </p:xfrm>
+        <a:graphic>
+          <a:graphicData uri="http://schemas.openxmlformats.org/presentationml/2006/ole">
+            <mc:AlternateContent xmlns:mc="http://schemas.openxmlformats.org/markup-compatibility/2006">
+              <mc:Choice xmlns:v="urn:schemas-microsoft-com:vml" Requires="v">
+                <p:oleObj spid="_x0000_s14376" name="Уравнение" r:id="rId9" imgW="2413000" imgH="520700" progId="Equation.3">
+                  <p:embed/>
+                </p:oleObj>
+              </mc:Choice>
+              <mc:Fallback>
+                <p:oleObj name="Уравнение" r:id="rId9" imgW="2413000" imgH="520700" progId="Equation.3">
+                  <p:embed/>
+                  <p:pic>
+                    <p:nvPicPr>
+                      <p:cNvPr id="0" name="Object 11"/>
+                      <p:cNvPicPr>
+                        <a:picLocks noChangeAspect="1" noChangeArrowheads="1"/>
+                      </p:cNvPicPr>
+                      <p:nvPr/>
+                    </p:nvPicPr>
+                    <p:blipFill>
+                      <a:blip r:embed="rId10">
+                        <a:extLst>
+                          <a:ext uri="{28A0092B-C50C-407E-A947-70E740481C1C}">
+                            <a14:useLocalDpi xmlns:a14="http://schemas.microsoft.com/office/drawing/2010/main" val="0"/>
+                          </a:ext>
+                        </a:extLst>
+                      </a:blip>
+                      <a:srcRect/>
+                      <a:stretch>
+                        <a:fillRect/>
+                      </a:stretch>
+                    </p:blipFill>
+                    <p:spPr bwMode="auto">
+                      <a:xfrm>
+                        <a:off x="4233896" y="5439278"/>
+                        <a:ext cx="2798892" cy="608455"/>
+                      </a:xfrm>
+                      <a:prstGeom prst="rect">
+                        <a:avLst/>
+                      </a:prstGeom>
+                      <a:noFill/>
+                    </p:spPr>
+                  </p:pic>
+                </p:oleObj>
+              </mc:Fallback>
+            </mc:AlternateContent>
+          </a:graphicData>
+        </a:graphic>
+      </p:graphicFrame>
+      <p:sp>
+        <p:nvSpPr>
+          <p:cNvPr id="21" name="Стрелка вниз 20"/>
+          <p:cNvSpPr/>
+          <p:nvPr/>
+        </p:nvSpPr>
+        <p:spPr>
+          <a:xfrm>
+            <a:off x="5458717" y="5016475"/>
+            <a:ext cx="349250" cy="331673"/>
+          </a:xfrm>
+          <a:prstGeom prst="downArrow">
+            <a:avLst/>
+          </a:prstGeom>
+        </p:spPr>
+        <p:style>
+          <a:lnRef idx="2">
+            <a:schemeClr val="accent1">
+              <a:shade val="50000"/>
+            </a:schemeClr>
+          </a:lnRef>
+          <a:fillRef idx="1">
+            <a:schemeClr val="accent1"/>
+          </a:fillRef>
+          <a:effectRef idx="0">
+            <a:schemeClr val="accent1"/>
+          </a:effectRef>
+          <a:fontRef idx="minor">
+            <a:schemeClr val="lt1"/>
+          </a:fontRef>
+        </p:style>
+        <p:txBody>
+          <a:bodyPr rtlCol="0" anchor="ctr"/>
+          <a:lstStyle/>
+          <a:p>
+            <a:pPr algn="ctr"/>
+            <a:endParaRPr lang="ru-RU"/>
+          </a:p>
+        </p:txBody>
+      </p:sp>
     </p:spTree>
     <p:extLst>
       <p:ext uri="{BB962C8B-B14F-4D97-AF65-F5344CB8AC3E}">
-        <p14:creationId xmlns:p14="http://schemas.microsoft.com/office/powerpoint/2010/main" val="1491453762"/>
+        <p14:creationId xmlns:p14="http://schemas.microsoft.com/office/powerpoint/2010/main" val="2018233245"/>
       </p:ext>
     </p:extLst>
   </p:cSld>
@@ -3868,39 +4589,9 @@
           <a:chExt cx="0" cy="0"/>
         </a:xfrm>
       </p:grpSpPr>
-      <p:pic>
-        <p:nvPicPr>
-          <p:cNvPr id="13" name="Рисунок 12"/>
-          <p:cNvPicPr>
-            <a:picLocks noChangeAspect="1"/>
-          </p:cNvPicPr>
-          <p:nvPr/>
-        </p:nvPicPr>
-        <p:blipFill>
-          <a:blip r:embed="rId3">
-            <a:extLst>
-              <a:ext uri="{28A0092B-C50C-407E-A947-70E740481C1C}">
-                <a14:useLocalDpi xmlns:a14="http://schemas.microsoft.com/office/drawing/2010/main" val="0"/>
-              </a:ext>
-            </a:extLst>
-          </a:blip>
-          <a:stretch>
-            <a:fillRect/>
-          </a:stretch>
-        </p:blipFill>
-        <p:spPr>
-          <a:xfrm>
-            <a:off x="3099703" y="3217140"/>
-            <a:ext cx="6003176" cy="3125463"/>
-          </a:xfrm>
-          <a:prstGeom prst="rect">
-            <a:avLst/>
-          </a:prstGeom>
-        </p:spPr>
-      </p:pic>
-      <p:sp>
-        <p:nvSpPr>
-          <p:cNvPr id="5" name="Заголовок 1"/>
+      <p:sp>
+        <p:nvSpPr>
+          <p:cNvPr id="2" name="Заголовок 1"/>
           <p:cNvSpPr>
             <a:spLocks noGrp="1"/>
           </p:cNvSpPr>
@@ -3910,8 +4601,8 @@
         </p:nvSpPr>
         <p:spPr>
           <a:xfrm>
-            <a:off x="246744" y="103869"/>
-            <a:ext cx="11713034" cy="694418"/>
+            <a:off x="609600" y="274638"/>
+            <a:ext cx="10972800" cy="506412"/>
           </a:xfrm>
         </p:spPr>
         <p:txBody>
@@ -3921,7 +4612,7 @@
           <a:lstStyle/>
           <a:p>
             <a:r>
-              <a:rPr lang="ru-RU" sz="3600" i="1" dirty="0" err="1" smtClean="0">
+              <a:rPr lang="ru-RU" sz="3600" i="1" dirty="0">
                 <a:solidFill>
                   <a:schemeClr val="tx2">
                     <a:lumMod val="60000"/>
@@ -3929,7 +4620,7 @@
                   </a:schemeClr>
                 </a:solidFill>
               </a:rPr>
-              <a:t>Центроидный</a:t>
+              <a:t>Наивный байесовский метод </a:t>
             </a:r>
             <a:r>
               <a:rPr lang="ru-RU" sz="3600" i="1" dirty="0" smtClean="0">
@@ -3940,7 +4631,7 @@
                   </a:schemeClr>
                 </a:solidFill>
               </a:rPr>
-              <a:t> метод</a:t>
+              <a:t>(2)</a:t>
             </a:r>
             <a:endParaRPr lang="ru-RU" sz="3600" i="1" dirty="0">
               <a:solidFill>
@@ -3955,7 +4646,7 @@
       </p:sp>
       <p:sp>
         <p:nvSpPr>
-          <p:cNvPr id="7" name="Нижний колонтитул 6"/>
+          <p:cNvPr id="4" name="Нижний колонтитул 3"/>
           <p:cNvSpPr>
             <a:spLocks noGrp="1"/>
           </p:cNvSpPr>
@@ -3978,7 +4669,11 @@
             </a:r>
             <a:r>
               <a:rPr lang="ru-RU" dirty="0" smtClean="0"/>
-              <a:t>, 2017</a:t>
+              <a:t>, </a:t>
+            </a:r>
+            <a:r>
+              <a:rPr lang="ru-RU" dirty="0" smtClean="0"/>
+              <a:t>2018</a:t>
             </a:r>
             <a:endParaRPr lang="ru-RU" dirty="0"/>
           </a:p>
@@ -3986,7 +4681,7 @@
       </p:sp>
       <p:sp>
         <p:nvSpPr>
-          <p:cNvPr id="6" name="Номер слайда 5"/>
+          <p:cNvPr id="5" name="Номер слайда 4"/>
           <p:cNvSpPr>
             <a:spLocks noGrp="1"/>
           </p:cNvSpPr>
@@ -4009,49 +4704,43 @@
       </p:sp>
       <p:graphicFrame>
         <p:nvGraphicFramePr>
-          <p:cNvPr id="4" name="Объект 3"/>
+          <p:cNvPr id="14" name="Объект 13"/>
           <p:cNvGraphicFramePr>
             <a:graphicFrameLocks noChangeAspect="1"/>
           </p:cNvGraphicFramePr>
           <p:nvPr>
             <p:extLst>
               <p:ext uri="{D42A27DB-BD31-4B8C-83A1-F6EECF244321}">
-                <p14:modId xmlns:p14="http://schemas.microsoft.com/office/powerpoint/2010/main" val="2023964687"/>
+                <p14:modId xmlns:p14="http://schemas.microsoft.com/office/powerpoint/2010/main" val="3355716642"/>
               </p:ext>
             </p:extLst>
           </p:nvPr>
         </p:nvGraphicFramePr>
         <p:xfrm>
-          <a:off x="1791067" y="2244341"/>
-          <a:ext cx="1545454" cy="720211"/>
+          <a:off x="4429125" y="938213"/>
+          <a:ext cx="2803525" cy="600075"/>
         </p:xfrm>
         <a:graphic>
           <a:graphicData uri="http://schemas.openxmlformats.org/presentationml/2006/ole">
             <mc:AlternateContent xmlns:mc="http://schemas.openxmlformats.org/markup-compatibility/2006">
               <mc:Choice xmlns:v="urn:schemas-microsoft-com:vml" Requires="v">
-                <p:oleObj spid="_x0000_s12317" name="Уравнение" r:id="rId4" imgW="977900" imgH="457200" progId="Equation.3">
+                <p:oleObj spid="_x0000_s16424" name="Уравнение" r:id="rId3" imgW="2031840" imgH="431640" progId="Equation.3">
                   <p:embed/>
                 </p:oleObj>
               </mc:Choice>
               <mc:Fallback>
-                <p:oleObj name="Уравнение" r:id="rId4" imgW="977900" imgH="457200" progId="Equation.3">
+                <p:oleObj name="Уравнение" r:id="rId3" imgW="2031840" imgH="431640" progId="Equation.3">
                   <p:embed/>
                   <p:pic>
                     <p:nvPicPr>
-                      <p:cNvPr id="0" name="Object 3"/>
+                      <p:cNvPr id="0" name=""/>
                       <p:cNvPicPr>
                         <a:picLocks noChangeAspect="1" noChangeArrowheads="1"/>
                       </p:cNvPicPr>
                       <p:nvPr/>
                     </p:nvPicPr>
                     <p:blipFill>
-                      <a:blip r:embed="rId5">
-                        <a:extLst>
-                          <a:ext uri="{28A0092B-C50C-407E-A947-70E740481C1C}">
-                            <a14:useLocalDpi xmlns:a14="http://schemas.microsoft.com/office/drawing/2010/main" val="0"/>
-                          </a:ext>
-                        </a:extLst>
-                      </a:blip>
+                      <a:blip r:embed="rId4"/>
                       <a:srcRect/>
                       <a:stretch>
                         <a:fillRect/>
@@ -4059,8 +4748,8 @@
                     </p:blipFill>
                     <p:spPr bwMode="auto">
                       <a:xfrm>
-                        <a:off x="1791067" y="2244341"/>
-                        <a:ext cx="1545454" cy="720211"/>
+                        <a:off x="4429125" y="938213"/>
+                        <a:ext cx="2803525" cy="600075"/>
                       </a:xfrm>
                       <a:prstGeom prst="rect">
                         <a:avLst/>
@@ -4074,189 +4763,45 @@
           </a:graphicData>
         </a:graphic>
       </p:graphicFrame>
-      <p:sp>
-        <p:nvSpPr>
-          <p:cNvPr id="10" name="TextBox 9"/>
-          <p:cNvSpPr txBox="1"/>
-          <p:nvPr/>
-        </p:nvSpPr>
-        <p:spPr>
-          <a:xfrm>
-            <a:off x="246744" y="1064619"/>
-            <a:ext cx="11830955" cy="1015663"/>
-          </a:xfrm>
-          <a:prstGeom prst="rect">
-            <a:avLst/>
-          </a:prstGeom>
-          <a:noFill/>
-        </p:spPr>
-        <p:txBody>
-          <a:bodyPr wrap="square" rtlCol="0">
-            <a:spAutoFit/>
-          </a:bodyPr>
-          <a:lstStyle/>
-          <a:p>
-            <a:r>
-              <a:rPr lang="ru-RU" sz="2000" dirty="0" err="1" smtClean="0"/>
-              <a:t>Центроид</a:t>
-            </a:r>
-            <a:r>
-              <a:rPr lang="ru-RU" sz="2000" dirty="0" smtClean="0"/>
-              <a:t> – вектор со средними значениями весов терминов документов данного класса. «Центр тяжести». </a:t>
-            </a:r>
-          </a:p>
-          <a:p>
-            <a:r>
-              <a:rPr lang="ru-RU" sz="2000" dirty="0" smtClean="0"/>
-              <a:t>Классифицируемый объект относится к классу с наиболее близким </a:t>
-            </a:r>
-            <a:r>
-              <a:rPr lang="ru-RU" sz="2000" dirty="0" err="1" smtClean="0"/>
-              <a:t>центроидом</a:t>
-            </a:r>
-            <a:r>
-              <a:rPr lang="ru-RU" sz="2000" dirty="0" smtClean="0"/>
-              <a:t>. </a:t>
-            </a:r>
-            <a:endParaRPr lang="ru-RU" sz="2000" dirty="0"/>
-          </a:p>
-        </p:txBody>
-      </p:sp>
-      <p:pic>
-        <p:nvPicPr>
-          <p:cNvPr id="14" name="Рисунок 13"/>
-          <p:cNvPicPr>
-            <a:picLocks noChangeAspect="1"/>
-          </p:cNvPicPr>
-          <p:nvPr/>
-        </p:nvPicPr>
-        <p:blipFill>
-          <a:blip r:embed="rId6">
-            <a:extLst>
-              <a:ext uri="{28A0092B-C50C-407E-A947-70E740481C1C}">
-                <a14:useLocalDpi xmlns:a14="http://schemas.microsoft.com/office/drawing/2010/main" val="0"/>
-              </a:ext>
-            </a:extLst>
-          </a:blip>
-          <a:stretch>
-            <a:fillRect/>
-          </a:stretch>
-        </p:blipFill>
-        <p:spPr>
-          <a:xfrm>
-            <a:off x="3099703" y="3223945"/>
-            <a:ext cx="6003176" cy="3125463"/>
-          </a:xfrm>
-          <a:prstGeom prst="rect">
-            <a:avLst/>
-          </a:prstGeom>
-        </p:spPr>
-      </p:pic>
-      <p:pic>
-        <p:nvPicPr>
-          <p:cNvPr id="15" name="Рисунок 14"/>
-          <p:cNvPicPr>
-            <a:picLocks noChangeAspect="1"/>
-          </p:cNvPicPr>
-          <p:nvPr/>
-        </p:nvPicPr>
-        <p:blipFill>
-          <a:blip r:embed="rId7">
-            <a:extLst>
-              <a:ext uri="{28A0092B-C50C-407E-A947-70E740481C1C}">
-                <a14:useLocalDpi xmlns:a14="http://schemas.microsoft.com/office/drawing/2010/main" val="0"/>
-              </a:ext>
-            </a:extLst>
-          </a:blip>
-          <a:stretch>
-            <a:fillRect/>
-          </a:stretch>
-        </p:blipFill>
-        <p:spPr>
-          <a:xfrm>
-            <a:off x="3099256" y="3224550"/>
-            <a:ext cx="6003176" cy="3125463"/>
-          </a:xfrm>
-          <a:prstGeom prst="rect">
-            <a:avLst/>
-          </a:prstGeom>
-        </p:spPr>
-      </p:pic>
-      <p:pic>
-        <p:nvPicPr>
-          <p:cNvPr id="16" name="Рисунок 15"/>
-          <p:cNvPicPr>
-            <a:picLocks noChangeAspect="1"/>
-          </p:cNvPicPr>
-          <p:nvPr/>
-        </p:nvPicPr>
-        <p:blipFill>
-          <a:blip r:embed="rId8">
-            <a:extLst>
-              <a:ext uri="{28A0092B-C50C-407E-A947-70E740481C1C}">
-                <a14:useLocalDpi xmlns:a14="http://schemas.microsoft.com/office/drawing/2010/main" val="0"/>
-              </a:ext>
-            </a:extLst>
-          </a:blip>
-          <a:stretch>
-            <a:fillRect/>
-          </a:stretch>
-        </p:blipFill>
-        <p:spPr>
-          <a:xfrm>
-            <a:off x="3098413" y="3222890"/>
-            <a:ext cx="6003176" cy="3125463"/>
-          </a:xfrm>
-          <a:prstGeom prst="rect">
-            <a:avLst/>
-          </a:prstGeom>
-        </p:spPr>
-      </p:pic>
       <p:graphicFrame>
         <p:nvGraphicFramePr>
-          <p:cNvPr id="27" name="Объект 26"/>
+          <p:cNvPr id="11" name="Объект 10"/>
           <p:cNvGraphicFramePr>
             <a:graphicFrameLocks noChangeAspect="1"/>
           </p:cNvGraphicFramePr>
           <p:nvPr>
             <p:extLst>
               <p:ext uri="{D42A27DB-BD31-4B8C-83A1-F6EECF244321}">
-                <p14:modId xmlns:p14="http://schemas.microsoft.com/office/powerpoint/2010/main" val="1613551258"/>
+                <p14:modId xmlns:p14="http://schemas.microsoft.com/office/powerpoint/2010/main" val="3966606091"/>
               </p:ext>
             </p:extLst>
           </p:nvPr>
         </p:nvGraphicFramePr>
         <p:xfrm>
-          <a:off x="6486331" y="2263033"/>
-          <a:ext cx="4733482" cy="682825"/>
+          <a:off x="973138" y="1641475"/>
+          <a:ext cx="1006475" cy="439738"/>
         </p:xfrm>
         <a:graphic>
           <a:graphicData uri="http://schemas.openxmlformats.org/presentationml/2006/ole">
             <mc:AlternateContent xmlns:mc="http://schemas.openxmlformats.org/markup-compatibility/2006">
               <mc:Choice xmlns:v="urn:schemas-microsoft-com:vml" Requires="v">
-                <p:oleObj spid="_x0000_s12318" name="Уравнение" r:id="rId9" imgW="3898900" imgH="558800" progId="Equation.3">
+                <p:oleObj spid="_x0000_s16425" name="Уравнение" r:id="rId5" imgW="787320" imgH="393480" progId="Equation.3">
                   <p:embed/>
                 </p:oleObj>
               </mc:Choice>
               <mc:Fallback>
-                <p:oleObj name="Уравнение" r:id="rId9" imgW="3898900" imgH="558800" progId="Equation.3">
+                <p:oleObj name="Уравнение" r:id="rId5" imgW="787320" imgH="393480" progId="Equation.3">
                   <p:embed/>
                   <p:pic>
                     <p:nvPicPr>
-                      <p:cNvPr id="0" name="Object 7"/>
+                      <p:cNvPr id="0" name="Object 1"/>
                       <p:cNvPicPr>
                         <a:picLocks noChangeAspect="1" noChangeArrowheads="1"/>
                       </p:cNvPicPr>
                       <p:nvPr/>
                     </p:nvPicPr>
                     <p:blipFill>
-                      <a:blip r:embed="rId10">
-                        <a:extLst>
-                          <a:ext uri="{28A0092B-C50C-407E-A947-70E740481C1C}">
-                            <a14:useLocalDpi xmlns:a14="http://schemas.microsoft.com/office/drawing/2010/main" val="0"/>
-                          </a:ext>
-                        </a:extLst>
-                      </a:blip>
+                      <a:blip r:embed="rId6"/>
                       <a:srcRect/>
                       <a:stretch>
                         <a:fillRect/>
@@ -4264,8 +4809,8 @@
                     </p:blipFill>
                     <p:spPr bwMode="auto">
                       <a:xfrm>
-                        <a:off x="6486331" y="2263033"/>
-                        <a:ext cx="4733482" cy="682825"/>
+                        <a:off x="973138" y="1641475"/>
+                        <a:ext cx="1006475" cy="439738"/>
                       </a:xfrm>
                       <a:prstGeom prst="rect">
                         <a:avLst/>
@@ -4281,14 +4826,988 @@
       </p:graphicFrame>
       <p:sp>
         <p:nvSpPr>
-          <p:cNvPr id="28" name="TextBox 27"/>
+          <p:cNvPr id="17" name="Прямоугольник 16"/>
+          <p:cNvSpPr/>
+          <p:nvPr/>
+        </p:nvSpPr>
+        <p:spPr>
+          <a:xfrm>
+            <a:off x="609600" y="1679720"/>
+            <a:ext cx="10326217" cy="477054"/>
+          </a:xfrm>
+          <a:prstGeom prst="rect">
+            <a:avLst/>
+          </a:prstGeom>
+        </p:spPr>
+        <p:txBody>
+          <a:bodyPr wrap="square">
+            <a:spAutoFit/>
+          </a:bodyPr>
+          <a:lstStyle/>
+          <a:p>
+            <a:pPr marL="342900" indent="-342900">
+              <a:lnSpc>
+                <a:spcPct val="125000"/>
+              </a:lnSpc>
+              <a:buFont typeface="Arial" panose="020B0604020202020204" pitchFamily="34" charset="0"/>
+              <a:buChar char="•"/>
+            </a:pPr>
+            <a:r>
+              <a:rPr lang="ru-RU" sz="2000" dirty="0" smtClean="0"/>
+              <a:t>       </a:t>
+            </a:r>
+            <a:r>
+              <a:rPr lang="en-US" sz="2000" dirty="0" smtClean="0"/>
+              <a:t>         </a:t>
+            </a:r>
+            <a:r>
+              <a:rPr lang="ru-RU" sz="2000" dirty="0" smtClean="0"/>
+              <a:t> </a:t>
+            </a:r>
+            <a:r>
+              <a:rPr lang="en-US" sz="2000" dirty="0" smtClean="0"/>
+              <a:t> </a:t>
+            </a:r>
+            <a:r>
+              <a:rPr lang="ru-RU" sz="2000" dirty="0" smtClean="0"/>
+              <a:t> - </a:t>
+            </a:r>
+            <a:r>
+              <a:rPr lang="ru-RU" sz="2000" dirty="0"/>
+              <a:t>оценка</a:t>
+            </a:r>
+            <a:r>
+              <a:rPr lang="ru-RU" sz="2000" dirty="0" smtClean="0"/>
+              <a:t> для </a:t>
+            </a:r>
+            <a:r>
+              <a:rPr lang="en-US" sz="2000" dirty="0"/>
+              <a:t>P</a:t>
+            </a:r>
+            <a:r>
+              <a:rPr lang="en-US" sz="2000" dirty="0" smtClean="0"/>
+              <a:t>(</a:t>
+            </a:r>
+            <a:r>
+              <a:rPr lang="en-US" sz="2000" dirty="0" err="1" smtClean="0"/>
+              <a:t>Q</a:t>
+            </a:r>
+            <a:r>
+              <a:rPr lang="en-US" sz="1400" dirty="0" err="1" smtClean="0"/>
+              <a:t>k</a:t>
+            </a:r>
+            <a:r>
+              <a:rPr lang="en-US" sz="2000" dirty="0" smtClean="0"/>
+              <a:t>) – </a:t>
+            </a:r>
+            <a:r>
+              <a:rPr lang="ru-RU" sz="2000" dirty="0" smtClean="0"/>
+              <a:t>вероятность встретить </a:t>
+            </a:r>
+            <a:r>
+              <a:rPr lang="ru-RU" sz="2000" dirty="0" smtClean="0"/>
+              <a:t>объект класса </a:t>
+            </a:r>
+            <a:r>
+              <a:rPr lang="en-US" sz="2000" dirty="0" err="1" smtClean="0"/>
+              <a:t>Q</a:t>
+            </a:r>
+            <a:r>
+              <a:rPr lang="en-US" sz="1400" dirty="0" err="1" smtClean="0"/>
+              <a:t>k</a:t>
+            </a:r>
+            <a:r>
+              <a:rPr lang="ru-RU" sz="2000" dirty="0" smtClean="0"/>
+              <a:t> в </a:t>
+            </a:r>
+            <a:r>
+              <a:rPr lang="ru-RU" sz="2000" dirty="0" smtClean="0"/>
+              <a:t>выборке</a:t>
+            </a:r>
+            <a:endParaRPr lang="ru-RU" sz="2000" dirty="0"/>
+          </a:p>
+        </p:txBody>
+      </p:sp>
+      <p:sp>
+        <p:nvSpPr>
+          <p:cNvPr id="22" name="Прямоугольник 21"/>
+          <p:cNvSpPr/>
+          <p:nvPr/>
+        </p:nvSpPr>
+        <p:spPr>
+          <a:xfrm>
+            <a:off x="609599" y="2684830"/>
+            <a:ext cx="10326217" cy="1631216"/>
+          </a:xfrm>
+          <a:prstGeom prst="rect">
+            <a:avLst/>
+          </a:prstGeom>
+        </p:spPr>
+        <p:txBody>
+          <a:bodyPr wrap="square">
+            <a:spAutoFit/>
+          </a:bodyPr>
+          <a:lstStyle/>
+          <a:p>
+            <a:pPr marL="342900" indent="-342900">
+              <a:lnSpc>
+                <a:spcPct val="125000"/>
+              </a:lnSpc>
+              <a:buFont typeface="Arial" panose="020B0604020202020204" pitchFamily="34" charset="0"/>
+              <a:buChar char="•"/>
+            </a:pPr>
+            <a:r>
+              <a:rPr lang="ru-RU" sz="2000" dirty="0" smtClean="0"/>
+              <a:t>       </a:t>
+            </a:r>
+            <a:r>
+              <a:rPr lang="en-US" sz="2000" dirty="0" smtClean="0"/>
+              <a:t>               </a:t>
+            </a:r>
+            <a:r>
+              <a:rPr lang="ru-RU" sz="2000" dirty="0" smtClean="0"/>
+              <a:t> </a:t>
+            </a:r>
+            <a:r>
+              <a:rPr lang="en-US" sz="2000" dirty="0" smtClean="0"/>
+              <a:t>  </a:t>
+            </a:r>
+            <a:r>
+              <a:rPr lang="ru-RU" sz="2000" dirty="0" smtClean="0"/>
+              <a:t>-</a:t>
+            </a:r>
+            <a:r>
+              <a:rPr lang="en-US" sz="2000" dirty="0" smtClean="0"/>
+              <a:t> </a:t>
+            </a:r>
+            <a:r>
+              <a:rPr lang="ru-RU" sz="2000" dirty="0" smtClean="0"/>
+              <a:t>вероятность встретить </a:t>
+            </a:r>
+            <a:r>
+              <a:rPr lang="ru-RU" sz="2000" dirty="0" smtClean="0"/>
+              <a:t>признак </a:t>
+            </a:r>
+            <a:r>
+              <a:rPr lang="en-US" sz="2000" dirty="0" smtClean="0"/>
+              <a:t>x</a:t>
+            </a:r>
+            <a:r>
+              <a:rPr lang="ru-RU" sz="2000" dirty="0" smtClean="0"/>
+              <a:t>(</a:t>
+            </a:r>
+            <a:r>
+              <a:rPr lang="en-US" sz="2000" dirty="0" err="1" smtClean="0"/>
+              <a:t>i</a:t>
+            </a:r>
+            <a:r>
+              <a:rPr lang="ru-RU" sz="2000" dirty="0" smtClean="0"/>
+              <a:t>) в классе </a:t>
+            </a:r>
+            <a:r>
+              <a:rPr lang="en-US" sz="2000" dirty="0" err="1" smtClean="0"/>
+              <a:t>Qk</a:t>
+            </a:r>
+            <a:endParaRPr lang="ru-RU" sz="2000" dirty="0" smtClean="0"/>
+          </a:p>
+          <a:p>
+            <a:pPr>
+              <a:lnSpc>
+                <a:spcPct val="125000"/>
+              </a:lnSpc>
+            </a:pPr>
+            <a:r>
+              <a:rPr lang="ru-RU" sz="2000" dirty="0" smtClean="0"/>
+              <a:t> </a:t>
+            </a:r>
+          </a:p>
+          <a:p>
+            <a:pPr marL="342900" indent="-342900">
+              <a:lnSpc>
+                <a:spcPct val="125000"/>
+              </a:lnSpc>
+              <a:buFont typeface="Arial" panose="020B0604020202020204" pitchFamily="34" charset="0"/>
+              <a:buChar char="•"/>
+            </a:pPr>
+            <a:r>
+              <a:rPr lang="ru-RU" sz="2000" dirty="0" smtClean="0"/>
+              <a:t>Часто (особенно в задачах </a:t>
+            </a:r>
+            <a:r>
+              <a:rPr lang="en-US" sz="2000" dirty="0" smtClean="0">
+                <a:solidFill>
+                  <a:srgbClr val="0070C0"/>
+                </a:solidFill>
+              </a:rPr>
+              <a:t>Text Mining</a:t>
+            </a:r>
+            <a:r>
+              <a:rPr lang="en-US" sz="2000" dirty="0" smtClean="0"/>
+              <a:t>)</a:t>
+            </a:r>
+            <a:r>
+              <a:rPr lang="ru-RU" sz="2000" dirty="0" smtClean="0"/>
+              <a:t> </a:t>
+            </a:r>
+            <a:r>
+              <a:rPr lang="ru-RU" sz="2000" dirty="0" smtClean="0"/>
+              <a:t>используется уточненная формула:	</a:t>
+            </a:r>
+            <a:r>
+              <a:rPr lang="ru-RU" sz="2000" dirty="0"/>
+              <a:t>	</a:t>
+            </a:r>
+            <a:r>
+              <a:rPr lang="ru-RU" sz="2000" dirty="0" smtClean="0"/>
+              <a:t>         </a:t>
+            </a:r>
+            <a:r>
+              <a:rPr lang="ru-RU" sz="2000" dirty="0" smtClean="0"/>
+              <a:t>где </a:t>
+            </a:r>
+            <a:r>
+              <a:rPr lang="ru-RU" sz="2000" dirty="0" smtClean="0"/>
+              <a:t>М </a:t>
+            </a:r>
+            <a:r>
+              <a:rPr lang="ru-RU" sz="2000" dirty="0"/>
+              <a:t>– общее </a:t>
+            </a:r>
+            <a:r>
+              <a:rPr lang="ru-RU" sz="2000" dirty="0" smtClean="0"/>
+              <a:t>количество</a:t>
+            </a:r>
+            <a:r>
+              <a:rPr lang="en-US" sz="2000" dirty="0" smtClean="0"/>
+              <a:t> </a:t>
+            </a:r>
+            <a:r>
+              <a:rPr lang="ru-RU" sz="2000" dirty="0" smtClean="0"/>
+              <a:t>признаков (</a:t>
+            </a:r>
+            <a:r>
+              <a:rPr lang="ru-RU" sz="2000" dirty="0" smtClean="0">
+                <a:solidFill>
+                  <a:srgbClr val="0070C0"/>
+                </a:solidFill>
+              </a:rPr>
+              <a:t>терминов</a:t>
+            </a:r>
+            <a:r>
+              <a:rPr lang="ru-RU" sz="2000" dirty="0" smtClean="0"/>
+              <a:t>) </a:t>
+            </a:r>
+            <a:r>
+              <a:rPr lang="ru-RU" sz="2000" dirty="0"/>
+              <a:t>во всех </a:t>
+            </a:r>
+            <a:r>
+              <a:rPr lang="ru-RU" sz="2000" dirty="0" smtClean="0"/>
+              <a:t>объектах (</a:t>
+            </a:r>
+            <a:r>
+              <a:rPr lang="ru-RU" sz="2000" dirty="0" smtClean="0">
+                <a:solidFill>
+                  <a:srgbClr val="0070C0"/>
+                </a:solidFill>
+              </a:rPr>
+              <a:t>документах</a:t>
+            </a:r>
+            <a:r>
+              <a:rPr lang="ru-RU" sz="2000" dirty="0" smtClean="0"/>
+              <a:t>) выборки</a:t>
+            </a:r>
+            <a:endParaRPr lang="ru-RU" sz="2000" dirty="0"/>
+          </a:p>
+        </p:txBody>
+      </p:sp>
+      <p:sp>
+        <p:nvSpPr>
+          <p:cNvPr id="23" name="Rectangle 8"/>
+          <p:cNvSpPr>
+            <a:spLocks noChangeArrowheads="1"/>
+          </p:cNvSpPr>
+          <p:nvPr/>
+        </p:nvSpPr>
+        <p:spPr bwMode="auto">
+          <a:xfrm>
+            <a:off x="0" y="0"/>
+            <a:ext cx="12192000" cy="0"/>
+          </a:xfrm>
+          <a:prstGeom prst="rect">
+            <a:avLst/>
+          </a:prstGeom>
+          <a:noFill/>
+          <a:ln>
+            <a:noFill/>
+          </a:ln>
+          <a:effectLst/>
+          <a:extLst>
+            <a:ext uri="{909E8E84-426E-40DD-AFC4-6F175D3DCCD1}">
+              <a14:hiddenFill xmlns:a14="http://schemas.microsoft.com/office/drawing/2010/main">
+                <a:solidFill>
+                  <a:schemeClr val="accent1"/>
+                </a:solidFill>
+              </a14:hiddenFill>
+            </a:ext>
+            <a:ext uri="{91240B29-F687-4F45-9708-019B960494DF}">
+              <a14:hiddenLine xmlns:a14="http://schemas.microsoft.com/office/drawing/2010/main" w="9525">
+                <a:solidFill>
+                  <a:schemeClr val="tx1"/>
+                </a:solidFill>
+                <a:miter lim="800000"/>
+                <a:headEnd/>
+                <a:tailEnd/>
+              </a14:hiddenLine>
+            </a:ext>
+            <a:ext uri="{AF507438-7753-43E0-B8FC-AC1667EBCBE1}">
+              <a14:hiddenEffects xmlns:a14="http://schemas.microsoft.com/office/drawing/2010/main">
+                <a:effectLst>
+                  <a:outerShdw dist="35921" dir="2700000" algn="ctr" rotWithShape="0">
+                    <a:schemeClr val="bg2"/>
+                  </a:outerShdw>
+                </a:effectLst>
+              </a14:hiddenEffects>
+            </a:ext>
+          </a:extLst>
+        </p:spPr>
+        <p:txBody>
+          <a:bodyPr vert="horz" wrap="none" lIns="91440" tIns="45720" rIns="91440" bIns="45720" numCol="1" anchor="ctr" anchorCtr="0" compatLnSpc="1">
+            <a:prstTxWarp prst="textNoShape">
+              <a:avLst/>
+            </a:prstTxWarp>
+            <a:spAutoFit/>
+          </a:bodyPr>
+          <a:lstStyle/>
+          <a:p>
+            <a:endParaRPr lang="ru-RU"/>
+          </a:p>
+        </p:txBody>
+      </p:sp>
+      <p:graphicFrame>
+        <p:nvGraphicFramePr>
+          <p:cNvPr id="24" name="Объект 23"/>
+          <p:cNvGraphicFramePr>
+            <a:graphicFrameLocks noChangeAspect="1"/>
+          </p:cNvGraphicFramePr>
+          <p:nvPr>
+            <p:extLst>
+              <p:ext uri="{D42A27DB-BD31-4B8C-83A1-F6EECF244321}">
+                <p14:modId xmlns:p14="http://schemas.microsoft.com/office/powerpoint/2010/main" val="2246681758"/>
+              </p:ext>
+            </p:extLst>
+          </p:nvPr>
+        </p:nvGraphicFramePr>
+        <p:xfrm>
+          <a:off x="884238" y="2595563"/>
+          <a:ext cx="1446212" cy="581025"/>
+        </p:xfrm>
+        <a:graphic>
+          <a:graphicData uri="http://schemas.openxmlformats.org/presentationml/2006/ole">
+            <mc:AlternateContent xmlns:mc="http://schemas.openxmlformats.org/markup-compatibility/2006">
+              <mc:Choice xmlns:v="urn:schemas-microsoft-com:vml" Requires="v">
+                <p:oleObj spid="_x0000_s16426" name="Уравнение" r:id="rId7" imgW="1091880" imgH="431640" progId="Equation.3">
+                  <p:embed/>
+                </p:oleObj>
+              </mc:Choice>
+              <mc:Fallback>
+                <p:oleObj name="Уравнение" r:id="rId7" imgW="1091880" imgH="431640" progId="Equation.3">
+                  <p:embed/>
+                  <p:pic>
+                    <p:nvPicPr>
+                      <p:cNvPr id="0" name="Object 7"/>
+                      <p:cNvPicPr>
+                        <a:picLocks noChangeAspect="1" noChangeArrowheads="1"/>
+                      </p:cNvPicPr>
+                      <p:nvPr/>
+                    </p:nvPicPr>
+                    <p:blipFill>
+                      <a:blip r:embed="rId8"/>
+                      <a:srcRect/>
+                      <a:stretch>
+                        <a:fillRect/>
+                      </a:stretch>
+                    </p:blipFill>
+                    <p:spPr bwMode="auto">
+                      <a:xfrm>
+                        <a:off x="884238" y="2595563"/>
+                        <a:ext cx="1446212" cy="581025"/>
+                      </a:xfrm>
+                      <a:prstGeom prst="rect">
+                        <a:avLst/>
+                      </a:prstGeom>
+                      <a:noFill/>
+                    </p:spPr>
+                  </p:pic>
+                </p:oleObj>
+              </mc:Fallback>
+            </mc:AlternateContent>
+          </a:graphicData>
+        </a:graphic>
+      </p:graphicFrame>
+      <p:graphicFrame>
+        <p:nvGraphicFramePr>
+          <p:cNvPr id="26" name="Объект 25"/>
+          <p:cNvGraphicFramePr>
+            <a:graphicFrameLocks noChangeAspect="1"/>
+          </p:cNvGraphicFramePr>
+          <p:nvPr>
+            <p:extLst>
+              <p:ext uri="{D42A27DB-BD31-4B8C-83A1-F6EECF244321}">
+                <p14:modId xmlns:p14="http://schemas.microsoft.com/office/powerpoint/2010/main" val="4233478212"/>
+              </p:ext>
+            </p:extLst>
+          </p:nvPr>
+        </p:nvGraphicFramePr>
+        <p:xfrm>
+          <a:off x="3778668" y="4893773"/>
+          <a:ext cx="3738562" cy="968375"/>
+        </p:xfrm>
+        <a:graphic>
+          <a:graphicData uri="http://schemas.openxmlformats.org/presentationml/2006/ole">
+            <mc:AlternateContent xmlns:mc="http://schemas.openxmlformats.org/markup-compatibility/2006">
+              <mc:Choice xmlns:v="urn:schemas-microsoft-com:vml" Requires="v">
+                <p:oleObj spid="_x0000_s16427" name="Уравнение" r:id="rId9" imgW="2222280" imgH="558720" progId="Equation.3">
+                  <p:embed/>
+                </p:oleObj>
+              </mc:Choice>
+              <mc:Fallback>
+                <p:oleObj name="Уравнение" r:id="rId9" imgW="2222280" imgH="558720" progId="Equation.3">
+                  <p:embed/>
+                  <p:pic>
+                    <p:nvPicPr>
+                      <p:cNvPr id="0" name="Object 9"/>
+                      <p:cNvPicPr>
+                        <a:picLocks noChangeAspect="1" noChangeArrowheads="1"/>
+                      </p:cNvPicPr>
+                      <p:nvPr/>
+                    </p:nvPicPr>
+                    <p:blipFill>
+                      <a:blip r:embed="rId10"/>
+                      <a:srcRect/>
+                      <a:stretch>
+                        <a:fillRect/>
+                      </a:stretch>
+                    </p:blipFill>
+                    <p:spPr bwMode="auto">
+                      <a:xfrm>
+                        <a:off x="3778668" y="4893773"/>
+                        <a:ext cx="3738562" cy="968375"/>
+                      </a:xfrm>
+                      <a:prstGeom prst="rect">
+                        <a:avLst/>
+                      </a:prstGeom>
+                      <a:noFill/>
+                    </p:spPr>
+                  </p:pic>
+                </p:oleObj>
+              </mc:Fallback>
+            </mc:AlternateContent>
+          </a:graphicData>
+        </a:graphic>
+      </p:graphicFrame>
+      <p:sp>
+        <p:nvSpPr>
+          <p:cNvPr id="27" name="Стрелка вниз 26"/>
+          <p:cNvSpPr/>
+          <p:nvPr/>
+        </p:nvSpPr>
+        <p:spPr>
+          <a:xfrm>
+            <a:off x="5472530" y="4455252"/>
+            <a:ext cx="349250" cy="331673"/>
+          </a:xfrm>
+          <a:prstGeom prst="downArrow">
+            <a:avLst/>
+          </a:prstGeom>
+        </p:spPr>
+        <p:style>
+          <a:lnRef idx="2">
+            <a:schemeClr val="accent1">
+              <a:shade val="50000"/>
+            </a:schemeClr>
+          </a:lnRef>
+          <a:fillRef idx="1">
+            <a:schemeClr val="accent1"/>
+          </a:fillRef>
+          <a:effectRef idx="0">
+            <a:schemeClr val="accent1"/>
+          </a:effectRef>
+          <a:fontRef idx="minor">
+            <a:schemeClr val="lt1"/>
+          </a:fontRef>
+        </p:style>
+        <p:txBody>
+          <a:bodyPr rtlCol="0" anchor="ctr"/>
+          <a:lstStyle/>
+          <a:p>
+            <a:pPr algn="ctr"/>
+            <a:endParaRPr lang="ru-RU"/>
+          </a:p>
+        </p:txBody>
+      </p:sp>
+      <p:graphicFrame>
+        <p:nvGraphicFramePr>
+          <p:cNvPr id="31" name="Объект 30"/>
+          <p:cNvGraphicFramePr>
+            <a:graphicFrameLocks noChangeAspect="1"/>
+          </p:cNvGraphicFramePr>
+          <p:nvPr>
+            <p:extLst>
+              <p:ext uri="{D42A27DB-BD31-4B8C-83A1-F6EECF244321}">
+                <p14:modId xmlns:p14="http://schemas.microsoft.com/office/powerpoint/2010/main" val="2522262745"/>
+              </p:ext>
+            </p:extLst>
+          </p:nvPr>
+        </p:nvGraphicFramePr>
+        <p:xfrm>
+          <a:off x="9238414" y="3346108"/>
+          <a:ext cx="1882181" cy="598482"/>
+        </p:xfrm>
+        <a:graphic>
+          <a:graphicData uri="http://schemas.openxmlformats.org/presentationml/2006/ole">
+            <mc:AlternateContent xmlns:mc="http://schemas.openxmlformats.org/markup-compatibility/2006">
+              <mc:Choice xmlns:v="urn:schemas-microsoft-com:vml" Requires="v">
+                <p:oleObj spid="_x0000_s16428" name="Уравнение" r:id="rId11" imgW="1358640" imgH="431640" progId="Equation.3">
+                  <p:embed/>
+                </p:oleObj>
+              </mc:Choice>
+              <mc:Fallback>
+                <p:oleObj name="Уравнение" r:id="rId11" imgW="1358640" imgH="431640" progId="Equation.3">
+                  <p:embed/>
+                  <p:pic>
+                    <p:nvPicPr>
+                      <p:cNvPr id="0" name="Object 13"/>
+                      <p:cNvPicPr>
+                        <a:picLocks noChangeAspect="1" noChangeArrowheads="1"/>
+                      </p:cNvPicPr>
+                      <p:nvPr/>
+                    </p:nvPicPr>
+                    <p:blipFill>
+                      <a:blip r:embed="rId12"/>
+                      <a:srcRect/>
+                      <a:stretch>
+                        <a:fillRect/>
+                      </a:stretch>
+                    </p:blipFill>
+                    <p:spPr bwMode="auto">
+                      <a:xfrm>
+                        <a:off x="9238414" y="3346108"/>
+                        <a:ext cx="1882181" cy="598482"/>
+                      </a:xfrm>
+                      <a:prstGeom prst="rect">
+                        <a:avLst/>
+                      </a:prstGeom>
+                      <a:noFill/>
+                    </p:spPr>
+                  </p:pic>
+                </p:oleObj>
+              </mc:Fallback>
+            </mc:AlternateContent>
+          </a:graphicData>
+        </a:graphic>
+      </p:graphicFrame>
+    </p:spTree>
+    <p:extLst>
+      <p:ext uri="{BB962C8B-B14F-4D97-AF65-F5344CB8AC3E}">
+        <p14:creationId xmlns:p14="http://schemas.microsoft.com/office/powerpoint/2010/main" val="1794860600"/>
+      </p:ext>
+    </p:extLst>
+  </p:cSld>
+  <p:clrMapOvr>
+    <a:masterClrMapping/>
+  </p:clrMapOvr>
+  <p:timing>
+    <p:tnLst>
+      <p:par>
+        <p:cTn id="1" dur="indefinite" restart="never" nodeType="tmRoot"/>
+      </p:par>
+    </p:tnLst>
+  </p:timing>
+</p:sld>
+</file>
+
+<file path=ppt/slides/slide4.xml><?xml version="1.0" encoding="utf-8"?>
+<p:sld xmlns:a="http://schemas.openxmlformats.org/drawingml/2006/main" xmlns:r="http://schemas.openxmlformats.org/officeDocument/2006/relationships" xmlns:p="http://schemas.openxmlformats.org/presentationml/2006/main">
+  <p:cSld>
+    <p:spTree>
+      <p:nvGrpSpPr>
+        <p:cNvPr id="1" name=""/>
+        <p:cNvGrpSpPr/>
+        <p:nvPr/>
+      </p:nvGrpSpPr>
+      <p:grpSpPr>
+        <a:xfrm>
+          <a:off x="0" y="0"/>
+          <a:ext cx="0" cy="0"/>
+          <a:chOff x="0" y="0"/>
+          <a:chExt cx="0" cy="0"/>
+        </a:xfrm>
+      </p:grpSpPr>
+      <p:sp>
+        <p:nvSpPr>
+          <p:cNvPr id="5" name="Заголовок 1"/>
+          <p:cNvSpPr>
+            <a:spLocks noGrp="1"/>
+          </p:cNvSpPr>
+          <p:nvPr>
+            <p:ph type="title"/>
+          </p:nvPr>
+        </p:nvSpPr>
+        <p:spPr>
+          <a:xfrm>
+            <a:off x="239483" y="66281"/>
+            <a:ext cx="11713034" cy="694418"/>
+          </a:xfrm>
+        </p:spPr>
+        <p:txBody>
+          <a:bodyPr>
+            <a:noAutofit/>
+          </a:bodyPr>
+          <a:lstStyle/>
+          <a:p>
+            <a:r>
+              <a:rPr lang="ru-RU" sz="3600" i="1" dirty="0" smtClean="0">
+                <a:solidFill>
+                  <a:schemeClr val="tx2">
+                    <a:lumMod val="60000"/>
+                    <a:lumOff val="40000"/>
+                  </a:schemeClr>
+                </a:solidFill>
+              </a:rPr>
+              <a:t>Метод деревьев решений</a:t>
+            </a:r>
+            <a:endParaRPr lang="ru-RU" sz="3600" i="1" dirty="0">
+              <a:solidFill>
+                <a:schemeClr val="tx2">
+                  <a:lumMod val="60000"/>
+                  <a:lumOff val="40000"/>
+                </a:schemeClr>
+              </a:solidFill>
+            </a:endParaRPr>
+          </a:p>
+        </p:txBody>
+      </p:sp>
+      <p:sp>
+        <p:nvSpPr>
+          <p:cNvPr id="7" name="Нижний колонтитул 6"/>
+          <p:cNvSpPr>
+            <a:spLocks noGrp="1"/>
+          </p:cNvSpPr>
+          <p:nvPr>
+            <p:ph type="ftr" sz="quarter" idx="11"/>
+          </p:nvPr>
+        </p:nvSpPr>
+        <p:spPr/>
+        <p:txBody>
+          <a:bodyPr/>
+          <a:lstStyle/>
+          <a:p>
+            <a:r>
+              <a:rPr lang="ru-RU" dirty="0" smtClean="0"/>
+              <a:t>НИУ "МЭИ", Каф. </a:t>
+            </a:r>
+            <a:r>
+              <a:rPr lang="ru-RU" dirty="0" err="1" smtClean="0"/>
+              <a:t>УиИ</a:t>
+            </a:r>
+            <a:r>
+              <a:rPr lang="ru-RU" dirty="0" smtClean="0"/>
+              <a:t>, </a:t>
+            </a:r>
+            <a:r>
+              <a:rPr lang="ru-RU" dirty="0" smtClean="0"/>
+              <a:t>2018</a:t>
+            </a:r>
+            <a:endParaRPr lang="ru-RU" dirty="0"/>
+          </a:p>
+        </p:txBody>
+      </p:sp>
+      <p:sp>
+        <p:nvSpPr>
+          <p:cNvPr id="6" name="Номер слайда 5"/>
+          <p:cNvSpPr>
+            <a:spLocks noGrp="1"/>
+          </p:cNvSpPr>
+          <p:nvPr>
+            <p:ph type="sldNum" sz="quarter" idx="12"/>
+          </p:nvPr>
+        </p:nvSpPr>
+        <p:spPr/>
+        <p:txBody>
+          <a:bodyPr/>
+          <a:lstStyle/>
+          <a:p>
+            <a:fld id="{42B5FB3D-FCB6-4F02-96CD-8C0D52B29842}" type="slidenum">
+              <a:rPr lang="ru-RU" smtClean="0"/>
+              <a:t>4</a:t>
+            </a:fld>
+            <a:endParaRPr lang="ru-RU"/>
+          </a:p>
+        </p:txBody>
+      </p:sp>
+      <p:sp>
+        <p:nvSpPr>
+          <p:cNvPr id="3" name="Rectangle 2"/>
+          <p:cNvSpPr>
+            <a:spLocks noChangeArrowheads="1"/>
+          </p:cNvSpPr>
+          <p:nvPr/>
+        </p:nvSpPr>
+        <p:spPr bwMode="auto">
+          <a:xfrm>
+            <a:off x="0" y="0"/>
+            <a:ext cx="12192000" cy="0"/>
+          </a:xfrm>
+          <a:prstGeom prst="rect">
+            <a:avLst/>
+          </a:prstGeom>
+          <a:noFill/>
+          <a:ln>
+            <a:noFill/>
+          </a:ln>
+          <a:effectLst/>
+          <a:extLst>
+            <a:ext uri="{909E8E84-426E-40DD-AFC4-6F175D3DCCD1}">
+              <a14:hiddenFill xmlns:a14="http://schemas.microsoft.com/office/drawing/2010/main">
+                <a:solidFill>
+                  <a:schemeClr val="accent1"/>
+                </a:solidFill>
+              </a14:hiddenFill>
+            </a:ext>
+            <a:ext uri="{91240B29-F687-4F45-9708-019B960494DF}">
+              <a14:hiddenLine xmlns:a14="http://schemas.microsoft.com/office/drawing/2010/main" w="9525">
+                <a:solidFill>
+                  <a:schemeClr val="tx1"/>
+                </a:solidFill>
+                <a:miter lim="800000"/>
+                <a:headEnd/>
+                <a:tailEnd/>
+              </a14:hiddenLine>
+            </a:ext>
+            <a:ext uri="{AF507438-7753-43E0-B8FC-AC1667EBCBE1}">
+              <a14:hiddenEffects xmlns:a14="http://schemas.microsoft.com/office/drawing/2010/main">
+                <a:effectLst>
+                  <a:outerShdw dist="35921" dir="2700000" algn="ctr" rotWithShape="0">
+                    <a:schemeClr val="bg2"/>
+                  </a:outerShdw>
+                </a:effectLst>
+              </a14:hiddenEffects>
+            </a:ext>
+          </a:extLst>
+        </p:spPr>
+        <p:txBody>
+          <a:bodyPr vert="horz" wrap="none" lIns="91440" tIns="45720" rIns="91440" bIns="45720" numCol="1" anchor="ctr" anchorCtr="0" compatLnSpc="1">
+            <a:prstTxWarp prst="textNoShape">
+              <a:avLst/>
+            </a:prstTxWarp>
+            <a:spAutoFit/>
+          </a:bodyPr>
+          <a:lstStyle/>
+          <a:p>
+            <a:endParaRPr lang="ru-RU"/>
+          </a:p>
+        </p:txBody>
+      </p:sp>
+      <p:sp>
+        <p:nvSpPr>
+          <p:cNvPr id="8" name="Rectangle 4"/>
+          <p:cNvSpPr>
+            <a:spLocks noChangeArrowheads="1"/>
+          </p:cNvSpPr>
+          <p:nvPr/>
+        </p:nvSpPr>
+        <p:spPr bwMode="auto">
+          <a:xfrm>
+            <a:off x="0" y="0"/>
+            <a:ext cx="12192000" cy="0"/>
+          </a:xfrm>
+          <a:prstGeom prst="rect">
+            <a:avLst/>
+          </a:prstGeom>
+          <a:noFill/>
+          <a:ln>
+            <a:noFill/>
+          </a:ln>
+          <a:effectLst/>
+          <a:extLst>
+            <a:ext uri="{909E8E84-426E-40DD-AFC4-6F175D3DCCD1}">
+              <a14:hiddenFill xmlns:a14="http://schemas.microsoft.com/office/drawing/2010/main">
+                <a:solidFill>
+                  <a:schemeClr val="accent1"/>
+                </a:solidFill>
+              </a14:hiddenFill>
+            </a:ext>
+            <a:ext uri="{91240B29-F687-4F45-9708-019B960494DF}">
+              <a14:hiddenLine xmlns:a14="http://schemas.microsoft.com/office/drawing/2010/main" w="9525">
+                <a:solidFill>
+                  <a:schemeClr val="tx1"/>
+                </a:solidFill>
+                <a:miter lim="800000"/>
+                <a:headEnd/>
+                <a:tailEnd/>
+              </a14:hiddenLine>
+            </a:ext>
+            <a:ext uri="{AF507438-7753-43E0-B8FC-AC1667EBCBE1}">
+              <a14:hiddenEffects xmlns:a14="http://schemas.microsoft.com/office/drawing/2010/main">
+                <a:effectLst>
+                  <a:outerShdw dist="35921" dir="2700000" algn="ctr" rotWithShape="0">
+                    <a:schemeClr val="bg2"/>
+                  </a:outerShdw>
+                </a:effectLst>
+              </a14:hiddenEffects>
+            </a:ext>
+          </a:extLst>
+        </p:spPr>
+        <p:txBody>
+          <a:bodyPr vert="horz" wrap="none" lIns="91440" tIns="45720" rIns="91440" bIns="45720" numCol="1" anchor="ctr" anchorCtr="0" compatLnSpc="1">
+            <a:prstTxWarp prst="textNoShape">
+              <a:avLst/>
+            </a:prstTxWarp>
+            <a:spAutoFit/>
+          </a:bodyPr>
+          <a:lstStyle/>
+          <a:p>
+            <a:endParaRPr lang="ru-RU"/>
+          </a:p>
+        </p:txBody>
+      </p:sp>
+      <p:sp>
+        <p:nvSpPr>
+          <p:cNvPr id="11" name="Rectangle 7"/>
+          <p:cNvSpPr>
+            <a:spLocks noChangeArrowheads="1"/>
+          </p:cNvSpPr>
+          <p:nvPr/>
+        </p:nvSpPr>
+        <p:spPr bwMode="auto">
+          <a:xfrm>
+            <a:off x="0" y="0"/>
+            <a:ext cx="12192000" cy="0"/>
+          </a:xfrm>
+          <a:prstGeom prst="rect">
+            <a:avLst/>
+          </a:prstGeom>
+          <a:noFill/>
+          <a:ln>
+            <a:noFill/>
+          </a:ln>
+          <a:effectLst/>
+          <a:extLst>
+            <a:ext uri="{909E8E84-426E-40DD-AFC4-6F175D3DCCD1}">
+              <a14:hiddenFill xmlns:a14="http://schemas.microsoft.com/office/drawing/2010/main">
+                <a:solidFill>
+                  <a:schemeClr val="accent1"/>
+                </a:solidFill>
+              </a14:hiddenFill>
+            </a:ext>
+            <a:ext uri="{91240B29-F687-4F45-9708-019B960494DF}">
+              <a14:hiddenLine xmlns:a14="http://schemas.microsoft.com/office/drawing/2010/main" w="9525">
+                <a:solidFill>
+                  <a:schemeClr val="tx1"/>
+                </a:solidFill>
+                <a:miter lim="800000"/>
+                <a:headEnd/>
+                <a:tailEnd/>
+              </a14:hiddenLine>
+            </a:ext>
+            <a:ext uri="{AF507438-7753-43E0-B8FC-AC1667EBCBE1}">
+              <a14:hiddenEffects xmlns:a14="http://schemas.microsoft.com/office/drawing/2010/main">
+                <a:effectLst>
+                  <a:outerShdw dist="35921" dir="2700000" algn="ctr" rotWithShape="0">
+                    <a:schemeClr val="bg2"/>
+                  </a:outerShdw>
+                </a:effectLst>
+              </a14:hiddenEffects>
+            </a:ext>
+          </a:extLst>
+        </p:spPr>
+        <p:txBody>
+          <a:bodyPr vert="horz" wrap="none" lIns="91440" tIns="45720" rIns="91440" bIns="45720" numCol="1" anchor="ctr" anchorCtr="0" compatLnSpc="1">
+            <a:prstTxWarp prst="textNoShape">
+              <a:avLst/>
+            </a:prstTxWarp>
+            <a:spAutoFit/>
+          </a:bodyPr>
+          <a:lstStyle/>
+          <a:p>
+            <a:endParaRPr lang="ru-RU"/>
+          </a:p>
+        </p:txBody>
+      </p:sp>
+      <p:sp>
+        <p:nvSpPr>
+          <p:cNvPr id="13" name="Rectangle 9"/>
+          <p:cNvSpPr>
+            <a:spLocks noChangeArrowheads="1"/>
+          </p:cNvSpPr>
+          <p:nvPr/>
+        </p:nvSpPr>
+        <p:spPr bwMode="auto">
+          <a:xfrm>
+            <a:off x="0" y="0"/>
+            <a:ext cx="12192000" cy="0"/>
+          </a:xfrm>
+          <a:prstGeom prst="rect">
+            <a:avLst/>
+          </a:prstGeom>
+          <a:noFill/>
+          <a:ln>
+            <a:noFill/>
+          </a:ln>
+          <a:effectLst/>
+          <a:extLst>
+            <a:ext uri="{909E8E84-426E-40DD-AFC4-6F175D3DCCD1}">
+              <a14:hiddenFill xmlns:a14="http://schemas.microsoft.com/office/drawing/2010/main">
+                <a:solidFill>
+                  <a:schemeClr val="accent1"/>
+                </a:solidFill>
+              </a14:hiddenFill>
+            </a:ext>
+            <a:ext uri="{91240B29-F687-4F45-9708-019B960494DF}">
+              <a14:hiddenLine xmlns:a14="http://schemas.microsoft.com/office/drawing/2010/main" w="9525">
+                <a:solidFill>
+                  <a:schemeClr val="tx1"/>
+                </a:solidFill>
+                <a:miter lim="800000"/>
+                <a:headEnd/>
+                <a:tailEnd/>
+              </a14:hiddenLine>
+            </a:ext>
+            <a:ext uri="{AF507438-7753-43E0-B8FC-AC1667EBCBE1}">
+              <a14:hiddenEffects xmlns:a14="http://schemas.microsoft.com/office/drawing/2010/main">
+                <a:effectLst>
+                  <a:outerShdw dist="35921" dir="2700000" algn="ctr" rotWithShape="0">
+                    <a:schemeClr val="bg2"/>
+                  </a:outerShdw>
+                </a:effectLst>
+              </a14:hiddenEffects>
+            </a:ext>
+          </a:extLst>
+        </p:spPr>
+        <p:txBody>
+          <a:bodyPr vert="horz" wrap="none" lIns="91440" tIns="45720" rIns="91440" bIns="45720" numCol="1" anchor="ctr" anchorCtr="0" compatLnSpc="1">
+            <a:prstTxWarp prst="textNoShape">
+              <a:avLst/>
+            </a:prstTxWarp>
+            <a:spAutoFit/>
+          </a:bodyPr>
+          <a:lstStyle/>
+          <a:p>
+            <a:endParaRPr lang="ru-RU"/>
+          </a:p>
+        </p:txBody>
+      </p:sp>
+      <p:sp>
+        <p:nvSpPr>
+          <p:cNvPr id="17" name="TextBox 16"/>
           <p:cNvSpPr txBox="1"/>
           <p:nvPr/>
         </p:nvSpPr>
         <p:spPr>
           <a:xfrm>
-            <a:off x="5386517" y="2413370"/>
-            <a:ext cx="945900" cy="369332"/>
+            <a:off x="510121" y="993507"/>
+            <a:ext cx="3287179" cy="5355312"/>
           </a:xfrm>
           <a:prstGeom prst="rect">
             <a:avLst/>
@@ -4296,27 +5815,564 @@
           <a:noFill/>
         </p:spPr>
         <p:txBody>
-          <a:bodyPr wrap="none" rtlCol="0">
+          <a:bodyPr wrap="square" rtlCol="0">
             <a:spAutoFit/>
           </a:bodyPr>
           <a:lstStyle/>
           <a:p>
-            <a:r>
-              <a:rPr lang="ru-RU" dirty="0" err="1" smtClean="0"/>
-              <a:t>Роккио</a:t>
-            </a:r>
+            <a:pPr algn="just"/>
             <a:r>
               <a:rPr lang="ru-RU" dirty="0" smtClean="0"/>
-              <a:t>:</a:t>
+              <a:t>Средство </a:t>
+            </a:r>
+            <a:r>
+              <a:rPr lang="ru-RU" dirty="0"/>
+              <a:t>поддержки принятия решений, использующееся в статистике и анализе данных для прогнозных </a:t>
+            </a:r>
+            <a:r>
+              <a:rPr lang="ru-RU" dirty="0" smtClean="0"/>
+              <a:t>моделей.</a:t>
+            </a:r>
+          </a:p>
+          <a:p>
+            <a:pPr algn="just"/>
+            <a:r>
+              <a:rPr lang="ru-RU" dirty="0"/>
+              <a:t>В методе деревьев решений </a:t>
+            </a:r>
+            <a:r>
+              <a:rPr lang="ru-RU" dirty="0" smtClean="0"/>
+              <a:t>проводится </a:t>
+            </a:r>
+            <a:r>
+              <a:rPr lang="ru-RU" dirty="0"/>
+              <a:t>последовательное </a:t>
+            </a:r>
+            <a:r>
+              <a:rPr lang="ru-RU" dirty="0" smtClean="0"/>
+              <a:t>разделение множества </a:t>
+            </a:r>
+            <a:r>
+              <a:rPr lang="ru-RU" dirty="0" smtClean="0"/>
+              <a:t>объектов на </a:t>
+            </a:r>
+            <a:r>
+              <a:rPr lang="ru-RU" dirty="0"/>
+              <a:t>основе значений выбранного </a:t>
+            </a:r>
+            <a:r>
+              <a:rPr lang="ru-RU" dirty="0" smtClean="0"/>
+              <a:t>признака, </a:t>
+            </a:r>
+            <a:r>
+              <a:rPr lang="ru-RU" dirty="0"/>
+              <a:t>в результате чего строится дерево, содержащее нетерминальные узлы (узлы проверок), в которых происходит разбиение по выбранному атрибуту, и терминальные узлы (узлы ответа), в которых должны находиться элементы одного </a:t>
+            </a:r>
+            <a:r>
+              <a:rPr lang="ru-RU" dirty="0" smtClean="0"/>
+              <a:t>класса.</a:t>
             </a:r>
             <a:endParaRPr lang="ru-RU" dirty="0"/>
           </a:p>
         </p:txBody>
       </p:sp>
+      <p:pic>
+        <p:nvPicPr>
+          <p:cNvPr id="37902" name="Picture 14" descr="http://www.soletopia.com/wp-content/uploads/2013/04/paisley-shirt-beard.jpg"/>
+          <p:cNvPicPr>
+            <a:picLocks noChangeAspect="1" noChangeArrowheads="1"/>
+          </p:cNvPicPr>
+          <p:nvPr/>
+        </p:nvPicPr>
+        <p:blipFill>
+          <a:blip r:embed="rId2" cstate="print">
+            <a:extLst>
+              <a:ext uri="{28A0092B-C50C-407E-A947-70E740481C1C}">
+                <a14:useLocalDpi xmlns:a14="http://schemas.microsoft.com/office/drawing/2010/main" val="0"/>
+              </a:ext>
+            </a:extLst>
+          </a:blip>
+          <a:srcRect/>
+          <a:stretch>
+            <a:fillRect/>
+          </a:stretch>
+        </p:blipFill>
+        <p:spPr bwMode="auto">
+          <a:xfrm>
+            <a:off x="7854842" y="3282035"/>
+            <a:ext cx="1867721" cy="2801582"/>
+          </a:xfrm>
+          <a:prstGeom prst="rect">
+            <a:avLst/>
+          </a:prstGeom>
+          <a:noFill/>
+          <a:extLst>
+            <a:ext uri="{909E8E84-426E-40DD-AFC4-6F175D3DCCD1}">
+              <a14:hiddenFill xmlns:a14="http://schemas.microsoft.com/office/drawing/2010/main">
+                <a:solidFill>
+                  <a:srgbClr val="FFFFFF"/>
+                </a:solidFill>
+              </a14:hiddenFill>
+            </a:ext>
+          </a:extLst>
+        </p:spPr>
+      </p:pic>
+      <p:pic>
+        <p:nvPicPr>
+          <p:cNvPr id="37898" name="Picture 10" descr="http://diletant.media/upload/iblock/b9f/b9f2718ec485dd6753eccbd932ef811d.jpg"/>
+          <p:cNvPicPr>
+            <a:picLocks noChangeAspect="1" noChangeArrowheads="1"/>
+          </p:cNvPicPr>
+          <p:nvPr/>
+        </p:nvPicPr>
+        <p:blipFill>
+          <a:blip r:embed="rId3" cstate="print">
+            <a:extLst>
+              <a:ext uri="{28A0092B-C50C-407E-A947-70E740481C1C}">
+                <a14:useLocalDpi xmlns:a14="http://schemas.microsoft.com/office/drawing/2010/main" val="0"/>
+              </a:ext>
+            </a:extLst>
+          </a:blip>
+          <a:srcRect/>
+          <a:stretch>
+            <a:fillRect/>
+          </a:stretch>
+        </p:blipFill>
+        <p:spPr bwMode="auto">
+          <a:xfrm>
+            <a:off x="7522208" y="3284150"/>
+            <a:ext cx="2246312" cy="2894400"/>
+          </a:xfrm>
+          <a:prstGeom prst="rect">
+            <a:avLst/>
+          </a:prstGeom>
+          <a:noFill/>
+          <a:extLst>
+            <a:ext uri="{909E8E84-426E-40DD-AFC4-6F175D3DCCD1}">
+              <a14:hiddenFill xmlns:a14="http://schemas.microsoft.com/office/drawing/2010/main">
+                <a:solidFill>
+                  <a:srgbClr val="FFFFFF"/>
+                </a:solidFill>
+              </a14:hiddenFill>
+            </a:ext>
+          </a:extLst>
+        </p:spPr>
+      </p:pic>
+      <p:pic>
+        <p:nvPicPr>
+          <p:cNvPr id="37900" name="Picture 12" descr="https://yt3.ggpht.com/-IomMxbmsjmk/AAAAAAAAAAI/AAAAAAAAAAA/veNJSPsFcKI/s900-c-k-no-mo-rj-c0xffffff/photo.jpg"/>
+          <p:cNvPicPr>
+            <a:picLocks noChangeAspect="1" noChangeArrowheads="1"/>
+          </p:cNvPicPr>
+          <p:nvPr/>
+        </p:nvPicPr>
+        <p:blipFill>
+          <a:blip r:embed="rId4" cstate="print">
+            <a:extLst>
+              <a:ext uri="{28A0092B-C50C-407E-A947-70E740481C1C}">
+                <a14:useLocalDpi xmlns:a14="http://schemas.microsoft.com/office/drawing/2010/main" val="0"/>
+              </a:ext>
+            </a:extLst>
+          </a:blip>
+          <a:srcRect/>
+          <a:stretch>
+            <a:fillRect/>
+          </a:stretch>
+        </p:blipFill>
+        <p:spPr bwMode="auto">
+          <a:xfrm>
+            <a:off x="7492312" y="3296145"/>
+            <a:ext cx="2592780" cy="2882405"/>
+          </a:xfrm>
+          <a:prstGeom prst="rect">
+            <a:avLst/>
+          </a:prstGeom>
+          <a:noFill/>
+          <a:extLst>
+            <a:ext uri="{909E8E84-426E-40DD-AFC4-6F175D3DCCD1}">
+              <a14:hiddenFill xmlns:a14="http://schemas.microsoft.com/office/drawing/2010/main">
+                <a:solidFill>
+                  <a:srgbClr val="FFFFFF"/>
+                </a:solidFill>
+              </a14:hiddenFill>
+            </a:ext>
+          </a:extLst>
+        </p:spPr>
+      </p:pic>
+      <p:grpSp>
+        <p:nvGrpSpPr>
+          <p:cNvPr id="75" name="Группа 74"/>
+          <p:cNvGrpSpPr/>
+          <p:nvPr/>
+        </p:nvGrpSpPr>
+        <p:grpSpPr>
+          <a:xfrm>
+            <a:off x="6508926" y="993238"/>
+            <a:ext cx="4627714" cy="2034638"/>
+            <a:chOff x="6508926" y="993238"/>
+            <a:chExt cx="4627714" cy="2034638"/>
+          </a:xfrm>
+        </p:grpSpPr>
+        <p:grpSp>
+          <p:nvGrpSpPr>
+            <p:cNvPr id="32" name="Группа 31"/>
+            <p:cNvGrpSpPr/>
+            <p:nvPr/>
+          </p:nvGrpSpPr>
+          <p:grpSpPr>
+            <a:xfrm>
+              <a:off x="6995730" y="993238"/>
+              <a:ext cx="4140910" cy="1181100"/>
+              <a:chOff x="3285006" y="3111500"/>
+              <a:chExt cx="4140910" cy="1181100"/>
+            </a:xfrm>
+          </p:grpSpPr>
+          <p:sp>
+            <p:nvSpPr>
+              <p:cNvPr id="18" name="Прямоугольник 17"/>
+              <p:cNvSpPr/>
+              <p:nvPr/>
+            </p:nvSpPr>
+            <p:spPr>
+              <a:xfrm>
+                <a:off x="4102100" y="3111500"/>
+                <a:ext cx="1714500" cy="622300"/>
+              </a:xfrm>
+              <a:prstGeom prst="rect">
+                <a:avLst/>
+              </a:prstGeom>
+            </p:spPr>
+            <p:style>
+              <a:lnRef idx="2">
+                <a:schemeClr val="accent1">
+                  <a:shade val="50000"/>
+                </a:schemeClr>
+              </a:lnRef>
+              <a:fillRef idx="1">
+                <a:schemeClr val="accent1"/>
+              </a:fillRef>
+              <a:effectRef idx="0">
+                <a:schemeClr val="accent1"/>
+              </a:effectRef>
+              <a:fontRef idx="minor">
+                <a:schemeClr val="lt1"/>
+              </a:fontRef>
+            </p:style>
+            <p:txBody>
+              <a:bodyPr rtlCol="0" anchor="ctr"/>
+              <a:lstStyle/>
+              <a:p>
+                <a:pPr algn="ctr"/>
+                <a:r>
+                  <a:rPr lang="ru-RU" dirty="0" smtClean="0"/>
+                  <a:t>Есть борода?</a:t>
+                </a:r>
+                <a:endParaRPr lang="ru-RU" dirty="0"/>
+              </a:p>
+            </p:txBody>
+          </p:sp>
+          <p:cxnSp>
+            <p:nvCxnSpPr>
+              <p:cNvPr id="22" name="Прямая со стрелкой 21"/>
+              <p:cNvCxnSpPr/>
+              <p:nvPr/>
+            </p:nvCxnSpPr>
+            <p:spPr>
+              <a:xfrm flipH="1">
+                <a:off x="3632200" y="3733800"/>
+                <a:ext cx="749300" cy="558800"/>
+              </a:xfrm>
+              <a:prstGeom prst="straightConnector1">
+                <a:avLst/>
+              </a:prstGeom>
+              <a:ln>
+                <a:tailEnd type="arrow"/>
+              </a:ln>
+            </p:spPr>
+            <p:style>
+              <a:lnRef idx="1">
+                <a:schemeClr val="accent1"/>
+              </a:lnRef>
+              <a:fillRef idx="0">
+                <a:schemeClr val="accent1"/>
+              </a:fillRef>
+              <a:effectRef idx="0">
+                <a:schemeClr val="accent1"/>
+              </a:effectRef>
+              <a:fontRef idx="minor">
+                <a:schemeClr val="tx1"/>
+              </a:fontRef>
+            </p:style>
+          </p:cxnSp>
+          <p:cxnSp>
+            <p:nvCxnSpPr>
+              <p:cNvPr id="23" name="Прямая со стрелкой 22"/>
+              <p:cNvCxnSpPr/>
+              <p:nvPr/>
+            </p:nvCxnSpPr>
+            <p:spPr>
+              <a:xfrm>
+                <a:off x="5549900" y="3733800"/>
+                <a:ext cx="774700" cy="558800"/>
+              </a:xfrm>
+              <a:prstGeom prst="straightConnector1">
+                <a:avLst/>
+              </a:prstGeom>
+              <a:ln>
+                <a:tailEnd type="arrow"/>
+              </a:ln>
+            </p:spPr>
+            <p:style>
+              <a:lnRef idx="1">
+                <a:schemeClr val="accent1"/>
+              </a:lnRef>
+              <a:fillRef idx="0">
+                <a:schemeClr val="accent1"/>
+              </a:fillRef>
+              <a:effectRef idx="0">
+                <a:schemeClr val="accent1"/>
+              </a:effectRef>
+              <a:fontRef idx="minor">
+                <a:schemeClr val="tx1"/>
+              </a:fontRef>
+            </p:style>
+          </p:cxnSp>
+          <p:sp>
+            <p:nvSpPr>
+              <p:cNvPr id="27" name="TextBox 26"/>
+              <p:cNvSpPr txBox="1"/>
+              <p:nvPr/>
+            </p:nvSpPr>
+            <p:spPr>
+              <a:xfrm>
+                <a:off x="3285006" y="3796268"/>
+                <a:ext cx="588494" cy="369332"/>
+              </a:xfrm>
+              <a:prstGeom prst="rect">
+                <a:avLst/>
+              </a:prstGeom>
+              <a:noFill/>
+            </p:spPr>
+            <p:txBody>
+              <a:bodyPr wrap="none" rtlCol="0">
+                <a:spAutoFit/>
+              </a:bodyPr>
+              <a:lstStyle/>
+              <a:p>
+                <a:r>
+                  <a:rPr lang="ru-RU" dirty="0" smtClean="0"/>
+                  <a:t>Есть</a:t>
+                </a:r>
+                <a:endParaRPr lang="ru-RU" dirty="0"/>
+              </a:p>
+            </p:txBody>
+          </p:sp>
+          <p:sp>
+            <p:nvSpPr>
+              <p:cNvPr id="29" name="TextBox 28"/>
+              <p:cNvSpPr txBox="1"/>
+              <p:nvPr/>
+            </p:nvSpPr>
+            <p:spPr>
+              <a:xfrm>
+                <a:off x="6096000" y="3796268"/>
+                <a:ext cx="1329916" cy="369332"/>
+              </a:xfrm>
+              <a:prstGeom prst="rect">
+                <a:avLst/>
+              </a:prstGeom>
+              <a:noFill/>
+            </p:spPr>
+            <p:txBody>
+              <a:bodyPr wrap="none" rtlCol="0">
+                <a:spAutoFit/>
+              </a:bodyPr>
+              <a:lstStyle/>
+              <a:p>
+                <a:r>
+                  <a:rPr lang="ru-RU" dirty="0" smtClean="0"/>
+                  <a:t>Бороды нет</a:t>
+                </a:r>
+                <a:endParaRPr lang="ru-RU" dirty="0"/>
+              </a:p>
+            </p:txBody>
+          </p:sp>
+        </p:grpSp>
+        <p:sp>
+          <p:nvSpPr>
+            <p:cNvPr id="74" name="Овал 73"/>
+            <p:cNvSpPr/>
+            <p:nvPr/>
+          </p:nvSpPr>
+          <p:spPr>
+            <a:xfrm>
+              <a:off x="6508926" y="2174338"/>
+              <a:ext cx="1758773" cy="853538"/>
+            </a:xfrm>
+            <a:prstGeom prst="ellipse">
+              <a:avLst/>
+            </a:prstGeom>
+          </p:spPr>
+          <p:style>
+            <a:lnRef idx="2">
+              <a:schemeClr val="accent1">
+                <a:shade val="50000"/>
+              </a:schemeClr>
+            </a:lnRef>
+            <a:fillRef idx="1">
+              <a:schemeClr val="accent1"/>
+            </a:fillRef>
+            <a:effectRef idx="0">
+              <a:schemeClr val="accent1"/>
+            </a:effectRef>
+            <a:fontRef idx="minor">
+              <a:schemeClr val="lt1"/>
+            </a:fontRef>
+          </p:style>
+          <p:txBody>
+            <a:bodyPr rtlCol="0" anchor="ctr"/>
+            <a:lstStyle/>
+            <a:p>
+              <a:pPr algn="ctr"/>
+              <a:r>
+                <a:rPr lang="ru-RU" dirty="0" smtClean="0"/>
+                <a:t>Скажу «Да»</a:t>
+              </a:r>
+              <a:endParaRPr lang="ru-RU" dirty="0"/>
+            </a:p>
+          </p:txBody>
+        </p:sp>
+        <p:sp>
+          <p:nvSpPr>
+            <p:cNvPr id="84" name="Овал 83"/>
+            <p:cNvSpPr/>
+            <p:nvPr/>
+          </p:nvSpPr>
+          <p:spPr>
+            <a:xfrm>
+              <a:off x="9324124" y="2171945"/>
+              <a:ext cx="1762976" cy="853538"/>
+            </a:xfrm>
+            <a:prstGeom prst="ellipse">
+              <a:avLst/>
+            </a:prstGeom>
+          </p:spPr>
+          <p:style>
+            <a:lnRef idx="2">
+              <a:schemeClr val="accent1">
+                <a:shade val="50000"/>
+              </a:schemeClr>
+            </a:lnRef>
+            <a:fillRef idx="1">
+              <a:schemeClr val="accent1"/>
+            </a:fillRef>
+            <a:effectRef idx="0">
+              <a:schemeClr val="accent1"/>
+            </a:effectRef>
+            <a:fontRef idx="minor">
+              <a:schemeClr val="lt1"/>
+            </a:fontRef>
+          </p:style>
+          <p:txBody>
+            <a:bodyPr rtlCol="0" anchor="ctr"/>
+            <a:lstStyle/>
+            <a:p>
+              <a:pPr algn="ctr"/>
+              <a:r>
+                <a:rPr lang="ru-RU" dirty="0" smtClean="0"/>
+                <a:t>«Нет» мой ответ</a:t>
+              </a:r>
+              <a:endParaRPr lang="ru-RU" dirty="0"/>
+            </a:p>
+          </p:txBody>
+        </p:sp>
+      </p:grpSp>
+      <p:pic>
+        <p:nvPicPr>
+          <p:cNvPr id="37905" name="Picture 17" descr="C:\Users\Andrey\Pictures\ДР2.png"/>
+          <p:cNvPicPr>
+            <a:picLocks noChangeAspect="1" noChangeArrowheads="1"/>
+          </p:cNvPicPr>
+          <p:nvPr/>
+        </p:nvPicPr>
+        <p:blipFill>
+          <a:blip r:embed="rId5">
+            <a:extLst>
+              <a:ext uri="{28A0092B-C50C-407E-A947-70E740481C1C}">
+                <a14:useLocalDpi xmlns:a14="http://schemas.microsoft.com/office/drawing/2010/main" val="0"/>
+              </a:ext>
+            </a:extLst>
+          </a:blip>
+          <a:srcRect/>
+          <a:stretch>
+            <a:fillRect/>
+          </a:stretch>
+        </p:blipFill>
+        <p:spPr bwMode="auto">
+          <a:xfrm>
+            <a:off x="5787114" y="955407"/>
+            <a:ext cx="5349526" cy="5223143"/>
+          </a:xfrm>
+          <a:prstGeom prst="rect">
+            <a:avLst/>
+          </a:prstGeom>
+          <a:noFill/>
+          <a:extLst>
+            <a:ext uri="{909E8E84-426E-40DD-AFC4-6F175D3DCCD1}">
+              <a14:hiddenFill xmlns:a14="http://schemas.microsoft.com/office/drawing/2010/main">
+                <a:solidFill>
+                  <a:srgbClr val="FFFFFF"/>
+                </a:solidFill>
+              </a14:hiddenFill>
+            </a:ext>
+          </a:extLst>
+        </p:spPr>
+      </p:pic>
+      <p:pic>
+        <p:nvPicPr>
+          <p:cNvPr id="37906" name="Picture 18" descr="C:\Users\Andrey\Pictures\др3.png"/>
+          <p:cNvPicPr>
+            <a:picLocks noChangeAspect="1" noChangeArrowheads="1"/>
+          </p:cNvPicPr>
+          <p:nvPr/>
+        </p:nvPicPr>
+        <p:blipFill>
+          <a:blip r:embed="rId6">
+            <a:extLst>
+              <a:ext uri="{28A0092B-C50C-407E-A947-70E740481C1C}">
+                <a14:useLocalDpi xmlns:a14="http://schemas.microsoft.com/office/drawing/2010/main" val="0"/>
+              </a:ext>
+            </a:extLst>
+          </a:blip>
+          <a:srcRect/>
+          <a:stretch>
+            <a:fillRect/>
+          </a:stretch>
+        </p:blipFill>
+        <p:spPr bwMode="auto">
+          <a:xfrm>
+            <a:off x="5136858" y="931742"/>
+            <a:ext cx="6650038" cy="5151875"/>
+          </a:xfrm>
+          <a:prstGeom prst="rect">
+            <a:avLst/>
+          </a:prstGeom>
+          <a:noFill/>
+          <a:extLst>
+            <a:ext uri="{909E8E84-426E-40DD-AFC4-6F175D3DCCD1}">
+              <a14:hiddenFill xmlns:a14="http://schemas.microsoft.com/office/drawing/2010/main">
+                <a:solidFill>
+                  <a:srgbClr val="FFFFFF"/>
+                </a:solidFill>
+              </a14:hiddenFill>
+            </a:ext>
+          </a:extLst>
+        </p:spPr>
+      </p:pic>
     </p:spTree>
     <p:extLst>
       <p:ext uri="{BB962C8B-B14F-4D97-AF65-F5344CB8AC3E}">
-        <p14:creationId xmlns:p14="http://schemas.microsoft.com/office/powerpoint/2010/main" val="720546369"/>
+        <p14:creationId xmlns:p14="http://schemas.microsoft.com/office/powerpoint/2010/main" val="3834398808"/>
       </p:ext>
     </p:extLst>
   </p:cSld>
@@ -4357,7 +6413,7 @@
                                           </p:stCondLst>
                                         </p:cTn>
                                         <p:tgtEl>
-                                          <p:spTgt spid="14"/>
+                                          <p:spTgt spid="75"/>
                                         </p:tgtEl>
                                         <p:attrNameLst>
                                           <p:attrName>style.visibility</p:attrName>
@@ -4402,7 +6458,7 @@
                                           </p:stCondLst>
                                         </p:cTn>
                                         <p:tgtEl>
-                                          <p:spTgt spid="15"/>
+                                          <p:spTgt spid="37902"/>
                                         </p:tgtEl>
                                         <p:attrNameLst>
                                           <p:attrName>style.visibility</p:attrName>
@@ -4447,545 +6503,7 @@
                                           </p:stCondLst>
                                         </p:cTn>
                                         <p:tgtEl>
-                                          <p:spTgt spid="16"/>
-                                        </p:tgtEl>
-                                        <p:attrNameLst>
-                                          <p:attrName>style.visibility</p:attrName>
-                                        </p:attrNameLst>
-                                      </p:cBhvr>
-                                      <p:to>
-                                        <p:strVal val="visible"/>
-                                      </p:to>
-                                    </p:set>
-                                  </p:childTnLst>
-                                </p:cTn>
-                              </p:par>
-                            </p:childTnLst>
-                          </p:cTn>
-                        </p:par>
-                      </p:childTnLst>
-                    </p:cTn>
-                  </p:par>
-                </p:childTnLst>
-              </p:cTn>
-              <p:prevCondLst>
-                <p:cond evt="onPrev" delay="0">
-                  <p:tgtEl>
-                    <p:sldTgt/>
-                  </p:tgtEl>
-                </p:cond>
-              </p:prevCondLst>
-              <p:nextCondLst>
-                <p:cond evt="onNext" delay="0">
-                  <p:tgtEl>
-                    <p:sldTgt/>
-                  </p:tgtEl>
-                </p:cond>
-              </p:nextCondLst>
-            </p:seq>
-          </p:childTnLst>
-        </p:cTn>
-      </p:par>
-    </p:tnLst>
-  </p:timing>
-</p:sld>
-</file>
-
-<file path=ppt/slides/slide4.xml><?xml version="1.0" encoding="utf-8"?>
-<p:sld xmlns:a="http://schemas.openxmlformats.org/drawingml/2006/main" xmlns:r="http://schemas.openxmlformats.org/officeDocument/2006/relationships" xmlns:p="http://schemas.openxmlformats.org/presentationml/2006/main">
-  <p:cSld>
-    <p:spTree>
-      <p:nvGrpSpPr>
-        <p:cNvPr id="1" name=""/>
-        <p:cNvGrpSpPr/>
-        <p:nvPr/>
-      </p:nvGrpSpPr>
-      <p:grpSpPr>
-        <a:xfrm>
-          <a:off x="0" y="0"/>
-          <a:ext cx="0" cy="0"/>
-          <a:chOff x="0" y="0"/>
-          <a:chExt cx="0" cy="0"/>
-        </a:xfrm>
-      </p:grpSpPr>
-      <p:sp>
-        <p:nvSpPr>
-          <p:cNvPr id="5" name="Заголовок 1"/>
-          <p:cNvSpPr>
-            <a:spLocks noGrp="1"/>
-          </p:cNvSpPr>
-          <p:nvPr>
-            <p:ph type="title"/>
-          </p:nvPr>
-        </p:nvSpPr>
-        <p:spPr>
-          <a:xfrm>
-            <a:off x="0" y="92595"/>
-            <a:ext cx="11713034" cy="694418"/>
-          </a:xfrm>
-        </p:spPr>
-        <p:txBody>
-          <a:bodyPr>
-            <a:noAutofit/>
-          </a:bodyPr>
-          <a:lstStyle/>
-          <a:p>
-            <a:r>
-              <a:rPr lang="ru-RU" sz="3600" i="1" dirty="0" smtClean="0">
-                <a:solidFill>
-                  <a:schemeClr val="tx2">
-                    <a:lumMod val="60000"/>
-                    <a:lumOff val="40000"/>
-                  </a:schemeClr>
-                </a:solidFill>
-              </a:rPr>
-              <a:t>Правило ближайшего соседа (БС)</a:t>
-            </a:r>
-            <a:endParaRPr lang="ru-RU" sz="3600" i="1" dirty="0">
-              <a:solidFill>
-                <a:schemeClr val="tx2">
-                  <a:lumMod val="60000"/>
-                  <a:lumOff val="40000"/>
-                </a:schemeClr>
-              </a:solidFill>
-            </a:endParaRPr>
-          </a:p>
-        </p:txBody>
-      </p:sp>
-      <p:sp>
-        <p:nvSpPr>
-          <p:cNvPr id="7" name="Нижний колонтитул 6"/>
-          <p:cNvSpPr>
-            <a:spLocks noGrp="1"/>
-          </p:cNvSpPr>
-          <p:nvPr>
-            <p:ph type="ftr" sz="quarter" idx="11"/>
-          </p:nvPr>
-        </p:nvSpPr>
-        <p:spPr/>
-        <p:txBody>
-          <a:bodyPr/>
-          <a:lstStyle/>
-          <a:p>
-            <a:r>
-              <a:rPr lang="ru-RU" dirty="0" smtClean="0"/>
-              <a:t>НИУ "МЭИ", Каф. </a:t>
-            </a:r>
-            <a:r>
-              <a:rPr lang="ru-RU" dirty="0" err="1" smtClean="0"/>
-              <a:t>УиИ</a:t>
-            </a:r>
-            <a:r>
-              <a:rPr lang="ru-RU" dirty="0" smtClean="0"/>
-              <a:t>, 2017</a:t>
-            </a:r>
-            <a:endParaRPr lang="ru-RU" dirty="0"/>
-          </a:p>
-        </p:txBody>
-      </p:sp>
-      <p:sp>
-        <p:nvSpPr>
-          <p:cNvPr id="6" name="Номер слайда 5"/>
-          <p:cNvSpPr>
-            <a:spLocks noGrp="1"/>
-          </p:cNvSpPr>
-          <p:nvPr>
-            <p:ph type="sldNum" sz="quarter" idx="12"/>
-          </p:nvPr>
-        </p:nvSpPr>
-        <p:spPr/>
-        <p:txBody>
-          <a:bodyPr/>
-          <a:lstStyle/>
-          <a:p>
-            <a:fld id="{42B5FB3D-FCB6-4F02-96CD-8C0D52B29842}" type="slidenum">
-              <a:rPr lang="ru-RU" smtClean="0"/>
-              <a:t>4</a:t>
-            </a:fld>
-            <a:endParaRPr lang="ru-RU"/>
-          </a:p>
-        </p:txBody>
-      </p:sp>
-      <p:sp>
-        <p:nvSpPr>
-          <p:cNvPr id="3" name="Rectangle 4"/>
-          <p:cNvSpPr>
-            <a:spLocks noChangeArrowheads="1"/>
-          </p:cNvSpPr>
-          <p:nvPr/>
-        </p:nvSpPr>
-        <p:spPr bwMode="auto">
-          <a:xfrm>
-            <a:off x="5478162" y="1293340"/>
-            <a:ext cx="12192000" cy="0"/>
-          </a:xfrm>
-          <a:prstGeom prst="rect">
-            <a:avLst/>
-          </a:prstGeom>
-          <a:noFill/>
-          <a:ln>
-            <a:noFill/>
-          </a:ln>
-          <a:effectLst/>
-          <a:extLst>
-            <a:ext uri="{909E8E84-426E-40DD-AFC4-6F175D3DCCD1}">
-              <a14:hiddenFill xmlns:a14="http://schemas.microsoft.com/office/drawing/2010/main">
-                <a:solidFill>
-                  <a:schemeClr val="accent1"/>
-                </a:solidFill>
-              </a14:hiddenFill>
-            </a:ext>
-            <a:ext uri="{91240B29-F687-4F45-9708-019B960494DF}">
-              <a14:hiddenLine xmlns:a14="http://schemas.microsoft.com/office/drawing/2010/main" w="9525">
-                <a:solidFill>
-                  <a:schemeClr val="tx1"/>
-                </a:solidFill>
-                <a:miter lim="800000"/>
-                <a:headEnd/>
-                <a:tailEnd/>
-              </a14:hiddenLine>
-            </a:ext>
-            <a:ext uri="{AF507438-7753-43E0-B8FC-AC1667EBCBE1}">
-              <a14:hiddenEffects xmlns:a14="http://schemas.microsoft.com/office/drawing/2010/main">
-                <a:effectLst>
-                  <a:outerShdw dist="35921" dir="2700000" algn="ctr" rotWithShape="0">
-                    <a:schemeClr val="bg2"/>
-                  </a:outerShdw>
-                </a:effectLst>
-              </a14:hiddenEffects>
-            </a:ext>
-          </a:extLst>
-        </p:spPr>
-        <p:txBody>
-          <a:bodyPr vert="horz" wrap="square" lIns="91440" tIns="45720" rIns="91440" bIns="45720" numCol="1" anchor="ctr" anchorCtr="0" compatLnSpc="1">
-            <a:prstTxWarp prst="textNoShape">
-              <a:avLst/>
-            </a:prstTxWarp>
-            <a:spAutoFit/>
-          </a:bodyPr>
-          <a:lstStyle/>
-          <a:p>
-            <a:endParaRPr lang="ru-RU"/>
-          </a:p>
-        </p:txBody>
-      </p:sp>
-      <p:pic>
-        <p:nvPicPr>
-          <p:cNvPr id="18" name="Рисунок 17"/>
-          <p:cNvPicPr>
-            <a:picLocks noChangeAspect="1"/>
-          </p:cNvPicPr>
-          <p:nvPr/>
-        </p:nvPicPr>
-        <p:blipFill>
-          <a:blip r:embed="rId2">
-            <a:extLst>
-              <a:ext uri="{28A0092B-C50C-407E-A947-70E740481C1C}">
-                <a14:useLocalDpi xmlns:a14="http://schemas.microsoft.com/office/drawing/2010/main" val="0"/>
-              </a:ext>
-            </a:extLst>
-          </a:blip>
-          <a:stretch>
-            <a:fillRect/>
-          </a:stretch>
-        </p:blipFill>
-        <p:spPr>
-          <a:xfrm>
-            <a:off x="3096000" y="2905320"/>
-            <a:ext cx="6000000" cy="3123809"/>
-          </a:xfrm>
-          <a:prstGeom prst="rect">
-            <a:avLst/>
-          </a:prstGeom>
-        </p:spPr>
-      </p:pic>
-      <p:pic>
-        <p:nvPicPr>
-          <p:cNvPr id="19" name="Рисунок 18"/>
-          <p:cNvPicPr>
-            <a:picLocks noChangeAspect="1"/>
-          </p:cNvPicPr>
-          <p:nvPr/>
-        </p:nvPicPr>
-        <p:blipFill>
-          <a:blip r:embed="rId3">
-            <a:extLst>
-              <a:ext uri="{28A0092B-C50C-407E-A947-70E740481C1C}">
-                <a14:useLocalDpi xmlns:a14="http://schemas.microsoft.com/office/drawing/2010/main" val="0"/>
-              </a:ext>
-            </a:extLst>
-          </a:blip>
-          <a:stretch>
-            <a:fillRect/>
-          </a:stretch>
-        </p:blipFill>
-        <p:spPr>
-          <a:xfrm>
-            <a:off x="3096000" y="2905320"/>
-            <a:ext cx="6000000" cy="3123809"/>
-          </a:xfrm>
-          <a:prstGeom prst="rect">
-            <a:avLst/>
-          </a:prstGeom>
-        </p:spPr>
-      </p:pic>
-      <p:pic>
-        <p:nvPicPr>
-          <p:cNvPr id="20" name="Рисунок 19"/>
-          <p:cNvPicPr>
-            <a:picLocks noChangeAspect="1"/>
-          </p:cNvPicPr>
-          <p:nvPr/>
-        </p:nvPicPr>
-        <p:blipFill>
-          <a:blip r:embed="rId4">
-            <a:extLst>
-              <a:ext uri="{28A0092B-C50C-407E-A947-70E740481C1C}">
-                <a14:useLocalDpi xmlns:a14="http://schemas.microsoft.com/office/drawing/2010/main" val="0"/>
-              </a:ext>
-            </a:extLst>
-          </a:blip>
-          <a:stretch>
-            <a:fillRect/>
-          </a:stretch>
-        </p:blipFill>
-        <p:spPr>
-          <a:xfrm>
-            <a:off x="3096000" y="2905320"/>
-            <a:ext cx="6000000" cy="3123809"/>
-          </a:xfrm>
-          <a:prstGeom prst="rect">
-            <a:avLst/>
-          </a:prstGeom>
-        </p:spPr>
-      </p:pic>
-      <p:pic>
-        <p:nvPicPr>
-          <p:cNvPr id="21" name="Рисунок 20"/>
-          <p:cNvPicPr>
-            <a:picLocks noChangeAspect="1"/>
-          </p:cNvPicPr>
-          <p:nvPr/>
-        </p:nvPicPr>
-        <p:blipFill>
-          <a:blip r:embed="rId5">
-            <a:extLst>
-              <a:ext uri="{28A0092B-C50C-407E-A947-70E740481C1C}">
-                <a14:useLocalDpi xmlns:a14="http://schemas.microsoft.com/office/drawing/2010/main" val="0"/>
-              </a:ext>
-            </a:extLst>
-          </a:blip>
-          <a:stretch>
-            <a:fillRect/>
-          </a:stretch>
-        </p:blipFill>
-        <p:spPr>
-          <a:xfrm>
-            <a:off x="3096000" y="2905320"/>
-            <a:ext cx="6000000" cy="3123809"/>
-          </a:xfrm>
-          <a:prstGeom prst="rect">
-            <a:avLst/>
-          </a:prstGeom>
-        </p:spPr>
-      </p:pic>
-      <p:pic>
-        <p:nvPicPr>
-          <p:cNvPr id="22" name="Рисунок 21"/>
-          <p:cNvPicPr>
-            <a:picLocks noChangeAspect="1"/>
-          </p:cNvPicPr>
-          <p:nvPr/>
-        </p:nvPicPr>
-        <p:blipFill>
-          <a:blip r:embed="rId6">
-            <a:extLst>
-              <a:ext uri="{28A0092B-C50C-407E-A947-70E740481C1C}">
-                <a14:useLocalDpi xmlns:a14="http://schemas.microsoft.com/office/drawing/2010/main" val="0"/>
-              </a:ext>
-            </a:extLst>
-          </a:blip>
-          <a:stretch>
-            <a:fillRect/>
-          </a:stretch>
-        </p:blipFill>
-        <p:spPr>
-          <a:xfrm>
-            <a:off x="3096000" y="2905320"/>
-            <a:ext cx="6000000" cy="3123809"/>
-          </a:xfrm>
-          <a:prstGeom prst="rect">
-            <a:avLst/>
-          </a:prstGeom>
-        </p:spPr>
-      </p:pic>
-      <p:sp>
-        <p:nvSpPr>
-          <p:cNvPr id="23" name="TextBox 22"/>
-          <p:cNvSpPr txBox="1"/>
-          <p:nvPr/>
-        </p:nvSpPr>
-        <p:spPr>
-          <a:xfrm>
-            <a:off x="990600" y="1292168"/>
-            <a:ext cx="11176329" cy="707886"/>
-          </a:xfrm>
-          <a:prstGeom prst="rect">
-            <a:avLst/>
-          </a:prstGeom>
-          <a:noFill/>
-        </p:spPr>
-        <p:txBody>
-          <a:bodyPr wrap="none" rtlCol="0">
-            <a:spAutoFit/>
-          </a:bodyPr>
-          <a:lstStyle/>
-          <a:p>
-            <a:r>
-              <a:rPr lang="ru-RU" sz="2000" dirty="0" smtClean="0"/>
-              <a:t>Классифицируемый объект относится к тому классу, к которому относится ближайший к нему сосед.</a:t>
-            </a:r>
-          </a:p>
-          <a:p>
-            <a:endParaRPr lang="ru-RU" sz="2000" dirty="0"/>
-          </a:p>
-        </p:txBody>
-      </p:sp>
-    </p:spTree>
-    <p:extLst>
-      <p:ext uri="{BB962C8B-B14F-4D97-AF65-F5344CB8AC3E}">
-        <p14:creationId xmlns:p14="http://schemas.microsoft.com/office/powerpoint/2010/main" val="620081518"/>
-      </p:ext>
-    </p:extLst>
-  </p:cSld>
-  <p:clrMapOvr>
-    <a:masterClrMapping/>
-  </p:clrMapOvr>
-  <p:timing>
-    <p:tnLst>
-      <p:par>
-        <p:cTn id="1" dur="indefinite" restart="never" nodeType="tmRoot">
-          <p:childTnLst>
-            <p:seq concurrent="1" nextAc="seek">
-              <p:cTn id="2" dur="indefinite" nodeType="mainSeq">
-                <p:childTnLst>
-                  <p:par>
-                    <p:cTn id="3" fill="hold">
-                      <p:stCondLst>
-                        <p:cond delay="indefinite"/>
-                      </p:stCondLst>
-                      <p:childTnLst>
-                        <p:par>
-                          <p:cTn id="4" fill="hold">
-                            <p:stCondLst>
-                              <p:cond delay="0"/>
-                            </p:stCondLst>
-                            <p:childTnLst>
-                              <p:par>
-                                <p:cTn id="5" presetID="1" presetClass="entr" presetSubtype="0" fill="hold" nodeType="clickEffect">
-                                  <p:stCondLst>
-                                    <p:cond delay="0"/>
-                                  </p:stCondLst>
-                                  <p:childTnLst>
-                                    <p:set>
-                                      <p:cBhvr>
-                                        <p:cTn id="6" dur="1" fill="hold">
-                                          <p:stCondLst>
-                                            <p:cond delay="0"/>
-                                          </p:stCondLst>
-                                        </p:cTn>
-                                        <p:tgtEl>
-                                          <p:spTgt spid="19"/>
-                                        </p:tgtEl>
-                                        <p:attrNameLst>
-                                          <p:attrName>style.visibility</p:attrName>
-                                        </p:attrNameLst>
-                                      </p:cBhvr>
-                                      <p:to>
-                                        <p:strVal val="visible"/>
-                                      </p:to>
-                                    </p:set>
-                                  </p:childTnLst>
-                                </p:cTn>
-                              </p:par>
-                            </p:childTnLst>
-                          </p:cTn>
-                        </p:par>
-                      </p:childTnLst>
-                    </p:cTn>
-                  </p:par>
-                  <p:par>
-                    <p:cTn id="7" fill="hold">
-                      <p:stCondLst>
-                        <p:cond delay="indefinite"/>
-                      </p:stCondLst>
-                      <p:childTnLst>
-                        <p:par>
-                          <p:cTn id="8" fill="hold">
-                            <p:stCondLst>
-                              <p:cond delay="0"/>
-                            </p:stCondLst>
-                            <p:childTnLst>
-                              <p:par>
-                                <p:cTn id="9" presetID="1" presetClass="entr" presetSubtype="0" fill="hold" nodeType="clickEffect">
-                                  <p:stCondLst>
-                                    <p:cond delay="0"/>
-                                  </p:stCondLst>
-                                  <p:childTnLst>
-                                    <p:set>
-                                      <p:cBhvr>
-                                        <p:cTn id="10" dur="1" fill="hold">
-                                          <p:stCondLst>
-                                            <p:cond delay="0"/>
-                                          </p:stCondLst>
-                                        </p:cTn>
-                                        <p:tgtEl>
-                                          <p:spTgt spid="20"/>
-                                        </p:tgtEl>
-                                        <p:attrNameLst>
-                                          <p:attrName>style.visibility</p:attrName>
-                                        </p:attrNameLst>
-                                      </p:cBhvr>
-                                      <p:to>
-                                        <p:strVal val="visible"/>
-                                      </p:to>
-                                    </p:set>
-                                  </p:childTnLst>
-                                </p:cTn>
-                              </p:par>
-                            </p:childTnLst>
-                          </p:cTn>
-                        </p:par>
-                      </p:childTnLst>
-                    </p:cTn>
-                  </p:par>
-                  <p:par>
-                    <p:cTn id="11" fill="hold">
-                      <p:stCondLst>
-                        <p:cond delay="indefinite"/>
-                      </p:stCondLst>
-                      <p:childTnLst>
-                        <p:par>
-                          <p:cTn id="12" fill="hold">
-                            <p:stCondLst>
-                              <p:cond delay="0"/>
-                            </p:stCondLst>
-                            <p:childTnLst>
-                              <p:par>
-                                <p:cTn id="13" presetID="1" presetClass="entr" presetSubtype="0" fill="hold" nodeType="clickEffect">
-                                  <p:stCondLst>
-                                    <p:cond delay="0"/>
-                                  </p:stCondLst>
-                                  <p:childTnLst>
-                                    <p:set>
-                                      <p:cBhvr>
-                                        <p:cTn id="14" dur="1" fill="hold">
-                                          <p:stCondLst>
-                                            <p:cond delay="0"/>
-                                          </p:stCondLst>
-                                        </p:cTn>
-                                        <p:tgtEl>
-                                          <p:spTgt spid="21"/>
+                                          <p:spTgt spid="37898"/>
                                         </p:tgtEl>
                                         <p:attrNameLst>
                                           <p:attrName>style.visibility</p:attrName>
@@ -5030,7 +6548,97 @@
                                           </p:stCondLst>
                                         </p:cTn>
                                         <p:tgtEl>
-                                          <p:spTgt spid="22"/>
+                                          <p:spTgt spid="37900"/>
+                                        </p:tgtEl>
+                                        <p:attrNameLst>
+                                          <p:attrName>style.visibility</p:attrName>
+                                        </p:attrNameLst>
+                                      </p:cBhvr>
+                                      <p:to>
+                                        <p:strVal val="visible"/>
+                                      </p:to>
+                                    </p:set>
+                                  </p:childTnLst>
+                                </p:cTn>
+                              </p:par>
+                            </p:childTnLst>
+                          </p:cTn>
+                        </p:par>
+                      </p:childTnLst>
+                    </p:cTn>
+                  </p:par>
+                  <p:par>
+                    <p:cTn id="19" fill="hold">
+                      <p:stCondLst>
+                        <p:cond delay="indefinite"/>
+                      </p:stCondLst>
+                      <p:childTnLst>
+                        <p:par>
+                          <p:cTn id="20" fill="hold">
+                            <p:stCondLst>
+                              <p:cond delay="0"/>
+                            </p:stCondLst>
+                            <p:childTnLst>
+                              <p:par>
+                                <p:cTn id="21" presetID="1" presetClass="entr" presetSubtype="0" fill="hold" nodeType="clickEffect">
+                                  <p:stCondLst>
+                                    <p:cond delay="0"/>
+                                  </p:stCondLst>
+                                  <p:childTnLst>
+                                    <p:set>
+                                      <p:cBhvr>
+                                        <p:cTn id="22" dur="1" fill="hold">
+                                          <p:stCondLst>
+                                            <p:cond delay="0"/>
+                                          </p:stCondLst>
+                                        </p:cTn>
+                                        <p:tgtEl>
+                                          <p:spTgt spid="37905"/>
+                                        </p:tgtEl>
+                                        <p:attrNameLst>
+                                          <p:attrName>style.visibility</p:attrName>
+                                        </p:attrNameLst>
+                                      </p:cBhvr>
+                                      <p:to>
+                                        <p:strVal val="visible"/>
+                                      </p:to>
+                                    </p:set>
+                                  </p:childTnLst>
+                                </p:cTn>
+                              </p:par>
+                            </p:childTnLst>
+                          </p:cTn>
+                        </p:par>
+                      </p:childTnLst>
+                    </p:cTn>
+                  </p:par>
+                  <p:par>
+                    <p:cTn id="23" fill="hold">
+                      <p:stCondLst>
+                        <p:cond delay="indefinite"/>
+                      </p:stCondLst>
+                      <p:childTnLst>
+                        <p:par>
+                          <p:cTn id="24" fill="hold">
+                            <p:stCondLst>
+                              <p:cond delay="0"/>
+                            </p:stCondLst>
+                            <p:childTnLst>
+                              <p:par>
+                                <p:cTn id="25" presetID="1" presetClass="entr" presetSubtype="0" fill="hold" nodeType="clickEffect">
+                                  <p:stCondLst>
+                                    <p:cond delay="0"/>
+                                  </p:stCondLst>
+                                  <p:childTnLst>
+                                    <p:set>
+                                      <p:cBhvr>
+                                        <p:cTn id="26" dur="1" fill="hold">
+                                          <p:stCondLst>
+                                            <p:cond delay="0"/>
+                                          </p:stCondLst>
+                                        </p:cTn>
+                                        <p:tgtEl>
+                                          <p:spTgt spid="37906"/>
                                         </p:tgtEl>
                                         <p:attrNameLst>
                                           <p:attrName>style.visibility</p:attrName>
@@ -5103,7 +6711,7 @@
         </p:nvSpPr>
         <p:spPr>
           <a:xfrm>
-            <a:off x="0" y="92595"/>
+            <a:off x="239483" y="117081"/>
             <a:ext cx="11713034" cy="694418"/>
           </a:xfrm>
         </p:spPr>
@@ -5114,7 +6722,7 @@
           <a:lstStyle/>
           <a:p>
             <a:r>
-              <a:rPr lang="ru-RU" sz="3600" i="1" dirty="0" smtClean="0">
+              <a:rPr lang="ru-RU" sz="3200" i="1" dirty="0" smtClean="0">
                 <a:solidFill>
                   <a:schemeClr val="tx2">
                     <a:lumMod val="60000"/>
@@ -5122,7 +6730,29 @@
                   </a:schemeClr>
                 </a:solidFill>
               </a:rPr>
-              <a:t>Семейство методов БС</a:t>
+              <a:t>Метод деревьев решений</a:t>
+            </a:r>
+            <a:r>
+              <a:rPr lang="en-US" sz="3200" i="1" dirty="0" smtClean="0">
+                <a:solidFill>
+                  <a:schemeClr val="tx2">
+                    <a:lumMod val="60000"/>
+                    <a:lumOff val="40000"/>
+                  </a:schemeClr>
+                </a:solidFill>
+              </a:rPr>
+              <a:t>. </a:t>
+            </a:r>
+            <a:r>
+              <a:rPr lang="ru-RU" sz="3200" i="1" dirty="0" smtClean="0">
+                <a:solidFill>
+                  <a:schemeClr val="tx2">
+                    <a:lumMod val="60000"/>
+                    <a:lumOff val="40000"/>
+                  </a:schemeClr>
+                </a:solidFill>
+              </a:rPr>
+              <a:t>Критерий прироста информации</a:t>
             </a:r>
             <a:endParaRPr lang="ru-RU" sz="3600" i="1" dirty="0">
               <a:solidFill>
@@ -5160,7 +6790,11 @@
             </a:r>
             <a:r>
               <a:rPr lang="ru-RU" dirty="0" smtClean="0"/>
-              <a:t>, 2017</a:t>
+              <a:t>, </a:t>
+            </a:r>
+            <a:r>
+              <a:rPr lang="ru-RU" dirty="0" smtClean="0"/>
+              <a:t>2018</a:t>
             </a:r>
             <a:endParaRPr lang="ru-RU" dirty="0"/>
           </a:p>
@@ -5191,14 +6825,266 @@
       </p:sp>
       <p:sp>
         <p:nvSpPr>
-          <p:cNvPr id="4" name="TextBox 3"/>
+          <p:cNvPr id="3" name="Rectangle 2"/>
+          <p:cNvSpPr>
+            <a:spLocks noChangeArrowheads="1"/>
+          </p:cNvSpPr>
+          <p:nvPr/>
+        </p:nvSpPr>
+        <p:spPr bwMode="auto">
+          <a:xfrm>
+            <a:off x="0" y="0"/>
+            <a:ext cx="12192000" cy="0"/>
+          </a:xfrm>
+          <a:prstGeom prst="rect">
+            <a:avLst/>
+          </a:prstGeom>
+          <a:noFill/>
+          <a:ln>
+            <a:noFill/>
+          </a:ln>
+          <a:effectLst/>
+          <a:extLst>
+            <a:ext uri="{909E8E84-426E-40DD-AFC4-6F175D3DCCD1}">
+              <a14:hiddenFill xmlns:a14="http://schemas.microsoft.com/office/drawing/2010/main">
+                <a:solidFill>
+                  <a:schemeClr val="accent1"/>
+                </a:solidFill>
+              </a14:hiddenFill>
+            </a:ext>
+            <a:ext uri="{91240B29-F687-4F45-9708-019B960494DF}">
+              <a14:hiddenLine xmlns:a14="http://schemas.microsoft.com/office/drawing/2010/main" w="9525">
+                <a:solidFill>
+                  <a:schemeClr val="tx1"/>
+                </a:solidFill>
+                <a:miter lim="800000"/>
+                <a:headEnd/>
+                <a:tailEnd/>
+              </a14:hiddenLine>
+            </a:ext>
+            <a:ext uri="{AF507438-7753-43E0-B8FC-AC1667EBCBE1}">
+              <a14:hiddenEffects xmlns:a14="http://schemas.microsoft.com/office/drawing/2010/main">
+                <a:effectLst>
+                  <a:outerShdw dist="35921" dir="2700000" algn="ctr" rotWithShape="0">
+                    <a:schemeClr val="bg2"/>
+                  </a:outerShdw>
+                </a:effectLst>
+              </a14:hiddenEffects>
+            </a:ext>
+          </a:extLst>
+        </p:spPr>
+        <p:txBody>
+          <a:bodyPr vert="horz" wrap="none" lIns="91440" tIns="45720" rIns="91440" bIns="45720" numCol="1" anchor="ctr" anchorCtr="0" compatLnSpc="1">
+            <a:prstTxWarp prst="textNoShape">
+              <a:avLst/>
+            </a:prstTxWarp>
+            <a:spAutoFit/>
+          </a:bodyPr>
+          <a:lstStyle/>
+          <a:p>
+            <a:endParaRPr lang="ru-RU"/>
+          </a:p>
+        </p:txBody>
+      </p:sp>
+      <p:sp>
+        <p:nvSpPr>
+          <p:cNvPr id="8" name="Rectangle 4"/>
+          <p:cNvSpPr>
+            <a:spLocks noChangeArrowheads="1"/>
+          </p:cNvSpPr>
+          <p:nvPr/>
+        </p:nvSpPr>
+        <p:spPr bwMode="auto">
+          <a:xfrm>
+            <a:off x="0" y="0"/>
+            <a:ext cx="12192000" cy="0"/>
+          </a:xfrm>
+          <a:prstGeom prst="rect">
+            <a:avLst/>
+          </a:prstGeom>
+          <a:noFill/>
+          <a:ln>
+            <a:noFill/>
+          </a:ln>
+          <a:effectLst/>
+          <a:extLst>
+            <a:ext uri="{909E8E84-426E-40DD-AFC4-6F175D3DCCD1}">
+              <a14:hiddenFill xmlns:a14="http://schemas.microsoft.com/office/drawing/2010/main">
+                <a:solidFill>
+                  <a:schemeClr val="accent1"/>
+                </a:solidFill>
+              </a14:hiddenFill>
+            </a:ext>
+            <a:ext uri="{91240B29-F687-4F45-9708-019B960494DF}">
+              <a14:hiddenLine xmlns:a14="http://schemas.microsoft.com/office/drawing/2010/main" w="9525">
+                <a:solidFill>
+                  <a:schemeClr val="tx1"/>
+                </a:solidFill>
+                <a:miter lim="800000"/>
+                <a:headEnd/>
+                <a:tailEnd/>
+              </a14:hiddenLine>
+            </a:ext>
+            <a:ext uri="{AF507438-7753-43E0-B8FC-AC1667EBCBE1}">
+              <a14:hiddenEffects xmlns:a14="http://schemas.microsoft.com/office/drawing/2010/main">
+                <a:effectLst>
+                  <a:outerShdw dist="35921" dir="2700000" algn="ctr" rotWithShape="0">
+                    <a:schemeClr val="bg2"/>
+                  </a:outerShdw>
+                </a:effectLst>
+              </a14:hiddenEffects>
+            </a:ext>
+          </a:extLst>
+        </p:spPr>
+        <p:txBody>
+          <a:bodyPr vert="horz" wrap="none" lIns="91440" tIns="45720" rIns="91440" bIns="45720" numCol="1" anchor="ctr" anchorCtr="0" compatLnSpc="1">
+            <a:prstTxWarp prst="textNoShape">
+              <a:avLst/>
+            </a:prstTxWarp>
+            <a:spAutoFit/>
+          </a:bodyPr>
+          <a:lstStyle/>
+          <a:p>
+            <a:endParaRPr lang="ru-RU"/>
+          </a:p>
+        </p:txBody>
+      </p:sp>
+      <p:sp>
+        <p:nvSpPr>
+          <p:cNvPr id="11" name="Rectangle 7"/>
+          <p:cNvSpPr>
+            <a:spLocks noChangeArrowheads="1"/>
+          </p:cNvSpPr>
+          <p:nvPr/>
+        </p:nvSpPr>
+        <p:spPr bwMode="auto">
+          <a:xfrm>
+            <a:off x="0" y="0"/>
+            <a:ext cx="12192000" cy="0"/>
+          </a:xfrm>
+          <a:prstGeom prst="rect">
+            <a:avLst/>
+          </a:prstGeom>
+          <a:noFill/>
+          <a:ln>
+            <a:noFill/>
+          </a:ln>
+          <a:effectLst/>
+          <a:extLst>
+            <a:ext uri="{909E8E84-426E-40DD-AFC4-6F175D3DCCD1}">
+              <a14:hiddenFill xmlns:a14="http://schemas.microsoft.com/office/drawing/2010/main">
+                <a:solidFill>
+                  <a:schemeClr val="accent1"/>
+                </a:solidFill>
+              </a14:hiddenFill>
+            </a:ext>
+            <a:ext uri="{91240B29-F687-4F45-9708-019B960494DF}">
+              <a14:hiddenLine xmlns:a14="http://schemas.microsoft.com/office/drawing/2010/main" w="9525">
+                <a:solidFill>
+                  <a:schemeClr val="tx1"/>
+                </a:solidFill>
+                <a:miter lim="800000"/>
+                <a:headEnd/>
+                <a:tailEnd/>
+              </a14:hiddenLine>
+            </a:ext>
+            <a:ext uri="{AF507438-7753-43E0-B8FC-AC1667EBCBE1}">
+              <a14:hiddenEffects xmlns:a14="http://schemas.microsoft.com/office/drawing/2010/main">
+                <a:effectLst>
+                  <a:outerShdw dist="35921" dir="2700000" algn="ctr" rotWithShape="0">
+                    <a:schemeClr val="bg2"/>
+                  </a:outerShdw>
+                </a:effectLst>
+              </a14:hiddenEffects>
+            </a:ext>
+          </a:extLst>
+        </p:spPr>
+        <p:txBody>
+          <a:bodyPr vert="horz" wrap="none" lIns="91440" tIns="45720" rIns="91440" bIns="45720" numCol="1" anchor="ctr" anchorCtr="0" compatLnSpc="1">
+            <a:prstTxWarp prst="textNoShape">
+              <a:avLst/>
+            </a:prstTxWarp>
+            <a:spAutoFit/>
+          </a:bodyPr>
+          <a:lstStyle/>
+          <a:p>
+            <a:endParaRPr lang="ru-RU"/>
+          </a:p>
+        </p:txBody>
+      </p:sp>
+      <p:sp>
+        <p:nvSpPr>
+          <p:cNvPr id="13" name="Rectangle 9"/>
+          <p:cNvSpPr>
+            <a:spLocks noChangeArrowheads="1"/>
+          </p:cNvSpPr>
+          <p:nvPr/>
+        </p:nvSpPr>
+        <p:spPr bwMode="auto">
+          <a:xfrm>
+            <a:off x="0" y="0"/>
+            <a:ext cx="12192000" cy="0"/>
+          </a:xfrm>
+          <a:prstGeom prst="rect">
+            <a:avLst/>
+          </a:prstGeom>
+          <a:noFill/>
+          <a:ln>
+            <a:noFill/>
+          </a:ln>
+          <a:effectLst/>
+          <a:extLst>
+            <a:ext uri="{909E8E84-426E-40DD-AFC4-6F175D3DCCD1}">
+              <a14:hiddenFill xmlns:a14="http://schemas.microsoft.com/office/drawing/2010/main">
+                <a:solidFill>
+                  <a:schemeClr val="accent1"/>
+                </a:solidFill>
+              </a14:hiddenFill>
+            </a:ext>
+            <a:ext uri="{91240B29-F687-4F45-9708-019B960494DF}">
+              <a14:hiddenLine xmlns:a14="http://schemas.microsoft.com/office/drawing/2010/main" w="9525">
+                <a:solidFill>
+                  <a:schemeClr val="tx1"/>
+                </a:solidFill>
+                <a:miter lim="800000"/>
+                <a:headEnd/>
+                <a:tailEnd/>
+              </a14:hiddenLine>
+            </a:ext>
+            <a:ext uri="{AF507438-7753-43E0-B8FC-AC1667EBCBE1}">
+              <a14:hiddenEffects xmlns:a14="http://schemas.microsoft.com/office/drawing/2010/main">
+                <a:effectLst>
+                  <a:outerShdw dist="35921" dir="2700000" algn="ctr" rotWithShape="0">
+                    <a:schemeClr val="bg2"/>
+                  </a:outerShdw>
+                </a:effectLst>
+              </a14:hiddenEffects>
+            </a:ext>
+          </a:extLst>
+        </p:spPr>
+        <p:txBody>
+          <a:bodyPr vert="horz" wrap="none" lIns="91440" tIns="45720" rIns="91440" bIns="45720" numCol="1" anchor="ctr" anchorCtr="0" compatLnSpc="1">
+            <a:prstTxWarp prst="textNoShape">
+              <a:avLst/>
+            </a:prstTxWarp>
+            <a:spAutoFit/>
+          </a:bodyPr>
+          <a:lstStyle/>
+          <a:p>
+            <a:endParaRPr lang="ru-RU"/>
+          </a:p>
+        </p:txBody>
+      </p:sp>
+      <p:sp>
+        <p:nvSpPr>
+          <p:cNvPr id="62" name="TextBox 61"/>
           <p:cNvSpPr txBox="1"/>
           <p:nvPr/>
         </p:nvSpPr>
         <p:spPr>
           <a:xfrm>
-            <a:off x="380999" y="1357052"/>
-            <a:ext cx="11332035" cy="1938992"/>
+            <a:off x="635001" y="800100"/>
+            <a:ext cx="11125200" cy="914400"/>
           </a:xfrm>
           <a:prstGeom prst="rect">
             <a:avLst/>
@@ -5211,101 +7097,568 @@
           </a:bodyPr>
           <a:lstStyle/>
           <a:p>
-            <a:pPr marL="285750" indent="-285750">
-              <a:spcAft>
-                <a:spcPts val="1200"/>
-              </a:spcAft>
-              <a:buFont typeface="Arial" panose="020B0604020202020204" pitchFamily="34" charset="0"/>
-              <a:buChar char="•"/>
-            </a:pPr>
-            <a:r>
-              <a:rPr lang="ru-RU" sz="2000" dirty="0" err="1" smtClean="0"/>
-              <a:t>кБС</a:t>
-            </a:r>
-            <a:r>
-              <a:rPr lang="ru-RU" sz="2000" dirty="0" smtClean="0"/>
-              <a:t> – Решение принимается на основании анализа к ближайших соседей. Обычно к - нечетное число </a:t>
-            </a:r>
-            <a:r>
-              <a:rPr lang="en-US" sz="2000" dirty="0" smtClean="0"/>
-              <a:t>[5;25]</a:t>
-            </a:r>
-            <a:endParaRPr lang="ru-RU" sz="2000" dirty="0" smtClean="0"/>
-          </a:p>
-          <a:p>
-            <a:pPr marL="285750" indent="-285750">
-              <a:spcAft>
-                <a:spcPts val="1200"/>
-              </a:spcAft>
-              <a:buFont typeface="Arial" panose="020B0604020202020204" pitchFamily="34" charset="0"/>
-              <a:buChar char="•"/>
-            </a:pPr>
-            <a:r>
-              <a:rPr lang="ru-RU" sz="2000" dirty="0" smtClean="0"/>
-              <a:t>Взвешенный </a:t>
-            </a:r>
-            <a:r>
-              <a:rPr lang="ru-RU" sz="2000" dirty="0" err="1" smtClean="0"/>
-              <a:t>кБС</a:t>
-            </a:r>
-            <a:r>
-              <a:rPr lang="en-US" sz="2000" dirty="0" smtClean="0"/>
-              <a:t> – </a:t>
-            </a:r>
-            <a:r>
-              <a:rPr lang="ru-RU" sz="2000" dirty="0" smtClean="0"/>
-              <a:t>наиболее близкие соседи имеют больший вес при голосовании. </a:t>
-            </a:r>
-          </a:p>
-          <a:p>
-            <a:pPr marL="285750" indent="-285750">
-              <a:spcAft>
-                <a:spcPts val="1200"/>
-              </a:spcAft>
-              <a:buFont typeface="Arial" panose="020B0604020202020204" pitchFamily="34" charset="0"/>
-              <a:buChar char="•"/>
-            </a:pPr>
-            <a:r>
-              <a:rPr lang="ru-RU" sz="2000" dirty="0" smtClean="0"/>
-              <a:t>Модифицированный МБС – поиск соседей только определенной области признакового пространства, с целью сокращения вычислительных  операций. </a:t>
-            </a:r>
-          </a:p>
-        </p:txBody>
-      </p:sp>
-      <p:pic>
-        <p:nvPicPr>
-          <p:cNvPr id="8" name="Рисунок 7"/>
-          <p:cNvPicPr>
-            <a:picLocks noChangeAspect="1"/>
-          </p:cNvPicPr>
+            <a:r>
+              <a:rPr lang="ru-RU" dirty="0"/>
+              <a:t>Для выбора наиболее информативного признака, по которому проводится разбиение, в методе деревьев решений чаще всего используется </a:t>
+            </a:r>
+            <a:r>
+              <a:rPr lang="ru-RU" i="1" dirty="0"/>
+              <a:t>теоретико-информационный (</a:t>
+            </a:r>
+            <a:r>
+              <a:rPr lang="ru-RU" i="1" dirty="0" err="1"/>
+              <a:t>энтропийный</a:t>
+            </a:r>
+            <a:r>
+              <a:rPr lang="ru-RU" i="1" dirty="0"/>
+              <a:t>) подход</a:t>
+            </a:r>
+            <a:r>
+              <a:rPr lang="ru-RU" dirty="0"/>
+              <a:t>.</a:t>
+            </a:r>
+          </a:p>
+          <a:p>
+            <a:endParaRPr lang="ru-RU" dirty="0"/>
+          </a:p>
+        </p:txBody>
+      </p:sp>
+      <p:sp>
+        <p:nvSpPr>
+          <p:cNvPr id="37888" name="Rectangle 2"/>
+          <p:cNvSpPr>
+            <a:spLocks noChangeArrowheads="1"/>
+          </p:cNvSpPr>
           <p:nvPr/>
-        </p:nvPicPr>
-        <p:blipFill>
-          <a:blip r:embed="rId2">
-            <a:extLst>
-              <a:ext uri="{28A0092B-C50C-407E-A947-70E740481C1C}">
-                <a14:useLocalDpi xmlns:a14="http://schemas.microsoft.com/office/drawing/2010/main" val="0"/>
-              </a:ext>
-            </a:extLst>
-          </a:blip>
-          <a:stretch>
-            <a:fillRect/>
-          </a:stretch>
-        </p:blipFill>
-        <p:spPr>
+        </p:nvSpPr>
+        <p:spPr bwMode="auto">
           <a:xfrm>
-            <a:off x="4761279" y="3633926"/>
-            <a:ext cx="2190476" cy="2219048"/>
+            <a:off x="0" y="0"/>
+            <a:ext cx="12192000" cy="0"/>
           </a:xfrm>
           <a:prstGeom prst="rect">
             <a:avLst/>
           </a:prstGeom>
+          <a:noFill/>
+          <a:ln>
+            <a:noFill/>
+          </a:ln>
+          <a:effectLst/>
+          <a:extLst>
+            <a:ext uri="{909E8E84-426E-40DD-AFC4-6F175D3DCCD1}">
+              <a14:hiddenFill xmlns:a14="http://schemas.microsoft.com/office/drawing/2010/main">
+                <a:solidFill>
+                  <a:schemeClr val="accent1"/>
+                </a:solidFill>
+              </a14:hiddenFill>
+            </a:ext>
+            <a:ext uri="{91240B29-F687-4F45-9708-019B960494DF}">
+              <a14:hiddenLine xmlns:a14="http://schemas.microsoft.com/office/drawing/2010/main" w="9525">
+                <a:solidFill>
+                  <a:schemeClr val="tx1"/>
+                </a:solidFill>
+                <a:miter lim="800000"/>
+                <a:headEnd/>
+                <a:tailEnd/>
+              </a14:hiddenLine>
+            </a:ext>
+            <a:ext uri="{AF507438-7753-43E0-B8FC-AC1667EBCBE1}">
+              <a14:hiddenEffects xmlns:a14="http://schemas.microsoft.com/office/drawing/2010/main">
+                <a:effectLst>
+                  <a:outerShdw dist="35921" dir="2700000" algn="ctr" rotWithShape="0">
+                    <a:schemeClr val="bg2"/>
+                  </a:outerShdw>
+                </a:effectLst>
+              </a14:hiddenEffects>
+            </a:ext>
+          </a:extLst>
         </p:spPr>
-      </p:pic>
+        <p:txBody>
+          <a:bodyPr vert="horz" wrap="none" lIns="91440" tIns="45720" rIns="91440" bIns="45720" numCol="1" anchor="ctr" anchorCtr="0" compatLnSpc="1">
+            <a:prstTxWarp prst="textNoShape">
+              <a:avLst/>
+            </a:prstTxWarp>
+            <a:spAutoFit/>
+          </a:bodyPr>
+          <a:lstStyle/>
+          <a:p>
+            <a:endParaRPr lang="ru-RU"/>
+          </a:p>
+        </p:txBody>
+      </p:sp>
+      <p:graphicFrame>
+        <p:nvGraphicFramePr>
+          <p:cNvPr id="37889" name="Объект 37888"/>
+          <p:cNvGraphicFramePr>
+            <a:graphicFrameLocks noChangeAspect="1"/>
+          </p:cNvGraphicFramePr>
+          <p:nvPr>
+            <p:extLst>
+              <p:ext uri="{D42A27DB-BD31-4B8C-83A1-F6EECF244321}">
+                <p14:modId xmlns:p14="http://schemas.microsoft.com/office/powerpoint/2010/main" val="4177178767"/>
+              </p:ext>
+            </p:extLst>
+          </p:nvPr>
+        </p:nvGraphicFramePr>
+        <p:xfrm>
+          <a:off x="4274612" y="2693928"/>
+          <a:ext cx="3147477" cy="378742"/>
+        </p:xfrm>
+        <a:graphic>
+          <a:graphicData uri="http://schemas.openxmlformats.org/presentationml/2006/ole">
+            <mc:AlternateContent xmlns:mc="http://schemas.openxmlformats.org/markup-compatibility/2006">
+              <mc:Choice xmlns:v="urn:schemas-microsoft-com:vml" Requires="v">
+                <p:oleObj spid="_x0000_s17410" name="Формула" r:id="rId3" imgW="2298700" imgH="279400" progId="Equation.3">
+                  <p:embed/>
+                </p:oleObj>
+              </mc:Choice>
+              <mc:Fallback>
+                <p:oleObj name="Формула" r:id="rId3" imgW="2298700" imgH="279400" progId="Equation.3">
+                  <p:embed/>
+                  <p:pic>
+                    <p:nvPicPr>
+                      <p:cNvPr id="0" name=""/>
+                      <p:cNvPicPr>
+                        <a:picLocks noChangeAspect="1" noChangeArrowheads="1"/>
+                      </p:cNvPicPr>
+                      <p:nvPr/>
+                    </p:nvPicPr>
+                    <p:blipFill>
+                      <a:blip r:embed="rId4">
+                        <a:extLst>
+                          <a:ext uri="{28A0092B-C50C-407E-A947-70E740481C1C}">
+                            <a14:useLocalDpi xmlns:a14="http://schemas.microsoft.com/office/drawing/2010/main" val="0"/>
+                          </a:ext>
+                        </a:extLst>
+                      </a:blip>
+                      <a:srcRect/>
+                      <a:stretch>
+                        <a:fillRect/>
+                      </a:stretch>
+                    </p:blipFill>
+                    <p:spPr bwMode="auto">
+                      <a:xfrm>
+                        <a:off x="4274612" y="2693928"/>
+                        <a:ext cx="3147477" cy="378742"/>
+                      </a:xfrm>
+                      <a:prstGeom prst="rect">
+                        <a:avLst/>
+                      </a:prstGeom>
+                      <a:noFill/>
+                    </p:spPr>
+                  </p:pic>
+                </p:oleObj>
+              </mc:Fallback>
+            </mc:AlternateContent>
+          </a:graphicData>
+        </a:graphic>
+      </p:graphicFrame>
+      <p:sp>
+        <p:nvSpPr>
+          <p:cNvPr id="37890" name="Rectangle 4"/>
+          <p:cNvSpPr>
+            <a:spLocks noChangeArrowheads="1"/>
+          </p:cNvSpPr>
+          <p:nvPr/>
+        </p:nvSpPr>
+        <p:spPr bwMode="auto">
+          <a:xfrm>
+            <a:off x="0" y="0"/>
+            <a:ext cx="12192000" cy="0"/>
+          </a:xfrm>
+          <a:prstGeom prst="rect">
+            <a:avLst/>
+          </a:prstGeom>
+          <a:noFill/>
+          <a:ln>
+            <a:noFill/>
+          </a:ln>
+          <a:effectLst/>
+          <a:extLst>
+            <a:ext uri="{909E8E84-426E-40DD-AFC4-6F175D3DCCD1}">
+              <a14:hiddenFill xmlns:a14="http://schemas.microsoft.com/office/drawing/2010/main">
+                <a:solidFill>
+                  <a:schemeClr val="accent1"/>
+                </a:solidFill>
+              </a14:hiddenFill>
+            </a:ext>
+            <a:ext uri="{91240B29-F687-4F45-9708-019B960494DF}">
+              <a14:hiddenLine xmlns:a14="http://schemas.microsoft.com/office/drawing/2010/main" w="9525">
+                <a:solidFill>
+                  <a:schemeClr val="tx1"/>
+                </a:solidFill>
+                <a:miter lim="800000"/>
+                <a:headEnd/>
+                <a:tailEnd/>
+              </a14:hiddenLine>
+            </a:ext>
+            <a:ext uri="{AF507438-7753-43E0-B8FC-AC1667EBCBE1}">
+              <a14:hiddenEffects xmlns:a14="http://schemas.microsoft.com/office/drawing/2010/main">
+                <a:effectLst>
+                  <a:outerShdw dist="35921" dir="2700000" algn="ctr" rotWithShape="0">
+                    <a:schemeClr val="bg2"/>
+                  </a:outerShdw>
+                </a:effectLst>
+              </a14:hiddenEffects>
+            </a:ext>
+          </a:extLst>
+        </p:spPr>
+        <p:txBody>
+          <a:bodyPr vert="horz" wrap="none" lIns="91440" tIns="45720" rIns="91440" bIns="45720" numCol="1" anchor="ctr" anchorCtr="0" compatLnSpc="1">
+            <a:prstTxWarp prst="textNoShape">
+              <a:avLst/>
+            </a:prstTxWarp>
+            <a:spAutoFit/>
+          </a:bodyPr>
+          <a:lstStyle/>
+          <a:p>
+            <a:endParaRPr lang="ru-RU"/>
+          </a:p>
+        </p:txBody>
+      </p:sp>
+      <p:graphicFrame>
+        <p:nvGraphicFramePr>
+          <p:cNvPr id="37891" name="Объект 37890"/>
+          <p:cNvGraphicFramePr>
+            <a:graphicFrameLocks noChangeAspect="1"/>
+          </p:cNvGraphicFramePr>
+          <p:nvPr>
+            <p:extLst>
+              <p:ext uri="{D42A27DB-BD31-4B8C-83A1-F6EECF244321}">
+                <p14:modId xmlns:p14="http://schemas.microsoft.com/office/powerpoint/2010/main" val="617033208"/>
+              </p:ext>
+            </p:extLst>
+          </p:nvPr>
+        </p:nvGraphicFramePr>
+        <p:xfrm>
+          <a:off x="539751" y="3587066"/>
+          <a:ext cx="3395790" cy="615265"/>
+        </p:xfrm>
+        <a:graphic>
+          <a:graphicData uri="http://schemas.openxmlformats.org/presentationml/2006/ole">
+            <mc:AlternateContent xmlns:mc="http://schemas.openxmlformats.org/markup-compatibility/2006">
+              <mc:Choice xmlns:v="urn:schemas-microsoft-com:vml" Requires="v">
+                <p:oleObj spid="_x0000_s17411" name="Формула" r:id="rId5" imgW="2730500" imgH="495300" progId="Equation.3">
+                  <p:embed/>
+                </p:oleObj>
+              </mc:Choice>
+              <mc:Fallback>
+                <p:oleObj name="Формула" r:id="rId5" imgW="2730500" imgH="495300" progId="Equation.3">
+                  <p:embed/>
+                  <p:pic>
+                    <p:nvPicPr>
+                      <p:cNvPr id="0" name=""/>
+                      <p:cNvPicPr>
+                        <a:picLocks noChangeAspect="1" noChangeArrowheads="1"/>
+                      </p:cNvPicPr>
+                      <p:nvPr/>
+                    </p:nvPicPr>
+                    <p:blipFill>
+                      <a:blip r:embed="rId6">
+                        <a:extLst>
+                          <a:ext uri="{28A0092B-C50C-407E-A947-70E740481C1C}">
+                            <a14:useLocalDpi xmlns:a14="http://schemas.microsoft.com/office/drawing/2010/main" val="0"/>
+                          </a:ext>
+                        </a:extLst>
+                      </a:blip>
+                      <a:srcRect/>
+                      <a:stretch>
+                        <a:fillRect/>
+                      </a:stretch>
+                    </p:blipFill>
+                    <p:spPr bwMode="auto">
+                      <a:xfrm>
+                        <a:off x="539751" y="3587066"/>
+                        <a:ext cx="3395790" cy="615265"/>
+                      </a:xfrm>
+                      <a:prstGeom prst="rect">
+                        <a:avLst/>
+                      </a:prstGeom>
+                      <a:noFill/>
+                    </p:spPr>
+                  </p:pic>
+                </p:oleObj>
+              </mc:Fallback>
+            </mc:AlternateContent>
+          </a:graphicData>
+        </a:graphic>
+      </p:graphicFrame>
+      <p:sp>
+        <p:nvSpPr>
+          <p:cNvPr id="37892" name="Rectangle 6"/>
+          <p:cNvSpPr>
+            <a:spLocks noChangeArrowheads="1"/>
+          </p:cNvSpPr>
+          <p:nvPr/>
+        </p:nvSpPr>
+        <p:spPr bwMode="auto">
+          <a:xfrm>
+            <a:off x="0" y="0"/>
+            <a:ext cx="12192000" cy="0"/>
+          </a:xfrm>
+          <a:prstGeom prst="rect">
+            <a:avLst/>
+          </a:prstGeom>
+          <a:noFill/>
+          <a:ln>
+            <a:noFill/>
+          </a:ln>
+          <a:effectLst/>
+          <a:extLst>
+            <a:ext uri="{909E8E84-426E-40DD-AFC4-6F175D3DCCD1}">
+              <a14:hiddenFill xmlns:a14="http://schemas.microsoft.com/office/drawing/2010/main">
+                <a:solidFill>
+                  <a:schemeClr val="accent1"/>
+                </a:solidFill>
+              </a14:hiddenFill>
+            </a:ext>
+            <a:ext uri="{91240B29-F687-4F45-9708-019B960494DF}">
+              <a14:hiddenLine xmlns:a14="http://schemas.microsoft.com/office/drawing/2010/main" w="9525">
+                <a:solidFill>
+                  <a:schemeClr val="tx1"/>
+                </a:solidFill>
+                <a:miter lim="800000"/>
+                <a:headEnd/>
+                <a:tailEnd/>
+              </a14:hiddenLine>
+            </a:ext>
+            <a:ext uri="{AF507438-7753-43E0-B8FC-AC1667EBCBE1}">
+              <a14:hiddenEffects xmlns:a14="http://schemas.microsoft.com/office/drawing/2010/main">
+                <a:effectLst>
+                  <a:outerShdw dist="35921" dir="2700000" algn="ctr" rotWithShape="0">
+                    <a:schemeClr val="bg2"/>
+                  </a:outerShdw>
+                </a:effectLst>
+              </a14:hiddenEffects>
+            </a:ext>
+          </a:extLst>
+        </p:spPr>
+        <p:txBody>
+          <a:bodyPr vert="horz" wrap="none" lIns="91440" tIns="45720" rIns="91440" bIns="45720" numCol="1" anchor="ctr" anchorCtr="0" compatLnSpc="1">
+            <a:prstTxWarp prst="textNoShape">
+              <a:avLst/>
+            </a:prstTxWarp>
+            <a:spAutoFit/>
+          </a:bodyPr>
+          <a:lstStyle/>
+          <a:p>
+            <a:endParaRPr lang="ru-RU"/>
+          </a:p>
+        </p:txBody>
+      </p:sp>
+      <p:graphicFrame>
+        <p:nvGraphicFramePr>
+          <p:cNvPr id="37893" name="Объект 37892"/>
+          <p:cNvGraphicFramePr>
+            <a:graphicFrameLocks noChangeAspect="1"/>
+          </p:cNvGraphicFramePr>
+          <p:nvPr>
+            <p:extLst>
+              <p:ext uri="{D42A27DB-BD31-4B8C-83A1-F6EECF244321}">
+                <p14:modId xmlns:p14="http://schemas.microsoft.com/office/powerpoint/2010/main" val="3209234005"/>
+              </p:ext>
+            </p:extLst>
+          </p:nvPr>
+        </p:nvGraphicFramePr>
+        <p:xfrm>
+          <a:off x="514352" y="4638865"/>
+          <a:ext cx="4089400" cy="611800"/>
+        </p:xfrm>
+        <a:graphic>
+          <a:graphicData uri="http://schemas.openxmlformats.org/presentationml/2006/ole">
+            <mc:AlternateContent xmlns:mc="http://schemas.openxmlformats.org/markup-compatibility/2006">
+              <mc:Choice xmlns:v="urn:schemas-microsoft-com:vml" Requires="v">
+                <p:oleObj spid="_x0000_s17412" name="Формула" r:id="rId7" imgW="3632200" imgH="546100" progId="Equation.3">
+                  <p:embed/>
+                </p:oleObj>
+              </mc:Choice>
+              <mc:Fallback>
+                <p:oleObj name="Формула" r:id="rId7" imgW="3632200" imgH="546100" progId="Equation.3">
+                  <p:embed/>
+                  <p:pic>
+                    <p:nvPicPr>
+                      <p:cNvPr id="0" name=""/>
+                      <p:cNvPicPr>
+                        <a:picLocks noChangeAspect="1" noChangeArrowheads="1"/>
+                      </p:cNvPicPr>
+                      <p:nvPr/>
+                    </p:nvPicPr>
+                    <p:blipFill>
+                      <a:blip r:embed="rId8">
+                        <a:extLst>
+                          <a:ext uri="{28A0092B-C50C-407E-A947-70E740481C1C}">
+                            <a14:useLocalDpi xmlns:a14="http://schemas.microsoft.com/office/drawing/2010/main" val="0"/>
+                          </a:ext>
+                        </a:extLst>
+                      </a:blip>
+                      <a:srcRect/>
+                      <a:stretch>
+                        <a:fillRect/>
+                      </a:stretch>
+                    </p:blipFill>
+                    <p:spPr bwMode="auto">
+                      <a:xfrm>
+                        <a:off x="514352" y="4638865"/>
+                        <a:ext cx="4089400" cy="611800"/>
+                      </a:xfrm>
+                      <a:prstGeom prst="rect">
+                        <a:avLst/>
+                      </a:prstGeom>
+                      <a:noFill/>
+                    </p:spPr>
+                  </p:pic>
+                </p:oleObj>
+              </mc:Fallback>
+            </mc:AlternateContent>
+          </a:graphicData>
+        </a:graphic>
+      </p:graphicFrame>
+      <p:sp>
+        <p:nvSpPr>
+          <p:cNvPr id="37894" name="TextBox 37893"/>
+          <p:cNvSpPr txBox="1"/>
+          <p:nvPr/>
+        </p:nvSpPr>
+        <p:spPr>
+          <a:xfrm>
+            <a:off x="679451" y="1879600"/>
+            <a:ext cx="11036300" cy="646331"/>
+          </a:xfrm>
+          <a:prstGeom prst="rect">
+            <a:avLst/>
+          </a:prstGeom>
+          <a:noFill/>
+        </p:spPr>
+        <p:txBody>
+          <a:bodyPr wrap="square" rtlCol="0">
+            <a:spAutoFit/>
+          </a:bodyPr>
+          <a:lstStyle/>
+          <a:p>
+            <a:r>
+              <a:rPr lang="ru-RU" dirty="0" smtClean="0"/>
+              <a:t>Хотим найти такой признак </a:t>
+            </a:r>
+            <a:r>
+              <a:rPr lang="en-US" dirty="0" smtClean="0"/>
+              <a:t>x</a:t>
+            </a:r>
+            <a:r>
+              <a:rPr lang="en-US" baseline="30000" dirty="0" smtClean="0"/>
+              <a:t>(S)</a:t>
+            </a:r>
+            <a:r>
+              <a:rPr lang="en-US" dirty="0" smtClean="0"/>
+              <a:t>, </a:t>
+            </a:r>
+            <a:r>
+              <a:rPr lang="ru-RU" dirty="0" smtClean="0"/>
+              <a:t>при разбиении по которому один из классов имел наибольшую вероятность появления. Это возможно, если величина прироста информации </a:t>
+            </a:r>
+            <a:r>
+              <a:rPr lang="en-US" i="1" dirty="0" smtClean="0"/>
+              <a:t>Gain</a:t>
+            </a:r>
+            <a:r>
+              <a:rPr lang="ru-RU" i="1" dirty="0" smtClean="0"/>
+              <a:t> </a:t>
+            </a:r>
+            <a:r>
+              <a:rPr lang="ru-RU" dirty="0" smtClean="0"/>
+              <a:t>будет достигать своего максимума.</a:t>
+            </a:r>
+            <a:endParaRPr lang="ru-RU" baseline="30000" dirty="0"/>
+          </a:p>
+        </p:txBody>
+      </p:sp>
+      <p:sp>
+        <p:nvSpPr>
+          <p:cNvPr id="37895" name="TextBox 37894"/>
+          <p:cNvSpPr txBox="1"/>
+          <p:nvPr/>
+        </p:nvSpPr>
+        <p:spPr>
+          <a:xfrm>
+            <a:off x="4114799" y="3556000"/>
+            <a:ext cx="7645401" cy="646331"/>
+          </a:xfrm>
+          <a:prstGeom prst="rect">
+            <a:avLst/>
+          </a:prstGeom>
+          <a:noFill/>
+        </p:spPr>
+        <p:txBody>
+          <a:bodyPr wrap="square" rtlCol="0">
+            <a:spAutoFit/>
+          </a:bodyPr>
+          <a:lstStyle/>
+          <a:p>
+            <a:r>
+              <a:rPr lang="ru-RU" dirty="0" smtClean="0"/>
+              <a:t> - среднее </a:t>
+            </a:r>
+            <a:r>
+              <a:rPr lang="ru-RU" dirty="0"/>
+              <a:t>количество информации (энтропия), необходимое для определения класса примера из обучающей выборки </a:t>
+            </a:r>
+            <a:r>
+              <a:rPr lang="ru-RU" i="1" dirty="0"/>
+              <a:t>Т</a:t>
+            </a:r>
+            <a:endParaRPr lang="ru-RU" dirty="0"/>
+          </a:p>
+        </p:txBody>
+      </p:sp>
+      <p:sp>
+        <p:nvSpPr>
+          <p:cNvPr id="76" name="TextBox 75"/>
+          <p:cNvSpPr txBox="1"/>
+          <p:nvPr/>
+        </p:nvSpPr>
+        <p:spPr>
+          <a:xfrm>
+            <a:off x="4603751" y="4483100"/>
+            <a:ext cx="7156449" cy="923330"/>
+          </a:xfrm>
+          <a:prstGeom prst="rect">
+            <a:avLst/>
+          </a:prstGeom>
+          <a:noFill/>
+        </p:spPr>
+        <p:txBody>
+          <a:bodyPr wrap="square" rtlCol="0">
+            <a:spAutoFit/>
+          </a:bodyPr>
+          <a:lstStyle/>
+          <a:p>
+            <a:r>
+              <a:rPr lang="ru-RU" dirty="0" smtClean="0"/>
+              <a:t> - </a:t>
+            </a:r>
+            <a:r>
+              <a:rPr lang="ru-RU" dirty="0"/>
+              <a:t>среднее количество информации, необходимое для идентификации класса примера в каждом </a:t>
+            </a:r>
+            <a:r>
+              <a:rPr lang="ru-RU" dirty="0" smtClean="0"/>
+              <a:t>подмножестве после разбиения по признаку </a:t>
+            </a:r>
+            <a:r>
+              <a:rPr lang="en-US" dirty="0"/>
+              <a:t>x</a:t>
+            </a:r>
+            <a:r>
+              <a:rPr lang="en-US" baseline="30000" dirty="0"/>
+              <a:t>(S)</a:t>
+            </a:r>
+            <a:endParaRPr lang="ru-RU" dirty="0"/>
+          </a:p>
+        </p:txBody>
+      </p:sp>
     </p:spTree>
     <p:extLst>
       <p:ext uri="{BB962C8B-B14F-4D97-AF65-F5344CB8AC3E}">
-        <p14:creationId xmlns:p14="http://schemas.microsoft.com/office/powerpoint/2010/main" val="684750339"/>
+        <p14:creationId xmlns:p14="http://schemas.microsoft.com/office/powerpoint/2010/main" val="3716652"/>
       </p:ext>
     </p:extLst>
   </p:cSld>
@@ -5341,7 +7694,7 @@
       </p:grpSpPr>
       <p:sp>
         <p:nvSpPr>
-          <p:cNvPr id="2" name="Заголовок 1"/>
+          <p:cNvPr id="5" name="Заголовок 1"/>
           <p:cNvSpPr>
             <a:spLocks noGrp="1"/>
           </p:cNvSpPr>
@@ -5351,8 +7704,8 @@
         </p:nvSpPr>
         <p:spPr>
           <a:xfrm>
-            <a:off x="609600" y="274638"/>
-            <a:ext cx="10972800" cy="506412"/>
+            <a:off x="239483" y="117081"/>
+            <a:ext cx="11713034" cy="694418"/>
           </a:xfrm>
         </p:spPr>
         <p:txBody>
@@ -5370,51 +7723,44 @@
                   </a:schemeClr>
                 </a:solidFill>
               </a:rPr>
-              <a:t>Наивный байесовский метод (НБ)</a:t>
-            </a:r>
-          </a:p>
-        </p:txBody>
-      </p:sp>
-      <p:sp>
-        <p:nvSpPr>
-          <p:cNvPr id="3" name="Объект 2"/>
-          <p:cNvSpPr>
-            <a:spLocks noGrp="1"/>
-          </p:cNvSpPr>
-          <p:nvPr>
-            <p:ph idx="1"/>
-          </p:nvPr>
-        </p:nvSpPr>
-        <p:spPr>
-          <a:xfrm>
-            <a:off x="752475" y="1136651"/>
-            <a:ext cx="2495550" cy="396874"/>
-          </a:xfrm>
-        </p:spPr>
-        <p:txBody>
-          <a:bodyPr>
-            <a:normAutofit/>
-          </a:bodyPr>
-          <a:lstStyle/>
-          <a:p>
-            <a:pPr marL="0" indent="0">
-              <a:buNone/>
-            </a:pPr>
-            <a:r>
-              <a:rPr lang="ru-RU" sz="2000" dirty="0"/>
-              <a:t>теорема </a:t>
-            </a:r>
-            <a:r>
-              <a:rPr lang="ru-RU" sz="2000" dirty="0" smtClean="0"/>
-              <a:t>Байеса: </a:t>
-            </a:r>
-            <a:endParaRPr lang="ru-RU" sz="2000" dirty="0"/>
-          </a:p>
-        </p:txBody>
-      </p:sp>
-      <p:sp>
-        <p:nvSpPr>
-          <p:cNvPr id="4" name="Нижний колонтитул 3"/>
+              <a:t>Метод деревьев решений</a:t>
+            </a:r>
+            <a:r>
+              <a:rPr lang="en-US" sz="3600" i="1" dirty="0">
+                <a:solidFill>
+                  <a:schemeClr val="tx2">
+                    <a:lumMod val="60000"/>
+                    <a:lumOff val="40000"/>
+                  </a:schemeClr>
+                </a:solidFill>
+              </a:rPr>
+              <a:t>. </a:t>
+            </a:r>
+            <a:r>
+              <a:rPr lang="ru-RU" sz="3600" i="1" dirty="0" smtClean="0">
+                <a:solidFill>
+                  <a:schemeClr val="tx2">
+                    <a:lumMod val="60000"/>
+                    <a:lumOff val="40000"/>
+                  </a:schemeClr>
+                </a:solidFill>
+              </a:rPr>
+              <a:t>Меры неоднородности</a:t>
+            </a:r>
+            <a:endParaRPr lang="ru-RU" sz="3600" i="1" dirty="0">
+              <a:solidFill>
+                <a:schemeClr val="tx2">
+                  <a:lumMod val="60000"/>
+                  <a:lumOff val="40000"/>
+                </a:schemeClr>
+              </a:solidFill>
+            </a:endParaRPr>
+          </a:p>
+        </p:txBody>
+      </p:sp>
+      <p:sp>
+        <p:nvSpPr>
+          <p:cNvPr id="7" name="Нижний колонтитул 6"/>
           <p:cNvSpPr>
             <a:spLocks noGrp="1"/>
           </p:cNvSpPr>
@@ -5428,16 +7774,28 @@
           <a:lstStyle/>
           <a:p>
             <a:r>
-              <a:rPr lang="ru-RU" smtClean="0"/>
-              <a:t>НИУ "МЭИ", Каф. УиИ, 2017</a:t>
-            </a:r>
-            <a:endParaRPr lang="ru-RU"/>
-          </a:p>
-        </p:txBody>
-      </p:sp>
-      <p:sp>
-        <p:nvSpPr>
-          <p:cNvPr id="5" name="Номер слайда 4"/>
+              <a:rPr lang="ru-RU" dirty="0" smtClean="0"/>
+              <a:t>НИУ "МЭИ", Каф. </a:t>
+            </a:r>
+            <a:r>
+              <a:rPr lang="ru-RU" dirty="0" err="1" smtClean="0"/>
+              <a:t>УиИ</a:t>
+            </a:r>
+            <a:r>
+              <a:rPr lang="ru-RU" dirty="0" smtClean="0"/>
+              <a:t>, </a:t>
+            </a:r>
+            <a:r>
+              <a:rPr lang="ru-RU" dirty="0" smtClean="0"/>
+              <a:t>2018</a:t>
+            </a:r>
+            <a:endParaRPr lang="ru-RU" dirty="0"/>
+          </a:p>
+        </p:txBody>
+      </p:sp>
+      <p:sp>
+        <p:nvSpPr>
+          <p:cNvPr id="6" name="Номер слайда 5"/>
           <p:cNvSpPr>
             <a:spLocks noGrp="1"/>
           </p:cNvSpPr>
@@ -5460,7 +7818,7 @@
       </p:sp>
       <p:sp>
         <p:nvSpPr>
-          <p:cNvPr id="6" name="Rectangle 2"/>
+          <p:cNvPr id="3" name="Rectangle 2"/>
           <p:cNvSpPr>
             <a:spLocks noChangeArrowheads="1"/>
           </p:cNvSpPr>
@@ -5468,7 +7826,7 @@
         </p:nvSpPr>
         <p:spPr bwMode="auto">
           <a:xfrm>
-            <a:off x="0" y="41275"/>
+            <a:off x="0" y="0"/>
             <a:ext cx="12192000" cy="0"/>
           </a:xfrm>
           <a:prstGeom prst="rect">
@@ -5521,325 +7879,18 @@
           </a:p>
         </p:txBody>
       </p:sp>
-      <p:graphicFrame>
-        <p:nvGraphicFramePr>
-          <p:cNvPr id="7" name="Объект 6"/>
-          <p:cNvGraphicFramePr>
-            <a:graphicFrameLocks noChangeAspect="1"/>
-          </p:cNvGraphicFramePr>
-          <p:nvPr>
-            <p:extLst>
-              <p:ext uri="{D42A27DB-BD31-4B8C-83A1-F6EECF244321}">
-                <p14:modId xmlns:p14="http://schemas.microsoft.com/office/powerpoint/2010/main" val="585935599"/>
-              </p:ext>
-            </p:extLst>
-          </p:nvPr>
-        </p:nvGraphicFramePr>
-        <p:xfrm>
-          <a:off x="3593843" y="987058"/>
-          <a:ext cx="2730757" cy="696912"/>
-        </p:xfrm>
-        <a:graphic>
-          <a:graphicData uri="http://schemas.openxmlformats.org/presentationml/2006/ole">
-            <mc:AlternateContent xmlns:mc="http://schemas.openxmlformats.org/markup-compatibility/2006">
-              <mc:Choice xmlns:v="urn:schemas-microsoft-com:vml" Requires="v">
-                <p:oleObj spid="_x0000_s14369" name="Уравнение" r:id="rId3" imgW="1828800" imgH="469900" progId="Equation.3">
-                  <p:embed/>
-                </p:oleObj>
-              </mc:Choice>
-              <mc:Fallback>
-                <p:oleObj name="Уравнение" r:id="rId3" imgW="1828800" imgH="469900" progId="Equation.3">
-                  <p:embed/>
-                  <p:pic>
-                    <p:nvPicPr>
-                      <p:cNvPr id="0" name="Object 1"/>
-                      <p:cNvPicPr>
-                        <a:picLocks noChangeAspect="1" noChangeArrowheads="1"/>
-                      </p:cNvPicPr>
-                      <p:nvPr/>
-                    </p:nvPicPr>
-                    <p:blipFill>
-                      <a:blip r:embed="rId4">
-                        <a:extLst>
-                          <a:ext uri="{28A0092B-C50C-407E-A947-70E740481C1C}">
-                            <a14:useLocalDpi xmlns:a14="http://schemas.microsoft.com/office/drawing/2010/main" val="0"/>
-                          </a:ext>
-                        </a:extLst>
-                      </a:blip>
-                      <a:srcRect/>
-                      <a:stretch>
-                        <a:fillRect/>
-                      </a:stretch>
-                    </p:blipFill>
-                    <p:spPr bwMode="auto">
-                      <a:xfrm>
-                        <a:off x="3593843" y="987058"/>
-                        <a:ext cx="2730757" cy="696912"/>
-                      </a:xfrm>
-                      <a:prstGeom prst="rect">
-                        <a:avLst/>
-                      </a:prstGeom>
-                      <a:noFill/>
-                    </p:spPr>
-                  </p:pic>
-                </p:oleObj>
-              </mc:Fallback>
-            </mc:AlternateContent>
-          </a:graphicData>
-        </a:graphic>
-      </p:graphicFrame>
-      <p:sp>
-        <p:nvSpPr>
-          <p:cNvPr id="8" name="Прямоугольник 7"/>
-          <p:cNvSpPr/>
+      <p:sp>
+        <p:nvSpPr>
+          <p:cNvPr id="8" name="Rectangle 4"/>
+          <p:cNvSpPr>
+            <a:spLocks noChangeArrowheads="1"/>
+          </p:cNvSpPr>
           <p:nvPr/>
         </p:nvSpPr>
-        <p:spPr>
+        <p:spPr bwMode="auto">
           <a:xfrm>
-            <a:off x="752474" y="1801883"/>
-            <a:ext cx="10829925" cy="707886"/>
-          </a:xfrm>
-          <a:prstGeom prst="rect">
-            <a:avLst/>
-          </a:prstGeom>
-        </p:spPr>
-        <p:txBody>
-          <a:bodyPr wrap="square">
-            <a:spAutoFit/>
-          </a:bodyPr>
-          <a:lstStyle/>
-          <a:p>
-            <a:r>
-              <a:rPr lang="ru-RU" sz="2000" dirty="0"/>
-              <a:t>позволяет определить вероятность какого-либо события при условии, что произошло другое статистически взаимозависимое с ним событие.</a:t>
-            </a:r>
-          </a:p>
-        </p:txBody>
-      </p:sp>
-      <p:graphicFrame>
-        <p:nvGraphicFramePr>
-          <p:cNvPr id="13" name="Объект 12"/>
-          <p:cNvGraphicFramePr>
-            <a:graphicFrameLocks noChangeAspect="1"/>
-          </p:cNvGraphicFramePr>
-          <p:nvPr>
-            <p:extLst>
-              <p:ext uri="{D42A27DB-BD31-4B8C-83A1-F6EECF244321}">
-                <p14:modId xmlns:p14="http://schemas.microsoft.com/office/powerpoint/2010/main" val="3116316326"/>
-              </p:ext>
-            </p:extLst>
-          </p:nvPr>
-        </p:nvGraphicFramePr>
-        <p:xfrm>
-          <a:off x="781050" y="2761497"/>
-          <a:ext cx="560858" cy="334128"/>
-        </p:xfrm>
-        <a:graphic>
-          <a:graphicData uri="http://schemas.openxmlformats.org/presentationml/2006/ole">
-            <mc:AlternateContent xmlns:mc="http://schemas.openxmlformats.org/markup-compatibility/2006">
-              <mc:Choice xmlns:v="urn:schemas-microsoft-com:vml" Requires="v">
-                <p:oleObj spid="_x0000_s14370" name="Уравнение" r:id="rId5" imgW="444114" imgH="266469" progId="Equation.3">
-                  <p:embed/>
-                </p:oleObj>
-              </mc:Choice>
-              <mc:Fallback>
-                <p:oleObj name="Уравнение" r:id="rId5" imgW="444114" imgH="266469" progId="Equation.3">
-                  <p:embed/>
-                  <p:pic>
-                    <p:nvPicPr>
-                      <p:cNvPr id="0" name="Object 7"/>
-                      <p:cNvPicPr>
-                        <a:picLocks noChangeAspect="1" noChangeArrowheads="1"/>
-                      </p:cNvPicPr>
-                      <p:nvPr/>
-                    </p:nvPicPr>
-                    <p:blipFill>
-                      <a:blip r:embed="rId6">
-                        <a:extLst>
-                          <a:ext uri="{28A0092B-C50C-407E-A947-70E740481C1C}">
-                            <a14:useLocalDpi xmlns:a14="http://schemas.microsoft.com/office/drawing/2010/main" val="0"/>
-                          </a:ext>
-                        </a:extLst>
-                      </a:blip>
-                      <a:srcRect/>
-                      <a:stretch>
-                        <a:fillRect/>
-                      </a:stretch>
-                    </p:blipFill>
-                    <p:spPr bwMode="auto">
-                      <a:xfrm>
-                        <a:off x="781050" y="2761497"/>
-                        <a:ext cx="560858" cy="334128"/>
-                      </a:xfrm>
-                      <a:prstGeom prst="rect">
-                        <a:avLst/>
-                      </a:prstGeom>
-                      <a:noFill/>
-                    </p:spPr>
-                  </p:pic>
-                </p:oleObj>
-              </mc:Fallback>
-            </mc:AlternateContent>
-          </a:graphicData>
-        </a:graphic>
-      </p:graphicFrame>
-      <p:sp>
-        <p:nvSpPr>
-          <p:cNvPr id="15" name="Прямоугольник 14"/>
-          <p:cNvSpPr/>
-          <p:nvPr/>
-        </p:nvSpPr>
-        <p:spPr>
-          <a:xfrm>
-            <a:off x="470233" y="2714344"/>
-            <a:ext cx="10326217" cy="707886"/>
-          </a:xfrm>
-          <a:prstGeom prst="rect">
-            <a:avLst/>
-          </a:prstGeom>
-        </p:spPr>
-        <p:txBody>
-          <a:bodyPr wrap="square">
-            <a:spAutoFit/>
-          </a:bodyPr>
-          <a:lstStyle/>
-          <a:p>
-            <a:pPr marL="342900" indent="-342900">
-              <a:buFont typeface="Arial" panose="020B0604020202020204" pitchFamily="34" charset="0"/>
-              <a:buChar char="•"/>
-            </a:pPr>
-            <a:r>
-              <a:rPr lang="ru-RU" sz="2000" dirty="0" smtClean="0"/>
-              <a:t>         - одинакова </a:t>
-            </a:r>
-            <a:r>
-              <a:rPr lang="ru-RU" sz="2000" dirty="0"/>
-              <a:t>для различных классов и может быть исключена из дальнейшего </a:t>
-            </a:r>
-            <a:r>
-              <a:rPr lang="ru-RU" sz="2000" dirty="0" smtClean="0"/>
-              <a:t>рассмотрения  </a:t>
-            </a:r>
-            <a:endParaRPr lang="ru-RU" sz="2000" dirty="0"/>
-          </a:p>
-        </p:txBody>
-      </p:sp>
-      <p:sp>
-        <p:nvSpPr>
-          <p:cNvPr id="16" name="TextBox 15"/>
-          <p:cNvSpPr txBox="1"/>
-          <p:nvPr/>
-        </p:nvSpPr>
-        <p:spPr>
-          <a:xfrm>
-            <a:off x="470233" y="3411190"/>
-            <a:ext cx="11315700" cy="707886"/>
-          </a:xfrm>
-          <a:prstGeom prst="rect">
-            <a:avLst/>
-          </a:prstGeom>
-          <a:noFill/>
-        </p:spPr>
-        <p:txBody>
-          <a:bodyPr wrap="square" rtlCol="0">
-            <a:spAutoFit/>
-          </a:bodyPr>
-          <a:lstStyle/>
-          <a:p>
-            <a:pPr marL="342900" indent="-342900">
-              <a:buFont typeface="Arial" panose="020B0604020202020204" pitchFamily="34" charset="0"/>
-              <a:buChar char="•"/>
-            </a:pPr>
-            <a:r>
-              <a:rPr lang="ru-RU" sz="2000" u="sng" dirty="0"/>
-              <a:t>Допущение</a:t>
-            </a:r>
-            <a:r>
-              <a:rPr lang="ru-RU" sz="2000" dirty="0"/>
-              <a:t>: поскольку мы используем модель «мешок слов», условная вероятность документа аппроксимируется произведением условных вероятностей всех слов входящих в документ</a:t>
-            </a:r>
-          </a:p>
-        </p:txBody>
-      </p:sp>
-      <p:graphicFrame>
-        <p:nvGraphicFramePr>
-          <p:cNvPr id="18" name="Объект 17"/>
-          <p:cNvGraphicFramePr>
-            <a:graphicFrameLocks noChangeAspect="1"/>
-          </p:cNvGraphicFramePr>
-          <p:nvPr>
-            <p:extLst>
-              <p:ext uri="{D42A27DB-BD31-4B8C-83A1-F6EECF244321}">
-                <p14:modId xmlns:p14="http://schemas.microsoft.com/office/powerpoint/2010/main" val="2715131744"/>
-              </p:ext>
-            </p:extLst>
-          </p:nvPr>
-        </p:nvGraphicFramePr>
-        <p:xfrm>
-          <a:off x="4506783" y="4129666"/>
-          <a:ext cx="2253118" cy="585556"/>
-        </p:xfrm>
-        <a:graphic>
-          <a:graphicData uri="http://schemas.openxmlformats.org/presentationml/2006/ole">
-            <mc:AlternateContent xmlns:mc="http://schemas.openxmlformats.org/markup-compatibility/2006">
-              <mc:Choice xmlns:v="urn:schemas-microsoft-com:vml" Requires="v">
-                <p:oleObj spid="_x0000_s14371" name="Уравнение" r:id="rId7" imgW="1688367" imgH="431613" progId="Equation.3">
-                  <p:embed/>
-                </p:oleObj>
-              </mc:Choice>
-              <mc:Fallback>
-                <p:oleObj name="Уравнение" r:id="rId7" imgW="1688367" imgH="431613" progId="Equation.3">
-                  <p:embed/>
-                  <p:pic>
-                    <p:nvPicPr>
-                      <p:cNvPr id="0" name="Object 9"/>
-                      <p:cNvPicPr>
-                        <a:picLocks noChangeAspect="1" noChangeArrowheads="1"/>
-                      </p:cNvPicPr>
-                      <p:nvPr/>
-                    </p:nvPicPr>
-                    <p:blipFill>
-                      <a:blip r:embed="rId8">
-                        <a:extLst>
-                          <a:ext uri="{28A0092B-C50C-407E-A947-70E740481C1C}">
-                            <a14:useLocalDpi xmlns:a14="http://schemas.microsoft.com/office/drawing/2010/main" val="0"/>
-                          </a:ext>
-                        </a:extLst>
-                      </a:blip>
-                      <a:srcRect/>
-                      <a:stretch>
-                        <a:fillRect/>
-                      </a:stretch>
-                    </p:blipFill>
-                    <p:spPr bwMode="auto">
-                      <a:xfrm>
-                        <a:off x="4506783" y="4129666"/>
-                        <a:ext cx="2253118" cy="585556"/>
-                      </a:xfrm>
-                      <a:prstGeom prst="rect">
-                        <a:avLst/>
-                      </a:prstGeom>
-                      <a:noFill/>
-                    </p:spPr>
-                  </p:pic>
-                </p:oleObj>
-              </mc:Fallback>
-            </mc:AlternateContent>
-          </a:graphicData>
-        </a:graphic>
-      </p:graphicFrame>
-      <p:sp>
-        <p:nvSpPr>
-          <p:cNvPr id="19" name="Rectangle 12"/>
-          <p:cNvSpPr>
-            <a:spLocks noChangeArrowheads="1"/>
-          </p:cNvSpPr>
-          <p:nvPr/>
-        </p:nvSpPr>
-        <p:spPr bwMode="auto">
-          <a:xfrm flipV="1">
-            <a:off x="4392483" y="5603658"/>
-            <a:ext cx="14160402" cy="45719"/>
+            <a:off x="0" y="0"/>
+            <a:ext cx="12192000" cy="0"/>
           </a:xfrm>
           <a:prstGeom prst="rect">
             <a:avLst/>
@@ -5879,7 +7930,7 @@
           </a:extLst>
         </p:spPr>
         <p:txBody>
-          <a:bodyPr vert="horz" wrap="square" lIns="91440" tIns="45720" rIns="91440" bIns="45720" numCol="1" anchor="ctr" anchorCtr="0" compatLnSpc="1">
+          <a:bodyPr vert="horz" wrap="none" lIns="91440" tIns="45720" rIns="91440" bIns="45720" numCol="1" anchor="ctr" anchorCtr="0" compatLnSpc="1">
             <a:prstTxWarp prst="textNoShape">
               <a:avLst/>
             </a:prstTxWarp>
@@ -5891,51 +7942,423 @@
           </a:p>
         </p:txBody>
       </p:sp>
+      <p:sp>
+        <p:nvSpPr>
+          <p:cNvPr id="11" name="Rectangle 7"/>
+          <p:cNvSpPr>
+            <a:spLocks noChangeArrowheads="1"/>
+          </p:cNvSpPr>
+          <p:nvPr/>
+        </p:nvSpPr>
+        <p:spPr bwMode="auto">
+          <a:xfrm>
+            <a:off x="0" y="0"/>
+            <a:ext cx="12192000" cy="0"/>
+          </a:xfrm>
+          <a:prstGeom prst="rect">
+            <a:avLst/>
+          </a:prstGeom>
+          <a:noFill/>
+          <a:ln>
+            <a:noFill/>
+          </a:ln>
+          <a:effectLst/>
+          <a:extLst>
+            <a:ext uri="{909E8E84-426E-40DD-AFC4-6F175D3DCCD1}">
+              <a14:hiddenFill xmlns:a14="http://schemas.microsoft.com/office/drawing/2010/main">
+                <a:solidFill>
+                  <a:schemeClr val="accent1"/>
+                </a:solidFill>
+              </a14:hiddenFill>
+            </a:ext>
+            <a:ext uri="{91240B29-F687-4F45-9708-019B960494DF}">
+              <a14:hiddenLine xmlns:a14="http://schemas.microsoft.com/office/drawing/2010/main" w="9525">
+                <a:solidFill>
+                  <a:schemeClr val="tx1"/>
+                </a:solidFill>
+                <a:miter lim="800000"/>
+                <a:headEnd/>
+                <a:tailEnd/>
+              </a14:hiddenLine>
+            </a:ext>
+            <a:ext uri="{AF507438-7753-43E0-B8FC-AC1667EBCBE1}">
+              <a14:hiddenEffects xmlns:a14="http://schemas.microsoft.com/office/drawing/2010/main">
+                <a:effectLst>
+                  <a:outerShdw dist="35921" dir="2700000" algn="ctr" rotWithShape="0">
+                    <a:schemeClr val="bg2"/>
+                  </a:outerShdw>
+                </a:effectLst>
+              </a14:hiddenEffects>
+            </a:ext>
+          </a:extLst>
+        </p:spPr>
+        <p:txBody>
+          <a:bodyPr vert="horz" wrap="none" lIns="91440" tIns="45720" rIns="91440" bIns="45720" numCol="1" anchor="ctr" anchorCtr="0" compatLnSpc="1">
+            <a:prstTxWarp prst="textNoShape">
+              <a:avLst/>
+            </a:prstTxWarp>
+            <a:spAutoFit/>
+          </a:bodyPr>
+          <a:lstStyle/>
+          <a:p>
+            <a:endParaRPr lang="ru-RU"/>
+          </a:p>
+        </p:txBody>
+      </p:sp>
+      <p:sp>
+        <p:nvSpPr>
+          <p:cNvPr id="13" name="Rectangle 9"/>
+          <p:cNvSpPr>
+            <a:spLocks noChangeArrowheads="1"/>
+          </p:cNvSpPr>
+          <p:nvPr/>
+        </p:nvSpPr>
+        <p:spPr bwMode="auto">
+          <a:xfrm>
+            <a:off x="0" y="0"/>
+            <a:ext cx="12192000" cy="0"/>
+          </a:xfrm>
+          <a:prstGeom prst="rect">
+            <a:avLst/>
+          </a:prstGeom>
+          <a:noFill/>
+          <a:ln>
+            <a:noFill/>
+          </a:ln>
+          <a:effectLst/>
+          <a:extLst>
+            <a:ext uri="{909E8E84-426E-40DD-AFC4-6F175D3DCCD1}">
+              <a14:hiddenFill xmlns:a14="http://schemas.microsoft.com/office/drawing/2010/main">
+                <a:solidFill>
+                  <a:schemeClr val="accent1"/>
+                </a:solidFill>
+              </a14:hiddenFill>
+            </a:ext>
+            <a:ext uri="{91240B29-F687-4F45-9708-019B960494DF}">
+              <a14:hiddenLine xmlns:a14="http://schemas.microsoft.com/office/drawing/2010/main" w="9525">
+                <a:solidFill>
+                  <a:schemeClr val="tx1"/>
+                </a:solidFill>
+                <a:miter lim="800000"/>
+                <a:headEnd/>
+                <a:tailEnd/>
+              </a14:hiddenLine>
+            </a:ext>
+            <a:ext uri="{AF507438-7753-43E0-B8FC-AC1667EBCBE1}">
+              <a14:hiddenEffects xmlns:a14="http://schemas.microsoft.com/office/drawing/2010/main">
+                <a:effectLst>
+                  <a:outerShdw dist="35921" dir="2700000" algn="ctr" rotWithShape="0">
+                    <a:schemeClr val="bg2"/>
+                  </a:outerShdw>
+                </a:effectLst>
+              </a14:hiddenEffects>
+            </a:ext>
+          </a:extLst>
+        </p:spPr>
+        <p:txBody>
+          <a:bodyPr vert="horz" wrap="none" lIns="91440" tIns="45720" rIns="91440" bIns="45720" numCol="1" anchor="ctr" anchorCtr="0" compatLnSpc="1">
+            <a:prstTxWarp prst="textNoShape">
+              <a:avLst/>
+            </a:prstTxWarp>
+            <a:spAutoFit/>
+          </a:bodyPr>
+          <a:lstStyle/>
+          <a:p>
+            <a:endParaRPr lang="ru-RU"/>
+          </a:p>
+        </p:txBody>
+      </p:sp>
+      <p:sp>
+        <p:nvSpPr>
+          <p:cNvPr id="37888" name="Rectangle 2"/>
+          <p:cNvSpPr>
+            <a:spLocks noChangeArrowheads="1"/>
+          </p:cNvSpPr>
+          <p:nvPr/>
+        </p:nvSpPr>
+        <p:spPr bwMode="auto">
+          <a:xfrm>
+            <a:off x="0" y="0"/>
+            <a:ext cx="12192000" cy="0"/>
+          </a:xfrm>
+          <a:prstGeom prst="rect">
+            <a:avLst/>
+          </a:prstGeom>
+          <a:noFill/>
+          <a:ln>
+            <a:noFill/>
+          </a:ln>
+          <a:effectLst/>
+          <a:extLst>
+            <a:ext uri="{909E8E84-426E-40DD-AFC4-6F175D3DCCD1}">
+              <a14:hiddenFill xmlns:a14="http://schemas.microsoft.com/office/drawing/2010/main">
+                <a:solidFill>
+                  <a:schemeClr val="accent1"/>
+                </a:solidFill>
+              </a14:hiddenFill>
+            </a:ext>
+            <a:ext uri="{91240B29-F687-4F45-9708-019B960494DF}">
+              <a14:hiddenLine xmlns:a14="http://schemas.microsoft.com/office/drawing/2010/main" w="9525">
+                <a:solidFill>
+                  <a:schemeClr val="tx1"/>
+                </a:solidFill>
+                <a:miter lim="800000"/>
+                <a:headEnd/>
+                <a:tailEnd/>
+              </a14:hiddenLine>
+            </a:ext>
+            <a:ext uri="{AF507438-7753-43E0-B8FC-AC1667EBCBE1}">
+              <a14:hiddenEffects xmlns:a14="http://schemas.microsoft.com/office/drawing/2010/main">
+                <a:effectLst>
+                  <a:outerShdw dist="35921" dir="2700000" algn="ctr" rotWithShape="0">
+                    <a:schemeClr val="bg2"/>
+                  </a:outerShdw>
+                </a:effectLst>
+              </a14:hiddenEffects>
+            </a:ext>
+          </a:extLst>
+        </p:spPr>
+        <p:txBody>
+          <a:bodyPr vert="horz" wrap="none" lIns="91440" tIns="45720" rIns="91440" bIns="45720" numCol="1" anchor="ctr" anchorCtr="0" compatLnSpc="1">
+            <a:prstTxWarp prst="textNoShape">
+              <a:avLst/>
+            </a:prstTxWarp>
+            <a:spAutoFit/>
+          </a:bodyPr>
+          <a:lstStyle/>
+          <a:p>
+            <a:endParaRPr lang="ru-RU"/>
+          </a:p>
+        </p:txBody>
+      </p:sp>
+      <p:sp>
+        <p:nvSpPr>
+          <p:cNvPr id="37890" name="Rectangle 4"/>
+          <p:cNvSpPr>
+            <a:spLocks noChangeArrowheads="1"/>
+          </p:cNvSpPr>
+          <p:nvPr/>
+        </p:nvSpPr>
+        <p:spPr bwMode="auto">
+          <a:xfrm>
+            <a:off x="0" y="0"/>
+            <a:ext cx="12192000" cy="0"/>
+          </a:xfrm>
+          <a:prstGeom prst="rect">
+            <a:avLst/>
+          </a:prstGeom>
+          <a:noFill/>
+          <a:ln>
+            <a:noFill/>
+          </a:ln>
+          <a:effectLst/>
+          <a:extLst>
+            <a:ext uri="{909E8E84-426E-40DD-AFC4-6F175D3DCCD1}">
+              <a14:hiddenFill xmlns:a14="http://schemas.microsoft.com/office/drawing/2010/main">
+                <a:solidFill>
+                  <a:schemeClr val="accent1"/>
+                </a:solidFill>
+              </a14:hiddenFill>
+            </a:ext>
+            <a:ext uri="{91240B29-F687-4F45-9708-019B960494DF}">
+              <a14:hiddenLine xmlns:a14="http://schemas.microsoft.com/office/drawing/2010/main" w="9525">
+                <a:solidFill>
+                  <a:schemeClr val="tx1"/>
+                </a:solidFill>
+                <a:miter lim="800000"/>
+                <a:headEnd/>
+                <a:tailEnd/>
+              </a14:hiddenLine>
+            </a:ext>
+            <a:ext uri="{AF507438-7753-43E0-B8FC-AC1667EBCBE1}">
+              <a14:hiddenEffects xmlns:a14="http://schemas.microsoft.com/office/drawing/2010/main">
+                <a:effectLst>
+                  <a:outerShdw dist="35921" dir="2700000" algn="ctr" rotWithShape="0">
+                    <a:schemeClr val="bg2"/>
+                  </a:outerShdw>
+                </a:effectLst>
+              </a14:hiddenEffects>
+            </a:ext>
+          </a:extLst>
+        </p:spPr>
+        <p:txBody>
+          <a:bodyPr vert="horz" wrap="none" lIns="91440" tIns="45720" rIns="91440" bIns="45720" numCol="1" anchor="ctr" anchorCtr="0" compatLnSpc="1">
+            <a:prstTxWarp prst="textNoShape">
+              <a:avLst/>
+            </a:prstTxWarp>
+            <a:spAutoFit/>
+          </a:bodyPr>
+          <a:lstStyle/>
+          <a:p>
+            <a:endParaRPr lang="ru-RU"/>
+          </a:p>
+        </p:txBody>
+      </p:sp>
+      <p:sp>
+        <p:nvSpPr>
+          <p:cNvPr id="37892" name="Rectangle 6"/>
+          <p:cNvSpPr>
+            <a:spLocks noChangeArrowheads="1"/>
+          </p:cNvSpPr>
+          <p:nvPr/>
+        </p:nvSpPr>
+        <p:spPr bwMode="auto">
+          <a:xfrm>
+            <a:off x="0" y="0"/>
+            <a:ext cx="12192000" cy="0"/>
+          </a:xfrm>
+          <a:prstGeom prst="rect">
+            <a:avLst/>
+          </a:prstGeom>
+          <a:noFill/>
+          <a:ln>
+            <a:noFill/>
+          </a:ln>
+          <a:effectLst/>
+          <a:extLst>
+            <a:ext uri="{909E8E84-426E-40DD-AFC4-6F175D3DCCD1}">
+              <a14:hiddenFill xmlns:a14="http://schemas.microsoft.com/office/drawing/2010/main">
+                <a:solidFill>
+                  <a:schemeClr val="accent1"/>
+                </a:solidFill>
+              </a14:hiddenFill>
+            </a:ext>
+            <a:ext uri="{91240B29-F687-4F45-9708-019B960494DF}">
+              <a14:hiddenLine xmlns:a14="http://schemas.microsoft.com/office/drawing/2010/main" w="9525">
+                <a:solidFill>
+                  <a:schemeClr val="tx1"/>
+                </a:solidFill>
+                <a:miter lim="800000"/>
+                <a:headEnd/>
+                <a:tailEnd/>
+              </a14:hiddenLine>
+            </a:ext>
+            <a:ext uri="{AF507438-7753-43E0-B8FC-AC1667EBCBE1}">
+              <a14:hiddenEffects xmlns:a14="http://schemas.microsoft.com/office/drawing/2010/main">
+                <a:effectLst>
+                  <a:outerShdw dist="35921" dir="2700000" algn="ctr" rotWithShape="0">
+                    <a:schemeClr val="bg2"/>
+                  </a:outerShdw>
+                </a:effectLst>
+              </a14:hiddenEffects>
+            </a:ext>
+          </a:extLst>
+        </p:spPr>
+        <p:txBody>
+          <a:bodyPr vert="horz" wrap="none" lIns="91440" tIns="45720" rIns="91440" bIns="45720" numCol="1" anchor="ctr" anchorCtr="0" compatLnSpc="1">
+            <a:prstTxWarp prst="textNoShape">
+              <a:avLst/>
+            </a:prstTxWarp>
+            <a:spAutoFit/>
+          </a:bodyPr>
+          <a:lstStyle/>
+          <a:p>
+            <a:endParaRPr lang="ru-RU"/>
+          </a:p>
+        </p:txBody>
+      </p:sp>
+      <p:sp>
+        <p:nvSpPr>
+          <p:cNvPr id="19" name="TextBox 18"/>
+          <p:cNvSpPr txBox="1"/>
+          <p:nvPr/>
+        </p:nvSpPr>
+        <p:spPr>
+          <a:xfrm>
+            <a:off x="533400" y="901700"/>
+            <a:ext cx="11125200" cy="923330"/>
+          </a:xfrm>
+          <a:prstGeom prst="rect">
+            <a:avLst/>
+          </a:prstGeom>
+          <a:noFill/>
+        </p:spPr>
+        <p:txBody>
+          <a:bodyPr wrap="square" rtlCol="0">
+            <a:spAutoFit/>
+          </a:bodyPr>
+          <a:lstStyle/>
+          <a:p>
+            <a:pPr algn="just"/>
+            <a:r>
+              <a:rPr lang="ru-RU" dirty="0" smtClean="0"/>
+              <a:t>Еще один подход к выявлению признака, по которому стоит проводить разбиение – использовать меры неоднородности ф. Здесь вектор</a:t>
+            </a:r>
+            <a:r>
+              <a:rPr lang="ru-RU" dirty="0"/>
+              <a:t> </a:t>
+            </a:r>
+            <a:r>
+              <a:rPr lang="ru-RU" b="1" dirty="0"/>
+              <a:t>p</a:t>
+            </a:r>
+            <a:r>
+              <a:rPr lang="ru-RU" dirty="0"/>
+              <a:t> состоит из </a:t>
+            </a:r>
+            <a:r>
+              <a:rPr lang="ru-RU" b="1" dirty="0"/>
+              <a:t>m</a:t>
+            </a:r>
+            <a:r>
+              <a:rPr lang="ru-RU" dirty="0"/>
+              <a:t> вероятностей меток встречающихся в некотором </a:t>
+            </a:r>
+            <a:r>
+              <a:rPr lang="ru-RU" dirty="0" smtClean="0"/>
+              <a:t>подмножестве</a:t>
+            </a:r>
+            <a:r>
+              <a:rPr lang="ru-RU" dirty="0"/>
+              <a:t> обучающего </a:t>
+            </a:r>
+            <a:r>
+              <a:rPr lang="ru-RU" dirty="0" smtClean="0"/>
+              <a:t>множества</a:t>
+            </a:r>
+            <a:endParaRPr lang="ru-RU" dirty="0"/>
+          </a:p>
+        </p:txBody>
+      </p:sp>
       <p:graphicFrame>
         <p:nvGraphicFramePr>
-          <p:cNvPr id="20" name="Объект 19"/>
+          <p:cNvPr id="4" name="Объект 3"/>
           <p:cNvGraphicFramePr>
             <a:graphicFrameLocks noChangeAspect="1"/>
           </p:cNvGraphicFramePr>
           <p:nvPr>
             <p:extLst>
               <p:ext uri="{D42A27DB-BD31-4B8C-83A1-F6EECF244321}">
-                <p14:modId xmlns:p14="http://schemas.microsoft.com/office/powerpoint/2010/main" val="324662501"/>
+                <p14:modId xmlns:p14="http://schemas.microsoft.com/office/powerpoint/2010/main" val="1519432397"/>
               </p:ext>
             </p:extLst>
           </p:nvPr>
         </p:nvGraphicFramePr>
         <p:xfrm>
-          <a:off x="4233896" y="5229209"/>
-          <a:ext cx="2798892" cy="608455"/>
+          <a:off x="2408238" y="2260600"/>
+          <a:ext cx="1912524" cy="355600"/>
         </p:xfrm>
         <a:graphic>
           <a:graphicData uri="http://schemas.openxmlformats.org/presentationml/2006/ole">
             <mc:AlternateContent xmlns:mc="http://schemas.openxmlformats.org/markup-compatibility/2006">
               <mc:Choice xmlns:v="urn:schemas-microsoft-com:vml" Requires="v">
-                <p:oleObj spid="_x0000_s14372" name="Уравнение" r:id="rId9" imgW="2413000" imgH="520700" progId="Equation.3">
+                <p:oleObj spid="_x0000_s18434" name="Формула" r:id="rId3" imgW="1130040" imgH="203040" progId="Equation.3">
                   <p:embed/>
                 </p:oleObj>
               </mc:Choice>
               <mc:Fallback>
-                <p:oleObj name="Уравнение" r:id="rId9" imgW="2413000" imgH="520700" progId="Equation.3">
+                <p:oleObj name="Формула" r:id="rId3" imgW="1130040" imgH="203040" progId="Equation.3">
                   <p:embed/>
                   <p:pic>
                     <p:nvPicPr>
-                      <p:cNvPr id="0" name="Object 11"/>
+                      <p:cNvPr id="0" name=""/>
                       <p:cNvPicPr>
                         <a:picLocks noChangeAspect="1" noChangeArrowheads="1"/>
                       </p:cNvPicPr>
                       <p:nvPr/>
                     </p:nvPicPr>
                     <p:blipFill>
-                      <a:blip r:embed="rId10">
-                        <a:extLst>
-                          <a:ext uri="{28A0092B-C50C-407E-A947-70E740481C1C}">
-                            <a14:useLocalDpi xmlns:a14="http://schemas.microsoft.com/office/drawing/2010/main" val="0"/>
-                          </a:ext>
-                        </a:extLst>
-                      </a:blip>
+                      <a:blip r:embed="rId4"/>
                       <a:srcRect/>
                       <a:stretch>
                         <a:fillRect/>
@@ -5943,13 +8366,16 @@
                     </p:blipFill>
                     <p:spPr bwMode="auto">
                       <a:xfrm>
-                        <a:off x="4233896" y="5229209"/>
-                        <a:ext cx="2798892" cy="608455"/>
+                        <a:off x="2408238" y="2260600"/>
+                        <a:ext cx="1912524" cy="355600"/>
                       </a:xfrm>
                       <a:prstGeom prst="rect">
                         <a:avLst/>
                       </a:prstGeom>
                       <a:noFill/>
+                      <a:ln>
+                        <a:noFill/>
+                      </a:ln>
                     </p:spPr>
                   </p:pic>
                 </p:oleObj>
@@ -5958,50 +8384,289 @@
           </a:graphicData>
         </a:graphic>
       </p:graphicFrame>
-      <p:sp>
-        <p:nvSpPr>
-          <p:cNvPr id="21" name="Стрелка вниз 20"/>
-          <p:cNvSpPr/>
+      <p:graphicFrame>
+        <p:nvGraphicFramePr>
+          <p:cNvPr id="22" name="Объект 21"/>
+          <p:cNvGraphicFramePr>
+            <a:graphicFrameLocks noChangeAspect="1"/>
+          </p:cNvGraphicFramePr>
+          <p:nvPr>
+            <p:extLst>
+              <p:ext uri="{D42A27DB-BD31-4B8C-83A1-F6EECF244321}">
+                <p14:modId xmlns:p14="http://schemas.microsoft.com/office/powerpoint/2010/main" val="1166906444"/>
+              </p:ext>
+            </p:extLst>
+          </p:nvPr>
+        </p:nvGraphicFramePr>
+        <p:xfrm>
+          <a:off x="2373313" y="2959100"/>
+          <a:ext cx="2084387" cy="725488"/>
+        </p:xfrm>
+        <a:graphic>
+          <a:graphicData uri="http://schemas.openxmlformats.org/presentationml/2006/ole">
+            <mc:AlternateContent xmlns:mc="http://schemas.openxmlformats.org/markup-compatibility/2006">
+              <mc:Choice xmlns:v="urn:schemas-microsoft-com:vml" Requires="v">
+                <p:oleObj spid="_x0000_s18435" name="Формула" r:id="rId5" imgW="1231560" imgH="431640" progId="Equation.3">
+                  <p:embed/>
+                </p:oleObj>
+              </mc:Choice>
+              <mc:Fallback>
+                <p:oleObj name="Формула" r:id="rId5" imgW="1231560" imgH="431640" progId="Equation.3">
+                  <p:embed/>
+                  <p:pic>
+                    <p:nvPicPr>
+                      <p:cNvPr id="0" name=""/>
+                      <p:cNvPicPr>
+                        <a:picLocks noChangeAspect="1" noChangeArrowheads="1"/>
+                      </p:cNvPicPr>
+                      <p:nvPr/>
+                    </p:nvPicPr>
+                    <p:blipFill>
+                      <a:blip r:embed="rId6"/>
+                      <a:srcRect/>
+                      <a:stretch>
+                        <a:fillRect/>
+                      </a:stretch>
+                    </p:blipFill>
+                    <p:spPr bwMode="auto">
+                      <a:xfrm>
+                        <a:off x="2373313" y="2959100"/>
+                        <a:ext cx="2084387" cy="725488"/>
+                      </a:xfrm>
+                      <a:prstGeom prst="rect">
+                        <a:avLst/>
+                      </a:prstGeom>
+                      <a:noFill/>
+                      <a:ln>
+                        <a:noFill/>
+                      </a:ln>
+                    </p:spPr>
+                  </p:pic>
+                </p:oleObj>
+              </mc:Fallback>
+            </mc:AlternateContent>
+          </a:graphicData>
+        </a:graphic>
+      </p:graphicFrame>
+      <p:graphicFrame>
+        <p:nvGraphicFramePr>
+          <p:cNvPr id="9" name="Объект 8"/>
+          <p:cNvGraphicFramePr>
+            <a:graphicFrameLocks noChangeAspect="1"/>
+          </p:cNvGraphicFramePr>
+          <p:nvPr>
+            <p:extLst>
+              <p:ext uri="{D42A27DB-BD31-4B8C-83A1-F6EECF244321}">
+                <p14:modId xmlns:p14="http://schemas.microsoft.com/office/powerpoint/2010/main" val="1728645418"/>
+              </p:ext>
+            </p:extLst>
+          </p:nvPr>
+        </p:nvGraphicFramePr>
+        <p:xfrm>
+          <a:off x="2343150" y="3937000"/>
+          <a:ext cx="2298700" cy="725488"/>
+        </p:xfrm>
+        <a:graphic>
+          <a:graphicData uri="http://schemas.openxmlformats.org/presentationml/2006/ole">
+            <mc:AlternateContent xmlns:mc="http://schemas.openxmlformats.org/markup-compatibility/2006">
+              <mc:Choice xmlns:v="urn:schemas-microsoft-com:vml" Requires="v">
+                <p:oleObj spid="_x0000_s18436" name="Формула" r:id="rId7" imgW="1358640" imgH="431640" progId="Equation.3">
+                  <p:embed/>
+                </p:oleObj>
+              </mc:Choice>
+              <mc:Fallback>
+                <p:oleObj name="Формула" r:id="rId7" imgW="1358640" imgH="431640" progId="Equation.3">
+                  <p:embed/>
+                  <p:pic>
+                    <p:nvPicPr>
+                      <p:cNvPr id="0" name=""/>
+                      <p:cNvPicPr>
+                        <a:picLocks noChangeAspect="1" noChangeArrowheads="1"/>
+                      </p:cNvPicPr>
+                      <p:nvPr/>
+                    </p:nvPicPr>
+                    <p:blipFill>
+                      <a:blip r:embed="rId8"/>
+                      <a:srcRect/>
+                      <a:stretch>
+                        <a:fillRect/>
+                      </a:stretch>
+                    </p:blipFill>
+                    <p:spPr bwMode="auto">
+                      <a:xfrm>
+                        <a:off x="2343150" y="3937000"/>
+                        <a:ext cx="2298700" cy="725488"/>
+                      </a:xfrm>
+                      <a:prstGeom prst="rect">
+                        <a:avLst/>
+                      </a:prstGeom>
+                      <a:noFill/>
+                      <a:ln>
+                        <a:noFill/>
+                      </a:ln>
+                      <a:extLst>
+                        <a:ext uri="{909E8E84-426E-40DD-AFC4-6F175D3DCCD1}">
+                          <a14:hiddenFill xmlns:a14="http://schemas.microsoft.com/office/drawing/2010/main">
+                            <a:solidFill>
+                              <a:srgbClr val="FFFFFF"/>
+                            </a:solidFill>
+                          </a14:hiddenFill>
+                        </a:ext>
+                        <a:ext uri="{91240B29-F687-4F45-9708-019B960494DF}">
+                          <a14:hiddenLine xmlns:a14="http://schemas.microsoft.com/office/drawing/2010/main" w="9525">
+                            <a:solidFill>
+                              <a:srgbClr val="000000"/>
+                            </a:solidFill>
+                            <a:miter lim="800000"/>
+                            <a:headEnd/>
+                            <a:tailEnd/>
+                          </a14:hiddenLine>
+                        </a:ext>
+                      </a:extLst>
+                    </p:spPr>
+                  </p:pic>
+                </p:oleObj>
+              </mc:Fallback>
+            </mc:AlternateContent>
+          </a:graphicData>
+        </a:graphic>
+      </p:graphicFrame>
+      <p:sp>
+        <p:nvSpPr>
+          <p:cNvPr id="10" name="TextBox 9"/>
+          <p:cNvSpPr txBox="1"/>
           <p:nvPr/>
         </p:nvSpPr>
         <p:spPr>
           <a:xfrm>
-            <a:off x="5458717" y="4806406"/>
-            <a:ext cx="349250" cy="331673"/>
+            <a:off x="4876800" y="2266434"/>
+            <a:ext cx="3671390" cy="369332"/>
           </a:xfrm>
-          <a:prstGeom prst="downArrow">
+          <a:prstGeom prst="rect">
             <a:avLst/>
           </a:prstGeom>
+          <a:noFill/>
         </p:spPr>
-        <p:style>
-          <a:lnRef idx="2">
-            <a:schemeClr val="accent1">
-              <a:shade val="50000"/>
-            </a:schemeClr>
-          </a:lnRef>
-          <a:fillRef idx="1">
-            <a:schemeClr val="accent1"/>
-          </a:fillRef>
-          <a:effectRef idx="0">
-            <a:schemeClr val="accent1"/>
-          </a:effectRef>
-          <a:fontRef idx="minor">
-            <a:schemeClr val="lt1"/>
-          </a:fontRef>
-        </p:style>
-        <p:txBody>
-          <a:bodyPr rtlCol="0" anchor="ctr"/>
-          <a:lstStyle/>
-          <a:p>
-            <a:pPr algn="ctr"/>
-            <a:endParaRPr lang="ru-RU"/>
+        <p:txBody>
+          <a:bodyPr wrap="none" rtlCol="0">
+            <a:spAutoFit/>
+          </a:bodyPr>
+          <a:lstStyle/>
+          <a:p>
+            <a:r>
+              <a:rPr lang="ru-RU" dirty="0" smtClean="0"/>
+              <a:t>Наиболее часто встречаемый класс</a:t>
+            </a:r>
+            <a:endParaRPr lang="ru-RU" dirty="0"/>
+          </a:p>
+        </p:txBody>
+      </p:sp>
+      <p:sp>
+        <p:nvSpPr>
+          <p:cNvPr id="26" name="TextBox 25"/>
+          <p:cNvSpPr txBox="1"/>
+          <p:nvPr/>
+        </p:nvSpPr>
+        <p:spPr>
+          <a:xfrm>
+            <a:off x="4813300" y="3117334"/>
+            <a:ext cx="4277005" cy="369332"/>
+          </a:xfrm>
+          <a:prstGeom prst="rect">
+            <a:avLst/>
+          </a:prstGeom>
+          <a:noFill/>
+        </p:spPr>
+        <p:txBody>
+          <a:bodyPr wrap="none" rtlCol="0">
+            <a:spAutoFit/>
+          </a:bodyPr>
+          <a:lstStyle/>
+          <a:p>
+            <a:r>
+              <a:rPr lang="ru-RU" dirty="0" smtClean="0"/>
+              <a:t>Индекс (коэффициент) Джини (</a:t>
+            </a:r>
+            <a:r>
+              <a:rPr lang="en-US" dirty="0" smtClean="0"/>
+              <a:t>Gini index</a:t>
+            </a:r>
+            <a:r>
+              <a:rPr lang="ru-RU" dirty="0" smtClean="0"/>
+              <a:t>)</a:t>
+            </a:r>
+            <a:endParaRPr lang="ru-RU" dirty="0"/>
+          </a:p>
+        </p:txBody>
+      </p:sp>
+      <p:sp>
+        <p:nvSpPr>
+          <p:cNvPr id="27" name="TextBox 26"/>
+          <p:cNvSpPr txBox="1"/>
+          <p:nvPr/>
+        </p:nvSpPr>
+        <p:spPr>
+          <a:xfrm>
+            <a:off x="4876800" y="4095234"/>
+            <a:ext cx="2523448" cy="369332"/>
+          </a:xfrm>
+          <a:prstGeom prst="rect">
+            <a:avLst/>
+          </a:prstGeom>
+          <a:noFill/>
+        </p:spPr>
+        <p:txBody>
+          <a:bodyPr wrap="none" rtlCol="0">
+            <a:spAutoFit/>
+          </a:bodyPr>
+          <a:lstStyle/>
+          <a:p>
+            <a:r>
+              <a:rPr lang="ru-RU" dirty="0" smtClean="0"/>
+              <a:t>Перекрестная энтропия</a:t>
+            </a:r>
+            <a:endParaRPr lang="ru-RU" dirty="0"/>
+          </a:p>
+        </p:txBody>
+      </p:sp>
+      <p:sp>
+        <p:nvSpPr>
+          <p:cNvPr id="12" name="TextBox 11"/>
+          <p:cNvSpPr txBox="1"/>
+          <p:nvPr/>
+        </p:nvSpPr>
+        <p:spPr>
+          <a:xfrm>
+            <a:off x="711200" y="4845566"/>
+            <a:ext cx="11036300" cy="1200329"/>
+          </a:xfrm>
+          <a:prstGeom prst="rect">
+            <a:avLst/>
+          </a:prstGeom>
+          <a:noFill/>
+        </p:spPr>
+        <p:txBody>
+          <a:bodyPr wrap="square" rtlCol="0">
+            <a:spAutoFit/>
+          </a:bodyPr>
+          <a:lstStyle/>
+          <a:p>
+            <a:pPr algn="just"/>
+            <a:r>
+              <a:rPr lang="ru-RU" dirty="0" smtClean="0"/>
+              <a:t>На </a:t>
+            </a:r>
+            <a:r>
+              <a:rPr lang="ru-RU" dirty="0"/>
+              <a:t>каждой итерации для входного подмножества обучающего множества строится такое разбиение пространства гиперплоскостью (ортогональной одной их осей координат), которое минимизировало бы среднюю меру неоднородности двух полученных подмножеств. Данная процедура выполняется рекурсивно для каждого полученного подмножества до тех пор, пока не будут достигнуты критерии остановки.</a:t>
+            </a:r>
           </a:p>
         </p:txBody>
       </p:sp>
     </p:spTree>
     <p:extLst>
       <p:ext uri="{BB962C8B-B14F-4D97-AF65-F5344CB8AC3E}">
-        <p14:creationId xmlns:p14="http://schemas.microsoft.com/office/powerpoint/2010/main" val="2018233245"/>
+        <p14:creationId xmlns:p14="http://schemas.microsoft.com/office/powerpoint/2010/main" val="225428410"/>
       </p:ext>
     </p:extLst>
   </p:cSld>
@@ -6037,7 +8702,7 @@
       </p:grpSpPr>
       <p:sp>
         <p:nvSpPr>
-          <p:cNvPr id="2" name="Заголовок 1"/>
+          <p:cNvPr id="5" name="Заголовок 1"/>
           <p:cNvSpPr>
             <a:spLocks noGrp="1"/>
           </p:cNvSpPr>
@@ -6047,8 +8712,8 @@
         </p:nvSpPr>
         <p:spPr>
           <a:xfrm>
-            <a:off x="609600" y="274638"/>
-            <a:ext cx="10972800" cy="506412"/>
+            <a:off x="239483" y="117081"/>
+            <a:ext cx="11713034" cy="694418"/>
           </a:xfrm>
         </p:spPr>
         <p:txBody>
@@ -6066,10 +8731,10 @@
                   </a:schemeClr>
                 </a:solidFill>
               </a:rPr>
-              <a:t>Наивный байесовский метод </a:t>
-            </a:r>
-            <a:r>
-              <a:rPr lang="ru-RU" sz="3600" i="1" dirty="0" smtClean="0">
+              <a:t>Метод деревьев решений</a:t>
+            </a:r>
+            <a:r>
+              <a:rPr lang="en-US" sz="3600" i="1" dirty="0">
                 <a:solidFill>
                   <a:schemeClr val="tx2">
                     <a:lumMod val="60000"/>
@@ -6077,7 +8742,18 @@
                   </a:schemeClr>
                 </a:solidFill>
               </a:rPr>
-              <a:t>(2)</a:t>
+              <a:t>. </a:t>
+            </a:r>
+            <a:r>
+              <a:rPr lang="ru-RU" sz="3600" i="1" dirty="0" smtClean="0">
+                <a:solidFill>
+                  <a:schemeClr val="tx2">
+                    <a:lumMod val="60000"/>
+                    <a:lumOff val="40000"/>
+                  </a:schemeClr>
+                </a:solidFill>
+              </a:rPr>
+              <a:t>Пример разбиения </a:t>
             </a:r>
             <a:endParaRPr lang="ru-RU" sz="3600" i="1" dirty="0">
               <a:solidFill>
@@ -6092,7 +8768,7 @@
       </p:sp>
       <p:sp>
         <p:nvSpPr>
-          <p:cNvPr id="4" name="Нижний колонтитул 3"/>
+          <p:cNvPr id="7" name="Нижний колонтитул 6"/>
           <p:cNvSpPr>
             <a:spLocks noGrp="1"/>
           </p:cNvSpPr>
@@ -6106,16 +8782,28 @@
           <a:lstStyle/>
           <a:p>
             <a:r>
-              <a:rPr lang="ru-RU" smtClean="0"/>
-              <a:t>НИУ "МЭИ", Каф. УиИ, 2017</a:t>
-            </a:r>
-            <a:endParaRPr lang="ru-RU"/>
-          </a:p>
-        </p:txBody>
-      </p:sp>
-      <p:sp>
-        <p:nvSpPr>
-          <p:cNvPr id="5" name="Номер слайда 4"/>
+              <a:rPr lang="ru-RU" dirty="0" smtClean="0"/>
+              <a:t>НИУ "МЭИ", Каф. </a:t>
+            </a:r>
+            <a:r>
+              <a:rPr lang="ru-RU" dirty="0" err="1" smtClean="0"/>
+              <a:t>УиИ</a:t>
+            </a:r>
+            <a:r>
+              <a:rPr lang="ru-RU" dirty="0" smtClean="0"/>
+              <a:t>, </a:t>
+            </a:r>
+            <a:r>
+              <a:rPr lang="ru-RU" dirty="0" smtClean="0"/>
+              <a:t>2018</a:t>
+            </a:r>
+            <a:endParaRPr lang="ru-RU" dirty="0"/>
+          </a:p>
+        </p:txBody>
+      </p:sp>
+      <p:sp>
+        <p:nvSpPr>
+          <p:cNvPr id="6" name="Номер слайда 5"/>
           <p:cNvSpPr>
             <a:spLocks noGrp="1"/>
           </p:cNvSpPr>
@@ -6136,343 +8824,9 @@
           </a:p>
         </p:txBody>
       </p:sp>
-      <p:graphicFrame>
-        <p:nvGraphicFramePr>
-          <p:cNvPr id="14" name="Объект 13"/>
-          <p:cNvGraphicFramePr>
-            <a:graphicFrameLocks noChangeAspect="1"/>
-          </p:cNvGraphicFramePr>
-          <p:nvPr>
-            <p:extLst>
-              <p:ext uri="{D42A27DB-BD31-4B8C-83A1-F6EECF244321}">
-                <p14:modId xmlns:p14="http://schemas.microsoft.com/office/powerpoint/2010/main" val="3355716642"/>
-              </p:ext>
-            </p:extLst>
-          </p:nvPr>
-        </p:nvGraphicFramePr>
-        <p:xfrm>
-          <a:off x="4429125" y="938213"/>
-          <a:ext cx="2803525" cy="600075"/>
-        </p:xfrm>
-        <a:graphic>
-          <a:graphicData uri="http://schemas.openxmlformats.org/presentationml/2006/ole">
-            <mc:AlternateContent xmlns:mc="http://schemas.openxmlformats.org/markup-compatibility/2006">
-              <mc:Choice xmlns:v="urn:schemas-microsoft-com:vml" Requires="v">
-                <p:oleObj spid="_x0000_s16419" name="Уравнение" r:id="rId3" imgW="2031840" imgH="431640" progId="Equation.3">
-                  <p:embed/>
-                </p:oleObj>
-              </mc:Choice>
-              <mc:Fallback>
-                <p:oleObj name="Уравнение" r:id="rId3" imgW="2031840" imgH="431640" progId="Equation.3">
-                  <p:embed/>
-                  <p:pic>
-                    <p:nvPicPr>
-                      <p:cNvPr id="0" name=""/>
-                      <p:cNvPicPr>
-                        <a:picLocks noChangeAspect="1" noChangeArrowheads="1"/>
-                      </p:cNvPicPr>
-                      <p:nvPr/>
-                    </p:nvPicPr>
-                    <p:blipFill>
-                      <a:blip r:embed="rId4"/>
-                      <a:srcRect/>
-                      <a:stretch>
-                        <a:fillRect/>
-                      </a:stretch>
-                    </p:blipFill>
-                    <p:spPr bwMode="auto">
-                      <a:xfrm>
-                        <a:off x="4429125" y="938213"/>
-                        <a:ext cx="2803525" cy="600075"/>
-                      </a:xfrm>
-                      <a:prstGeom prst="rect">
-                        <a:avLst/>
-                      </a:prstGeom>
-                      <a:noFill/>
-                    </p:spPr>
-                  </p:pic>
-                </p:oleObj>
-              </mc:Fallback>
-            </mc:AlternateContent>
-          </a:graphicData>
-        </a:graphic>
-      </p:graphicFrame>
-      <p:graphicFrame>
-        <p:nvGraphicFramePr>
-          <p:cNvPr id="11" name="Объект 10"/>
-          <p:cNvGraphicFramePr>
-            <a:graphicFrameLocks noChangeAspect="1"/>
-          </p:cNvGraphicFramePr>
-          <p:nvPr>
-            <p:extLst>
-              <p:ext uri="{D42A27DB-BD31-4B8C-83A1-F6EECF244321}">
-                <p14:modId xmlns:p14="http://schemas.microsoft.com/office/powerpoint/2010/main" val="3966606091"/>
-              </p:ext>
-            </p:extLst>
-          </p:nvPr>
-        </p:nvGraphicFramePr>
-        <p:xfrm>
-          <a:off x="973138" y="1641475"/>
-          <a:ext cx="1006475" cy="439738"/>
-        </p:xfrm>
-        <a:graphic>
-          <a:graphicData uri="http://schemas.openxmlformats.org/presentationml/2006/ole">
-            <mc:AlternateContent xmlns:mc="http://schemas.openxmlformats.org/markup-compatibility/2006">
-              <mc:Choice xmlns:v="urn:schemas-microsoft-com:vml" Requires="v">
-                <p:oleObj spid="_x0000_s16420" name="Уравнение" r:id="rId5" imgW="787320" imgH="393480" progId="Equation.3">
-                  <p:embed/>
-                </p:oleObj>
-              </mc:Choice>
-              <mc:Fallback>
-                <p:oleObj name="Уравнение" r:id="rId5" imgW="787320" imgH="393480" progId="Equation.3">
-                  <p:embed/>
-                  <p:pic>
-                    <p:nvPicPr>
-                      <p:cNvPr id="0" name="Object 1"/>
-                      <p:cNvPicPr>
-                        <a:picLocks noChangeAspect="1" noChangeArrowheads="1"/>
-                      </p:cNvPicPr>
-                      <p:nvPr/>
-                    </p:nvPicPr>
-                    <p:blipFill>
-                      <a:blip r:embed="rId6"/>
-                      <a:srcRect/>
-                      <a:stretch>
-                        <a:fillRect/>
-                      </a:stretch>
-                    </p:blipFill>
-                    <p:spPr bwMode="auto">
-                      <a:xfrm>
-                        <a:off x="973138" y="1641475"/>
-                        <a:ext cx="1006475" cy="439738"/>
-                      </a:xfrm>
-                      <a:prstGeom prst="rect">
-                        <a:avLst/>
-                      </a:prstGeom>
-                      <a:noFill/>
-                    </p:spPr>
-                  </p:pic>
-                </p:oleObj>
-              </mc:Fallback>
-            </mc:AlternateContent>
-          </a:graphicData>
-        </a:graphic>
-      </p:graphicFrame>
-      <p:sp>
-        <p:nvSpPr>
-          <p:cNvPr id="17" name="Прямоугольник 16"/>
-          <p:cNvSpPr/>
-          <p:nvPr/>
-        </p:nvSpPr>
-        <p:spPr>
-          <a:xfrm>
-            <a:off x="609600" y="1679720"/>
-            <a:ext cx="10326217" cy="833305"/>
-          </a:xfrm>
-          <a:prstGeom prst="rect">
-            <a:avLst/>
-          </a:prstGeom>
-        </p:spPr>
-        <p:txBody>
-          <a:bodyPr wrap="square">
-            <a:spAutoFit/>
-          </a:bodyPr>
-          <a:lstStyle/>
-          <a:p>
-            <a:pPr marL="342900" indent="-342900">
-              <a:lnSpc>
-                <a:spcPct val="125000"/>
-              </a:lnSpc>
-              <a:buFont typeface="Arial" panose="020B0604020202020204" pitchFamily="34" charset="0"/>
-              <a:buChar char="•"/>
-            </a:pPr>
-            <a:r>
-              <a:rPr lang="ru-RU" sz="2000" dirty="0" smtClean="0"/>
-              <a:t>       </a:t>
-            </a:r>
-            <a:r>
-              <a:rPr lang="en-US" sz="2000" dirty="0" smtClean="0"/>
-              <a:t>         </a:t>
-            </a:r>
-            <a:r>
-              <a:rPr lang="ru-RU" sz="2000" dirty="0" smtClean="0"/>
-              <a:t> </a:t>
-            </a:r>
-            <a:r>
-              <a:rPr lang="en-US" sz="2000" dirty="0" smtClean="0"/>
-              <a:t> </a:t>
-            </a:r>
-            <a:r>
-              <a:rPr lang="ru-RU" sz="2000" dirty="0" smtClean="0"/>
-              <a:t> - </a:t>
-            </a:r>
-            <a:r>
-              <a:rPr lang="ru-RU" sz="2000" dirty="0"/>
-              <a:t>оценка</a:t>
-            </a:r>
-            <a:r>
-              <a:rPr lang="ru-RU" sz="2000" dirty="0" smtClean="0"/>
-              <a:t> для </a:t>
-            </a:r>
-            <a:r>
-              <a:rPr lang="en-US" sz="2000" dirty="0"/>
-              <a:t>P</a:t>
-            </a:r>
-            <a:r>
-              <a:rPr lang="en-US" sz="2000" dirty="0" smtClean="0"/>
-              <a:t>(</a:t>
-            </a:r>
-            <a:r>
-              <a:rPr lang="en-US" sz="2000" dirty="0" err="1" smtClean="0"/>
-              <a:t>Q</a:t>
-            </a:r>
-            <a:r>
-              <a:rPr lang="en-US" sz="1400" dirty="0" err="1" smtClean="0"/>
-              <a:t>k</a:t>
-            </a:r>
-            <a:r>
-              <a:rPr lang="en-US" sz="2000" dirty="0" smtClean="0"/>
-              <a:t>) – </a:t>
-            </a:r>
-            <a:r>
-              <a:rPr lang="ru-RU" sz="2000" dirty="0" smtClean="0"/>
-              <a:t>вероятность встретить документ класса </a:t>
-            </a:r>
-            <a:r>
-              <a:rPr lang="en-US" sz="2000" dirty="0" err="1" smtClean="0"/>
-              <a:t>Q</a:t>
-            </a:r>
-            <a:r>
-              <a:rPr lang="en-US" sz="1400" dirty="0" err="1" smtClean="0"/>
-              <a:t>k</a:t>
-            </a:r>
-            <a:r>
-              <a:rPr lang="ru-RU" sz="2000" dirty="0" smtClean="0"/>
-              <a:t> в корпусе документов</a:t>
-            </a:r>
-            <a:endParaRPr lang="ru-RU" sz="2000" dirty="0"/>
-          </a:p>
-        </p:txBody>
-      </p:sp>
-      <p:sp>
-        <p:nvSpPr>
-          <p:cNvPr id="22" name="Прямоугольник 21"/>
-          <p:cNvSpPr/>
-          <p:nvPr/>
-        </p:nvSpPr>
-        <p:spPr>
-          <a:xfrm>
-            <a:off x="609599" y="2684830"/>
-            <a:ext cx="10326217" cy="1631216"/>
-          </a:xfrm>
-          <a:prstGeom prst="rect">
-            <a:avLst/>
-          </a:prstGeom>
-        </p:spPr>
-        <p:txBody>
-          <a:bodyPr wrap="square">
-            <a:spAutoFit/>
-          </a:bodyPr>
-          <a:lstStyle/>
-          <a:p>
-            <a:pPr marL="342900" indent="-342900">
-              <a:lnSpc>
-                <a:spcPct val="125000"/>
-              </a:lnSpc>
-              <a:buFont typeface="Arial" panose="020B0604020202020204" pitchFamily="34" charset="0"/>
-              <a:buChar char="•"/>
-            </a:pPr>
-            <a:r>
-              <a:rPr lang="ru-RU" sz="2000" dirty="0" smtClean="0"/>
-              <a:t>       </a:t>
-            </a:r>
-            <a:r>
-              <a:rPr lang="en-US" sz="2000" dirty="0" smtClean="0"/>
-              <a:t>               </a:t>
-            </a:r>
-            <a:r>
-              <a:rPr lang="ru-RU" sz="2000" dirty="0" smtClean="0"/>
-              <a:t> </a:t>
-            </a:r>
-            <a:r>
-              <a:rPr lang="en-US" sz="2000" dirty="0" smtClean="0"/>
-              <a:t>  </a:t>
-            </a:r>
-            <a:r>
-              <a:rPr lang="ru-RU" sz="2000" dirty="0" smtClean="0"/>
-              <a:t>-</a:t>
-            </a:r>
-            <a:r>
-              <a:rPr lang="en-US" sz="2000" dirty="0" smtClean="0"/>
-              <a:t> </a:t>
-            </a:r>
-            <a:r>
-              <a:rPr lang="ru-RU" sz="2000" dirty="0" smtClean="0"/>
-              <a:t>вероятность встретить термин </a:t>
-            </a:r>
-            <a:r>
-              <a:rPr lang="en-US" sz="2000" dirty="0" smtClean="0"/>
-              <a:t>x</a:t>
-            </a:r>
-            <a:r>
-              <a:rPr lang="ru-RU" sz="2000" dirty="0" smtClean="0"/>
-              <a:t>(</a:t>
-            </a:r>
-            <a:r>
-              <a:rPr lang="en-US" sz="2000" dirty="0" err="1" smtClean="0"/>
-              <a:t>i</a:t>
-            </a:r>
-            <a:r>
-              <a:rPr lang="ru-RU" sz="2000" dirty="0" smtClean="0"/>
-              <a:t>) в классе </a:t>
-            </a:r>
-            <a:r>
-              <a:rPr lang="en-US" sz="2000" dirty="0" err="1" smtClean="0"/>
-              <a:t>Qk</a:t>
-            </a:r>
-            <a:endParaRPr lang="ru-RU" sz="2000" dirty="0" smtClean="0"/>
-          </a:p>
-          <a:p>
-            <a:pPr>
-              <a:lnSpc>
-                <a:spcPct val="125000"/>
-              </a:lnSpc>
-            </a:pPr>
-            <a:r>
-              <a:rPr lang="ru-RU" sz="2000" dirty="0" smtClean="0"/>
-              <a:t> </a:t>
-            </a:r>
-          </a:p>
-          <a:p>
-            <a:pPr marL="342900" indent="-342900">
-              <a:lnSpc>
-                <a:spcPct val="125000"/>
-              </a:lnSpc>
-              <a:buFont typeface="Arial" panose="020B0604020202020204" pitchFamily="34" charset="0"/>
-              <a:buChar char="•"/>
-            </a:pPr>
-            <a:r>
-              <a:rPr lang="ru-RU" sz="2000" dirty="0" smtClean="0"/>
-              <a:t>Часто используется уточненная формула:	</a:t>
-            </a:r>
-            <a:r>
-              <a:rPr lang="ru-RU" sz="2000" dirty="0"/>
-              <a:t>	</a:t>
-            </a:r>
-            <a:r>
-              <a:rPr lang="ru-RU" sz="2000" dirty="0" smtClean="0"/>
-              <a:t>         , где М </a:t>
-            </a:r>
-            <a:r>
-              <a:rPr lang="ru-RU" sz="2000" dirty="0"/>
-              <a:t>– общее количество терминов во всех документах выборки</a:t>
-            </a:r>
-          </a:p>
-        </p:txBody>
-      </p:sp>
-      <p:sp>
-        <p:nvSpPr>
-          <p:cNvPr id="23" name="Rectangle 8"/>
+      <p:sp>
+        <p:nvSpPr>
+          <p:cNvPr id="3" name="Rectangle 2"/>
           <p:cNvSpPr>
             <a:spLocks noChangeArrowheads="1"/>
           </p:cNvSpPr>
@@ -6533,233 +8887,2560 @@
           </a:p>
         </p:txBody>
       </p:sp>
-      <p:graphicFrame>
-        <p:nvGraphicFramePr>
-          <p:cNvPr id="24" name="Объект 23"/>
-          <p:cNvGraphicFramePr>
-            <a:graphicFrameLocks noChangeAspect="1"/>
-          </p:cNvGraphicFramePr>
-          <p:nvPr>
-            <p:extLst>
-              <p:ext uri="{D42A27DB-BD31-4B8C-83A1-F6EECF244321}">
-                <p14:modId xmlns:p14="http://schemas.microsoft.com/office/powerpoint/2010/main" val="2246681758"/>
-              </p:ext>
-            </p:extLst>
-          </p:nvPr>
-        </p:nvGraphicFramePr>
-        <p:xfrm>
-          <a:off x="884238" y="2595563"/>
-          <a:ext cx="1446212" cy="581025"/>
-        </p:xfrm>
-        <a:graphic>
-          <a:graphicData uri="http://schemas.openxmlformats.org/presentationml/2006/ole">
-            <mc:AlternateContent xmlns:mc="http://schemas.openxmlformats.org/markup-compatibility/2006">
-              <mc:Choice xmlns:v="urn:schemas-microsoft-com:vml" Requires="v">
-                <p:oleObj spid="_x0000_s16421" name="Уравнение" r:id="rId7" imgW="1091880" imgH="431640" progId="Equation.3">
-                  <p:embed/>
-                </p:oleObj>
-              </mc:Choice>
-              <mc:Fallback>
-                <p:oleObj name="Уравнение" r:id="rId7" imgW="1091880" imgH="431640" progId="Equation.3">
-                  <p:embed/>
-                  <p:pic>
-                    <p:nvPicPr>
-                      <p:cNvPr id="0" name="Object 7"/>
-                      <p:cNvPicPr>
-                        <a:picLocks noChangeAspect="1" noChangeArrowheads="1"/>
-                      </p:cNvPicPr>
-                      <p:nvPr/>
-                    </p:nvPicPr>
-                    <p:blipFill>
-                      <a:blip r:embed="rId8"/>
-                      <a:srcRect/>
-                      <a:stretch>
-                        <a:fillRect/>
-                      </a:stretch>
-                    </p:blipFill>
-                    <p:spPr bwMode="auto">
-                      <a:xfrm>
-                        <a:off x="884238" y="2595563"/>
-                        <a:ext cx="1446212" cy="581025"/>
-                      </a:xfrm>
-                      <a:prstGeom prst="rect">
-                        <a:avLst/>
-                      </a:prstGeom>
-                      <a:noFill/>
-                    </p:spPr>
-                  </p:pic>
-                </p:oleObj>
-              </mc:Fallback>
-            </mc:AlternateContent>
-          </a:graphicData>
-        </a:graphic>
-      </p:graphicFrame>
-      <p:graphicFrame>
-        <p:nvGraphicFramePr>
-          <p:cNvPr id="26" name="Объект 25"/>
-          <p:cNvGraphicFramePr>
-            <a:graphicFrameLocks noChangeAspect="1"/>
-          </p:cNvGraphicFramePr>
-          <p:nvPr>
-            <p:extLst>
-              <p:ext uri="{D42A27DB-BD31-4B8C-83A1-F6EECF244321}">
-                <p14:modId xmlns:p14="http://schemas.microsoft.com/office/powerpoint/2010/main" val="845005731"/>
-              </p:ext>
-            </p:extLst>
-          </p:nvPr>
-        </p:nvGraphicFramePr>
-        <p:xfrm>
-          <a:off x="4271963" y="4748213"/>
-          <a:ext cx="3738562" cy="968375"/>
-        </p:xfrm>
-        <a:graphic>
-          <a:graphicData uri="http://schemas.openxmlformats.org/presentationml/2006/ole">
-            <mc:AlternateContent xmlns:mc="http://schemas.openxmlformats.org/markup-compatibility/2006">
-              <mc:Choice xmlns:v="urn:schemas-microsoft-com:vml" Requires="v">
-                <p:oleObj spid="_x0000_s16422" name="Уравнение" r:id="rId9" imgW="2222280" imgH="558720" progId="Equation.3">
-                  <p:embed/>
-                </p:oleObj>
-              </mc:Choice>
-              <mc:Fallback>
-                <p:oleObj name="Уравнение" r:id="rId9" imgW="2222280" imgH="558720" progId="Equation.3">
-                  <p:embed/>
-                  <p:pic>
-                    <p:nvPicPr>
-                      <p:cNvPr id="0" name="Object 9"/>
-                      <p:cNvPicPr>
-                        <a:picLocks noChangeAspect="1" noChangeArrowheads="1"/>
-                      </p:cNvPicPr>
-                      <p:nvPr/>
-                    </p:nvPicPr>
-                    <p:blipFill>
-                      <a:blip r:embed="rId10"/>
-                      <a:srcRect/>
-                      <a:stretch>
-                        <a:fillRect/>
-                      </a:stretch>
-                    </p:blipFill>
-                    <p:spPr bwMode="auto">
-                      <a:xfrm>
-                        <a:off x="4271963" y="4748213"/>
-                        <a:ext cx="3738562" cy="968375"/>
-                      </a:xfrm>
-                      <a:prstGeom prst="rect">
-                        <a:avLst/>
-                      </a:prstGeom>
-                      <a:noFill/>
-                    </p:spPr>
-                  </p:pic>
-                </p:oleObj>
-              </mc:Fallback>
-            </mc:AlternateContent>
-          </a:graphicData>
-        </a:graphic>
-      </p:graphicFrame>
-      <p:sp>
-        <p:nvSpPr>
-          <p:cNvPr id="27" name="Стрелка вниз 26"/>
-          <p:cNvSpPr/>
+      <p:sp>
+        <p:nvSpPr>
+          <p:cNvPr id="8" name="Rectangle 4"/>
+          <p:cNvSpPr>
+            <a:spLocks noChangeArrowheads="1"/>
+          </p:cNvSpPr>
           <p:nvPr/>
         </p:nvSpPr>
-        <p:spPr>
+        <p:spPr bwMode="auto">
           <a:xfrm>
-            <a:off x="5965825" y="4309692"/>
-            <a:ext cx="349250" cy="331673"/>
+            <a:off x="0" y="0"/>
+            <a:ext cx="12192000" cy="0"/>
           </a:xfrm>
-          <a:prstGeom prst="downArrow">
+          <a:prstGeom prst="rect">
             <a:avLst/>
           </a:prstGeom>
+          <a:noFill/>
+          <a:ln>
+            <a:noFill/>
+          </a:ln>
+          <a:effectLst/>
+          <a:extLst>
+            <a:ext uri="{909E8E84-426E-40DD-AFC4-6F175D3DCCD1}">
+              <a14:hiddenFill xmlns:a14="http://schemas.microsoft.com/office/drawing/2010/main">
+                <a:solidFill>
+                  <a:schemeClr val="accent1"/>
+                </a:solidFill>
+              </a14:hiddenFill>
+            </a:ext>
+            <a:ext uri="{91240B29-F687-4F45-9708-019B960494DF}">
+              <a14:hiddenLine xmlns:a14="http://schemas.microsoft.com/office/drawing/2010/main" w="9525">
+                <a:solidFill>
+                  <a:schemeClr val="tx1"/>
+                </a:solidFill>
+                <a:miter lim="800000"/>
+                <a:headEnd/>
+                <a:tailEnd/>
+              </a14:hiddenLine>
+            </a:ext>
+            <a:ext uri="{AF507438-7753-43E0-B8FC-AC1667EBCBE1}">
+              <a14:hiddenEffects xmlns:a14="http://schemas.microsoft.com/office/drawing/2010/main">
+                <a:effectLst>
+                  <a:outerShdw dist="35921" dir="2700000" algn="ctr" rotWithShape="0">
+                    <a:schemeClr val="bg2"/>
+                  </a:outerShdw>
+                </a:effectLst>
+              </a14:hiddenEffects>
+            </a:ext>
+          </a:extLst>
         </p:spPr>
-        <p:style>
-          <a:lnRef idx="2">
-            <a:schemeClr val="accent1">
-              <a:shade val="50000"/>
-            </a:schemeClr>
-          </a:lnRef>
-          <a:fillRef idx="1">
-            <a:schemeClr val="accent1"/>
-          </a:fillRef>
-          <a:effectRef idx="0">
-            <a:schemeClr val="accent1"/>
-          </a:effectRef>
-          <a:fontRef idx="minor">
-            <a:schemeClr val="lt1"/>
-          </a:fontRef>
-        </p:style>
-        <p:txBody>
-          <a:bodyPr rtlCol="0" anchor="ctr"/>
-          <a:lstStyle/>
-          <a:p>
-            <a:pPr algn="ctr"/>
+        <p:txBody>
+          <a:bodyPr vert="horz" wrap="none" lIns="91440" tIns="45720" rIns="91440" bIns="45720" numCol="1" anchor="ctr" anchorCtr="0" compatLnSpc="1">
+            <a:prstTxWarp prst="textNoShape">
+              <a:avLst/>
+            </a:prstTxWarp>
+            <a:spAutoFit/>
+          </a:bodyPr>
+          <a:lstStyle/>
+          <a:p>
             <a:endParaRPr lang="ru-RU"/>
           </a:p>
         </p:txBody>
       </p:sp>
-      <p:graphicFrame>
-        <p:nvGraphicFramePr>
-          <p:cNvPr id="31" name="Объект 30"/>
-          <p:cNvGraphicFramePr>
-            <a:graphicFrameLocks noChangeAspect="1"/>
-          </p:cNvGraphicFramePr>
-          <p:nvPr>
-            <p:extLst>
-              <p:ext uri="{D42A27DB-BD31-4B8C-83A1-F6EECF244321}">
-                <p14:modId xmlns:p14="http://schemas.microsoft.com/office/powerpoint/2010/main" val="4022759822"/>
-              </p:ext>
-            </p:extLst>
-          </p:nvPr>
-        </p:nvGraphicFramePr>
-        <p:xfrm>
-          <a:off x="5696507" y="3439691"/>
-          <a:ext cx="1882181" cy="598482"/>
-        </p:xfrm>
-        <a:graphic>
-          <a:graphicData uri="http://schemas.openxmlformats.org/presentationml/2006/ole">
-            <mc:AlternateContent xmlns:mc="http://schemas.openxmlformats.org/markup-compatibility/2006">
-              <mc:Choice xmlns:v="urn:schemas-microsoft-com:vml" Requires="v">
-                <p:oleObj spid="_x0000_s16423" name="Уравнение" r:id="rId11" imgW="1358640" imgH="431640" progId="Equation.3">
-                  <p:embed/>
-                </p:oleObj>
-              </mc:Choice>
-              <mc:Fallback>
-                <p:oleObj name="Уравнение" r:id="rId11" imgW="1358640" imgH="431640" progId="Equation.3">
-                  <p:embed/>
-                  <p:pic>
-                    <p:nvPicPr>
-                      <p:cNvPr id="0" name="Object 13"/>
-                      <p:cNvPicPr>
-                        <a:picLocks noChangeAspect="1" noChangeArrowheads="1"/>
-                      </p:cNvPicPr>
-                      <p:nvPr/>
-                    </p:nvPicPr>
-                    <p:blipFill>
-                      <a:blip r:embed="rId12"/>
-                      <a:srcRect/>
-                      <a:stretch>
-                        <a:fillRect/>
-                      </a:stretch>
-                    </p:blipFill>
-                    <p:spPr bwMode="auto">
-                      <a:xfrm>
-                        <a:off x="5696507" y="3439691"/>
-                        <a:ext cx="1882181" cy="598482"/>
-                      </a:xfrm>
-                      <a:prstGeom prst="rect">
-                        <a:avLst/>
-                      </a:prstGeom>
-                      <a:noFill/>
-                    </p:spPr>
-                  </p:pic>
-                </p:oleObj>
-              </mc:Fallback>
-            </mc:AlternateContent>
-          </a:graphicData>
-        </a:graphic>
-      </p:graphicFrame>
+      <p:sp>
+        <p:nvSpPr>
+          <p:cNvPr id="11" name="Rectangle 7"/>
+          <p:cNvSpPr>
+            <a:spLocks noChangeArrowheads="1"/>
+          </p:cNvSpPr>
+          <p:nvPr/>
+        </p:nvSpPr>
+        <p:spPr bwMode="auto">
+          <a:xfrm>
+            <a:off x="0" y="0"/>
+            <a:ext cx="12192000" cy="0"/>
+          </a:xfrm>
+          <a:prstGeom prst="rect">
+            <a:avLst/>
+          </a:prstGeom>
+          <a:noFill/>
+          <a:ln>
+            <a:noFill/>
+          </a:ln>
+          <a:effectLst/>
+          <a:extLst>
+            <a:ext uri="{909E8E84-426E-40DD-AFC4-6F175D3DCCD1}">
+              <a14:hiddenFill xmlns:a14="http://schemas.microsoft.com/office/drawing/2010/main">
+                <a:solidFill>
+                  <a:schemeClr val="accent1"/>
+                </a:solidFill>
+              </a14:hiddenFill>
+            </a:ext>
+            <a:ext uri="{91240B29-F687-4F45-9708-019B960494DF}">
+              <a14:hiddenLine xmlns:a14="http://schemas.microsoft.com/office/drawing/2010/main" w="9525">
+                <a:solidFill>
+                  <a:schemeClr val="tx1"/>
+                </a:solidFill>
+                <a:miter lim="800000"/>
+                <a:headEnd/>
+                <a:tailEnd/>
+              </a14:hiddenLine>
+            </a:ext>
+            <a:ext uri="{AF507438-7753-43E0-B8FC-AC1667EBCBE1}">
+              <a14:hiddenEffects xmlns:a14="http://schemas.microsoft.com/office/drawing/2010/main">
+                <a:effectLst>
+                  <a:outerShdw dist="35921" dir="2700000" algn="ctr" rotWithShape="0">
+                    <a:schemeClr val="bg2"/>
+                  </a:outerShdw>
+                </a:effectLst>
+              </a14:hiddenEffects>
+            </a:ext>
+          </a:extLst>
+        </p:spPr>
+        <p:txBody>
+          <a:bodyPr vert="horz" wrap="none" lIns="91440" tIns="45720" rIns="91440" bIns="45720" numCol="1" anchor="ctr" anchorCtr="0" compatLnSpc="1">
+            <a:prstTxWarp prst="textNoShape">
+              <a:avLst/>
+            </a:prstTxWarp>
+            <a:spAutoFit/>
+          </a:bodyPr>
+          <a:lstStyle/>
+          <a:p>
+            <a:endParaRPr lang="ru-RU"/>
+          </a:p>
+        </p:txBody>
+      </p:sp>
+      <p:sp>
+        <p:nvSpPr>
+          <p:cNvPr id="13" name="Rectangle 9"/>
+          <p:cNvSpPr>
+            <a:spLocks noChangeArrowheads="1"/>
+          </p:cNvSpPr>
+          <p:nvPr/>
+        </p:nvSpPr>
+        <p:spPr bwMode="auto">
+          <a:xfrm>
+            <a:off x="0" y="0"/>
+            <a:ext cx="12192000" cy="0"/>
+          </a:xfrm>
+          <a:prstGeom prst="rect">
+            <a:avLst/>
+          </a:prstGeom>
+          <a:noFill/>
+          <a:ln>
+            <a:noFill/>
+          </a:ln>
+          <a:effectLst/>
+          <a:extLst>
+            <a:ext uri="{909E8E84-426E-40DD-AFC4-6F175D3DCCD1}">
+              <a14:hiddenFill xmlns:a14="http://schemas.microsoft.com/office/drawing/2010/main">
+                <a:solidFill>
+                  <a:schemeClr val="accent1"/>
+                </a:solidFill>
+              </a14:hiddenFill>
+            </a:ext>
+            <a:ext uri="{91240B29-F687-4F45-9708-019B960494DF}">
+              <a14:hiddenLine xmlns:a14="http://schemas.microsoft.com/office/drawing/2010/main" w="9525">
+                <a:solidFill>
+                  <a:schemeClr val="tx1"/>
+                </a:solidFill>
+                <a:miter lim="800000"/>
+                <a:headEnd/>
+                <a:tailEnd/>
+              </a14:hiddenLine>
+            </a:ext>
+            <a:ext uri="{AF507438-7753-43E0-B8FC-AC1667EBCBE1}">
+              <a14:hiddenEffects xmlns:a14="http://schemas.microsoft.com/office/drawing/2010/main">
+                <a:effectLst>
+                  <a:outerShdw dist="35921" dir="2700000" algn="ctr" rotWithShape="0">
+                    <a:schemeClr val="bg2"/>
+                  </a:outerShdw>
+                </a:effectLst>
+              </a14:hiddenEffects>
+            </a:ext>
+          </a:extLst>
+        </p:spPr>
+        <p:txBody>
+          <a:bodyPr vert="horz" wrap="none" lIns="91440" tIns="45720" rIns="91440" bIns="45720" numCol="1" anchor="ctr" anchorCtr="0" compatLnSpc="1">
+            <a:prstTxWarp prst="textNoShape">
+              <a:avLst/>
+            </a:prstTxWarp>
+            <a:spAutoFit/>
+          </a:bodyPr>
+          <a:lstStyle/>
+          <a:p>
+            <a:endParaRPr lang="ru-RU"/>
+          </a:p>
+        </p:txBody>
+      </p:sp>
+      <p:sp>
+        <p:nvSpPr>
+          <p:cNvPr id="37888" name="Rectangle 2"/>
+          <p:cNvSpPr>
+            <a:spLocks noChangeArrowheads="1"/>
+          </p:cNvSpPr>
+          <p:nvPr/>
+        </p:nvSpPr>
+        <p:spPr bwMode="auto">
+          <a:xfrm>
+            <a:off x="0" y="0"/>
+            <a:ext cx="12192000" cy="0"/>
+          </a:xfrm>
+          <a:prstGeom prst="rect">
+            <a:avLst/>
+          </a:prstGeom>
+          <a:noFill/>
+          <a:ln>
+            <a:noFill/>
+          </a:ln>
+          <a:effectLst/>
+          <a:extLst>
+            <a:ext uri="{909E8E84-426E-40DD-AFC4-6F175D3DCCD1}">
+              <a14:hiddenFill xmlns:a14="http://schemas.microsoft.com/office/drawing/2010/main">
+                <a:solidFill>
+                  <a:schemeClr val="accent1"/>
+                </a:solidFill>
+              </a14:hiddenFill>
+            </a:ext>
+            <a:ext uri="{91240B29-F687-4F45-9708-019B960494DF}">
+              <a14:hiddenLine xmlns:a14="http://schemas.microsoft.com/office/drawing/2010/main" w="9525">
+                <a:solidFill>
+                  <a:schemeClr val="tx1"/>
+                </a:solidFill>
+                <a:miter lim="800000"/>
+                <a:headEnd/>
+                <a:tailEnd/>
+              </a14:hiddenLine>
+            </a:ext>
+            <a:ext uri="{AF507438-7753-43E0-B8FC-AC1667EBCBE1}">
+              <a14:hiddenEffects xmlns:a14="http://schemas.microsoft.com/office/drawing/2010/main">
+                <a:effectLst>
+                  <a:outerShdw dist="35921" dir="2700000" algn="ctr" rotWithShape="0">
+                    <a:schemeClr val="bg2"/>
+                  </a:outerShdw>
+                </a:effectLst>
+              </a14:hiddenEffects>
+            </a:ext>
+          </a:extLst>
+        </p:spPr>
+        <p:txBody>
+          <a:bodyPr vert="horz" wrap="none" lIns="91440" tIns="45720" rIns="91440" bIns="45720" numCol="1" anchor="ctr" anchorCtr="0" compatLnSpc="1">
+            <a:prstTxWarp prst="textNoShape">
+              <a:avLst/>
+            </a:prstTxWarp>
+            <a:spAutoFit/>
+          </a:bodyPr>
+          <a:lstStyle/>
+          <a:p>
+            <a:endParaRPr lang="ru-RU"/>
+          </a:p>
+        </p:txBody>
+      </p:sp>
+      <p:sp>
+        <p:nvSpPr>
+          <p:cNvPr id="37890" name="Rectangle 4"/>
+          <p:cNvSpPr>
+            <a:spLocks noChangeArrowheads="1"/>
+          </p:cNvSpPr>
+          <p:nvPr/>
+        </p:nvSpPr>
+        <p:spPr bwMode="auto">
+          <a:xfrm>
+            <a:off x="0" y="0"/>
+            <a:ext cx="12192000" cy="0"/>
+          </a:xfrm>
+          <a:prstGeom prst="rect">
+            <a:avLst/>
+          </a:prstGeom>
+          <a:noFill/>
+          <a:ln>
+            <a:noFill/>
+          </a:ln>
+          <a:effectLst/>
+          <a:extLst>
+            <a:ext uri="{909E8E84-426E-40DD-AFC4-6F175D3DCCD1}">
+              <a14:hiddenFill xmlns:a14="http://schemas.microsoft.com/office/drawing/2010/main">
+                <a:solidFill>
+                  <a:schemeClr val="accent1"/>
+                </a:solidFill>
+              </a14:hiddenFill>
+            </a:ext>
+            <a:ext uri="{91240B29-F687-4F45-9708-019B960494DF}">
+              <a14:hiddenLine xmlns:a14="http://schemas.microsoft.com/office/drawing/2010/main" w="9525">
+                <a:solidFill>
+                  <a:schemeClr val="tx1"/>
+                </a:solidFill>
+                <a:miter lim="800000"/>
+                <a:headEnd/>
+                <a:tailEnd/>
+              </a14:hiddenLine>
+            </a:ext>
+            <a:ext uri="{AF507438-7753-43E0-B8FC-AC1667EBCBE1}">
+              <a14:hiddenEffects xmlns:a14="http://schemas.microsoft.com/office/drawing/2010/main">
+                <a:effectLst>
+                  <a:outerShdw dist="35921" dir="2700000" algn="ctr" rotWithShape="0">
+                    <a:schemeClr val="bg2"/>
+                  </a:outerShdw>
+                </a:effectLst>
+              </a14:hiddenEffects>
+            </a:ext>
+          </a:extLst>
+        </p:spPr>
+        <p:txBody>
+          <a:bodyPr vert="horz" wrap="none" lIns="91440" tIns="45720" rIns="91440" bIns="45720" numCol="1" anchor="ctr" anchorCtr="0" compatLnSpc="1">
+            <a:prstTxWarp prst="textNoShape">
+              <a:avLst/>
+            </a:prstTxWarp>
+            <a:spAutoFit/>
+          </a:bodyPr>
+          <a:lstStyle/>
+          <a:p>
+            <a:endParaRPr lang="ru-RU"/>
+          </a:p>
+        </p:txBody>
+      </p:sp>
+      <p:sp>
+        <p:nvSpPr>
+          <p:cNvPr id="37892" name="Rectangle 6"/>
+          <p:cNvSpPr>
+            <a:spLocks noChangeArrowheads="1"/>
+          </p:cNvSpPr>
+          <p:nvPr/>
+        </p:nvSpPr>
+        <p:spPr bwMode="auto">
+          <a:xfrm>
+            <a:off x="0" y="0"/>
+            <a:ext cx="12192000" cy="0"/>
+          </a:xfrm>
+          <a:prstGeom prst="rect">
+            <a:avLst/>
+          </a:prstGeom>
+          <a:noFill/>
+          <a:ln>
+            <a:noFill/>
+          </a:ln>
+          <a:effectLst/>
+          <a:extLst>
+            <a:ext uri="{909E8E84-426E-40DD-AFC4-6F175D3DCCD1}">
+              <a14:hiddenFill xmlns:a14="http://schemas.microsoft.com/office/drawing/2010/main">
+                <a:solidFill>
+                  <a:schemeClr val="accent1"/>
+                </a:solidFill>
+              </a14:hiddenFill>
+            </a:ext>
+            <a:ext uri="{91240B29-F687-4F45-9708-019B960494DF}">
+              <a14:hiddenLine xmlns:a14="http://schemas.microsoft.com/office/drawing/2010/main" w="9525">
+                <a:solidFill>
+                  <a:schemeClr val="tx1"/>
+                </a:solidFill>
+                <a:miter lim="800000"/>
+                <a:headEnd/>
+                <a:tailEnd/>
+              </a14:hiddenLine>
+            </a:ext>
+            <a:ext uri="{AF507438-7753-43E0-B8FC-AC1667EBCBE1}">
+              <a14:hiddenEffects xmlns:a14="http://schemas.microsoft.com/office/drawing/2010/main">
+                <a:effectLst>
+                  <a:outerShdw dist="35921" dir="2700000" algn="ctr" rotWithShape="0">
+                    <a:schemeClr val="bg2"/>
+                  </a:outerShdw>
+                </a:effectLst>
+              </a14:hiddenEffects>
+            </a:ext>
+          </a:extLst>
+        </p:spPr>
+        <p:txBody>
+          <a:bodyPr vert="horz" wrap="none" lIns="91440" tIns="45720" rIns="91440" bIns="45720" numCol="1" anchor="ctr" anchorCtr="0" compatLnSpc="1">
+            <a:prstTxWarp prst="textNoShape">
+              <a:avLst/>
+            </a:prstTxWarp>
+            <a:spAutoFit/>
+          </a:bodyPr>
+          <a:lstStyle/>
+          <a:p>
+            <a:endParaRPr lang="ru-RU"/>
+          </a:p>
+        </p:txBody>
+      </p:sp>
+      <p:pic>
+        <p:nvPicPr>
+          <p:cNvPr id="40962" name="Picture 2" descr="https://habrastorage.org/getpro/habr/post_images/64f/ec3/120/64fec3120cdc76553df31a518c945243.png"/>
+          <p:cNvPicPr>
+            <a:picLocks noChangeAspect="1" noChangeArrowheads="1"/>
+          </p:cNvPicPr>
+          <p:nvPr/>
+        </p:nvPicPr>
+        <p:blipFill>
+          <a:blip r:embed="rId2">
+            <a:extLst>
+              <a:ext uri="{28A0092B-C50C-407E-A947-70E740481C1C}">
+                <a14:useLocalDpi xmlns:a14="http://schemas.microsoft.com/office/drawing/2010/main" val="0"/>
+              </a:ext>
+            </a:extLst>
+          </a:blip>
+          <a:srcRect/>
+          <a:stretch>
+            <a:fillRect/>
+          </a:stretch>
+        </p:blipFill>
+        <p:spPr bwMode="auto">
+          <a:xfrm>
+            <a:off x="2174875" y="1069975"/>
+            <a:ext cx="7419975" cy="4495800"/>
+          </a:xfrm>
+          <a:prstGeom prst="rect">
+            <a:avLst/>
+          </a:prstGeom>
+          <a:noFill/>
+          <a:extLst>
+            <a:ext uri="{909E8E84-426E-40DD-AFC4-6F175D3DCCD1}">
+              <a14:hiddenFill xmlns:a14="http://schemas.microsoft.com/office/drawing/2010/main">
+                <a:solidFill>
+                  <a:srgbClr val="FFFFFF"/>
+                </a:solidFill>
+              </a14:hiddenFill>
+            </a:ext>
+          </a:extLst>
+        </p:spPr>
+      </p:pic>
+      <p:pic>
+        <p:nvPicPr>
+          <p:cNvPr id="40964" name="Picture 4" descr="https://habrastorage.org/getpro/habr/post_images/648/bb4/554/648bb4554ef1f3f54332165a2172717e.png"/>
+          <p:cNvPicPr>
+            <a:picLocks noChangeAspect="1" noChangeArrowheads="1"/>
+          </p:cNvPicPr>
+          <p:nvPr/>
+        </p:nvPicPr>
+        <p:blipFill>
+          <a:blip r:embed="rId3">
+            <a:extLst>
+              <a:ext uri="{28A0092B-C50C-407E-A947-70E740481C1C}">
+                <a14:useLocalDpi xmlns:a14="http://schemas.microsoft.com/office/drawing/2010/main" val="0"/>
+              </a:ext>
+            </a:extLst>
+          </a:blip>
+          <a:srcRect/>
+          <a:stretch>
+            <a:fillRect/>
+          </a:stretch>
+        </p:blipFill>
+        <p:spPr bwMode="auto">
+          <a:xfrm>
+            <a:off x="2174874" y="1069975"/>
+            <a:ext cx="7419975" cy="4495800"/>
+          </a:xfrm>
+          <a:prstGeom prst="rect">
+            <a:avLst/>
+          </a:prstGeom>
+          <a:noFill/>
+          <a:extLst>
+            <a:ext uri="{909E8E84-426E-40DD-AFC4-6F175D3DCCD1}">
+              <a14:hiddenFill xmlns:a14="http://schemas.microsoft.com/office/drawing/2010/main">
+                <a:solidFill>
+                  <a:srgbClr val="FFFFFF"/>
+                </a:solidFill>
+              </a14:hiddenFill>
+            </a:ext>
+          </a:extLst>
+        </p:spPr>
+      </p:pic>
+      <p:pic>
+        <p:nvPicPr>
+          <p:cNvPr id="40966" name="Picture 6" descr="https://habrastorage.org/files/e74/68c/875/e7468c875acd4abba1b557e456ed52ed.png"/>
+          <p:cNvPicPr>
+            <a:picLocks noChangeAspect="1" noChangeArrowheads="1"/>
+          </p:cNvPicPr>
+          <p:nvPr/>
+        </p:nvPicPr>
+        <p:blipFill>
+          <a:blip r:embed="rId4">
+            <a:extLst>
+              <a:ext uri="{28A0092B-C50C-407E-A947-70E740481C1C}">
+                <a14:useLocalDpi xmlns:a14="http://schemas.microsoft.com/office/drawing/2010/main" val="0"/>
+              </a:ext>
+            </a:extLst>
+          </a:blip>
+          <a:srcRect/>
+          <a:stretch>
+            <a:fillRect/>
+          </a:stretch>
+        </p:blipFill>
+        <p:spPr bwMode="auto">
+          <a:xfrm>
+            <a:off x="549275" y="777875"/>
+            <a:ext cx="10963275" cy="5610225"/>
+          </a:xfrm>
+          <a:prstGeom prst="rect">
+            <a:avLst/>
+          </a:prstGeom>
+          <a:noFill/>
+          <a:extLst>
+            <a:ext uri="{909E8E84-426E-40DD-AFC4-6F175D3DCCD1}">
+              <a14:hiddenFill xmlns:a14="http://schemas.microsoft.com/office/drawing/2010/main">
+                <a:solidFill>
+                  <a:srgbClr val="FFFFFF"/>
+                </a:solidFill>
+              </a14:hiddenFill>
+            </a:ext>
+          </a:extLst>
+        </p:spPr>
+      </p:pic>
     </p:spTree>
     <p:extLst>
       <p:ext uri="{BB962C8B-B14F-4D97-AF65-F5344CB8AC3E}">
-        <p14:creationId xmlns:p14="http://schemas.microsoft.com/office/powerpoint/2010/main" val="1794860600"/>
+        <p14:creationId xmlns:p14="http://schemas.microsoft.com/office/powerpoint/2010/main" val="3987099913"/>
+      </p:ext>
+    </p:extLst>
+  </p:cSld>
+  <p:clrMapOvr>
+    <a:masterClrMapping/>
+  </p:clrMapOvr>
+  <p:timing>
+    <p:tnLst>
+      <p:par>
+        <p:cTn id="1" dur="indefinite" restart="never" nodeType="tmRoot">
+          <p:childTnLst>
+            <p:seq concurrent="1" nextAc="seek">
+              <p:cTn id="2" dur="indefinite" nodeType="mainSeq">
+                <p:childTnLst>
+                  <p:par>
+                    <p:cTn id="3" fill="hold">
+                      <p:stCondLst>
+                        <p:cond delay="indefinite"/>
+                      </p:stCondLst>
+                      <p:childTnLst>
+                        <p:par>
+                          <p:cTn id="4" fill="hold">
+                            <p:stCondLst>
+                              <p:cond delay="0"/>
+                            </p:stCondLst>
+                            <p:childTnLst>
+                              <p:par>
+                                <p:cTn id="5" presetID="1" presetClass="entr" presetSubtype="0" fill="hold" nodeType="clickEffect">
+                                  <p:stCondLst>
+                                    <p:cond delay="0"/>
+                                  </p:stCondLst>
+                                  <p:childTnLst>
+                                    <p:set>
+                                      <p:cBhvr>
+                                        <p:cTn id="6" dur="1" fill="hold">
+                                          <p:stCondLst>
+                                            <p:cond delay="0"/>
+                                          </p:stCondLst>
+                                        </p:cTn>
+                                        <p:tgtEl>
+                                          <p:spTgt spid="40962"/>
+                                        </p:tgtEl>
+                                        <p:attrNameLst>
+                                          <p:attrName>style.visibility</p:attrName>
+                                        </p:attrNameLst>
+                                      </p:cBhvr>
+                                      <p:to>
+                                        <p:strVal val="visible"/>
+                                      </p:to>
+                                    </p:set>
+                                  </p:childTnLst>
+                                </p:cTn>
+                              </p:par>
+                            </p:childTnLst>
+                          </p:cTn>
+                        </p:par>
+                      </p:childTnLst>
+                    </p:cTn>
+                  </p:par>
+                  <p:par>
+                    <p:cTn id="7" fill="hold">
+                      <p:stCondLst>
+                        <p:cond delay="indefinite"/>
+                      </p:stCondLst>
+                      <p:childTnLst>
+                        <p:par>
+                          <p:cTn id="8" fill="hold">
+                            <p:stCondLst>
+                              <p:cond delay="0"/>
+                            </p:stCondLst>
+                            <p:childTnLst>
+                              <p:par>
+                                <p:cTn id="9" presetID="1" presetClass="entr" presetSubtype="0" fill="hold" nodeType="clickEffect">
+                                  <p:stCondLst>
+                                    <p:cond delay="0"/>
+                                  </p:stCondLst>
+                                  <p:childTnLst>
+                                    <p:set>
+                                      <p:cBhvr>
+                                        <p:cTn id="10" dur="1" fill="hold">
+                                          <p:stCondLst>
+                                            <p:cond delay="0"/>
+                                          </p:stCondLst>
+                                        </p:cTn>
+                                        <p:tgtEl>
+                                          <p:spTgt spid="40964"/>
+                                        </p:tgtEl>
+                                        <p:attrNameLst>
+                                          <p:attrName>style.visibility</p:attrName>
+                                        </p:attrNameLst>
+                                      </p:cBhvr>
+                                      <p:to>
+                                        <p:strVal val="visible"/>
+                                      </p:to>
+                                    </p:set>
+                                  </p:childTnLst>
+                                </p:cTn>
+                              </p:par>
+                            </p:childTnLst>
+                          </p:cTn>
+                        </p:par>
+                      </p:childTnLst>
+                    </p:cTn>
+                  </p:par>
+                  <p:par>
+                    <p:cTn id="11" fill="hold">
+                      <p:stCondLst>
+                        <p:cond delay="indefinite"/>
+                      </p:stCondLst>
+                      <p:childTnLst>
+                        <p:par>
+                          <p:cTn id="12" fill="hold">
+                            <p:stCondLst>
+                              <p:cond delay="0"/>
+                            </p:stCondLst>
+                            <p:childTnLst>
+                              <p:par>
+                                <p:cTn id="13" presetID="1" presetClass="entr" presetSubtype="0" fill="hold" nodeType="clickEffect">
+                                  <p:stCondLst>
+                                    <p:cond delay="0"/>
+                                  </p:stCondLst>
+                                  <p:childTnLst>
+                                    <p:set>
+                                      <p:cBhvr>
+                                        <p:cTn id="14" dur="1" fill="hold">
+                                          <p:stCondLst>
+                                            <p:cond delay="0"/>
+                                          </p:stCondLst>
+                                        </p:cTn>
+                                        <p:tgtEl>
+                                          <p:spTgt spid="40966"/>
+                                        </p:tgtEl>
+                                        <p:attrNameLst>
+                                          <p:attrName>style.visibility</p:attrName>
+                                        </p:attrNameLst>
+                                      </p:cBhvr>
+                                      <p:to>
+                                        <p:strVal val="visible"/>
+                                      </p:to>
+                                    </p:set>
+                                  </p:childTnLst>
+                                </p:cTn>
+                              </p:par>
+                            </p:childTnLst>
+                          </p:cTn>
+                        </p:par>
+                      </p:childTnLst>
+                    </p:cTn>
+                  </p:par>
+                </p:childTnLst>
+              </p:cTn>
+              <p:prevCondLst>
+                <p:cond evt="onPrev" delay="0">
+                  <p:tgtEl>
+                    <p:sldTgt/>
+                  </p:tgtEl>
+                </p:cond>
+              </p:prevCondLst>
+              <p:nextCondLst>
+                <p:cond evt="onNext" delay="0">
+                  <p:tgtEl>
+                    <p:sldTgt/>
+                  </p:tgtEl>
+                </p:cond>
+              </p:nextCondLst>
+            </p:seq>
+          </p:childTnLst>
+        </p:cTn>
+      </p:par>
+    </p:tnLst>
+  </p:timing>
+</p:sld>
+</file>
+
+<file path=ppt/slides/slide8.xml><?xml version="1.0" encoding="utf-8"?>
+<p:sld xmlns:a="http://schemas.openxmlformats.org/drawingml/2006/main" xmlns:r="http://schemas.openxmlformats.org/officeDocument/2006/relationships" xmlns:p="http://schemas.openxmlformats.org/presentationml/2006/main">
+  <p:cSld>
+    <p:spTree>
+      <p:nvGrpSpPr>
+        <p:cNvPr id="1" name=""/>
+        <p:cNvGrpSpPr/>
+        <p:nvPr/>
+      </p:nvGrpSpPr>
+      <p:grpSpPr>
+        <a:xfrm>
+          <a:off x="0" y="0"/>
+          <a:ext cx="0" cy="0"/>
+          <a:chOff x="0" y="0"/>
+          <a:chExt cx="0" cy="0"/>
+        </a:xfrm>
+      </p:grpSpPr>
+      <p:sp>
+        <p:nvSpPr>
+          <p:cNvPr id="5" name="Заголовок 1"/>
+          <p:cNvSpPr>
+            <a:spLocks noGrp="1"/>
+          </p:cNvSpPr>
+          <p:nvPr>
+            <p:ph type="title"/>
+          </p:nvPr>
+        </p:nvSpPr>
+        <p:spPr>
+          <a:xfrm>
+            <a:off x="239483" y="117081"/>
+            <a:ext cx="11713034" cy="694418"/>
+          </a:xfrm>
+        </p:spPr>
+        <p:txBody>
+          <a:bodyPr>
+            <a:noAutofit/>
+          </a:bodyPr>
+          <a:lstStyle/>
+          <a:p>
+            <a:r>
+              <a:rPr lang="ru-RU" sz="3600" i="1" dirty="0">
+                <a:solidFill>
+                  <a:schemeClr val="tx2">
+                    <a:lumMod val="60000"/>
+                    <a:lumOff val="40000"/>
+                  </a:schemeClr>
+                </a:solidFill>
+              </a:rPr>
+              <a:t>Метод деревьев решений</a:t>
+            </a:r>
+            <a:r>
+              <a:rPr lang="en-US" sz="3600" i="1" dirty="0">
+                <a:solidFill>
+                  <a:schemeClr val="tx2">
+                    <a:lumMod val="60000"/>
+                    <a:lumOff val="40000"/>
+                  </a:schemeClr>
+                </a:solidFill>
+              </a:rPr>
+              <a:t>. </a:t>
+            </a:r>
+            <a:r>
+              <a:rPr lang="ru-RU" sz="3600" i="1" dirty="0" smtClean="0">
+                <a:solidFill>
+                  <a:schemeClr val="tx2">
+                    <a:lumMod val="60000"/>
+                    <a:lumOff val="40000"/>
+                  </a:schemeClr>
+                </a:solidFill>
+              </a:rPr>
+              <a:t>Область использования</a:t>
+            </a:r>
+            <a:endParaRPr lang="ru-RU" sz="3600" i="1" dirty="0">
+              <a:solidFill>
+                <a:schemeClr val="tx2">
+                  <a:lumMod val="60000"/>
+                  <a:lumOff val="40000"/>
+                </a:schemeClr>
+              </a:solidFill>
+            </a:endParaRPr>
+          </a:p>
+        </p:txBody>
+      </p:sp>
+      <p:sp>
+        <p:nvSpPr>
+          <p:cNvPr id="7" name="Нижний колонтитул 6"/>
+          <p:cNvSpPr>
+            <a:spLocks noGrp="1"/>
+          </p:cNvSpPr>
+          <p:nvPr>
+            <p:ph type="ftr" sz="quarter" idx="11"/>
+          </p:nvPr>
+        </p:nvSpPr>
+        <p:spPr/>
+        <p:txBody>
+          <a:bodyPr/>
+          <a:lstStyle/>
+          <a:p>
+            <a:r>
+              <a:rPr lang="ru-RU" dirty="0" smtClean="0"/>
+              <a:t>НИУ "МЭИ", Каф. </a:t>
+            </a:r>
+            <a:r>
+              <a:rPr lang="ru-RU" dirty="0" err="1" smtClean="0"/>
+              <a:t>УиИ</a:t>
+            </a:r>
+            <a:r>
+              <a:rPr lang="ru-RU" dirty="0" smtClean="0"/>
+              <a:t>, </a:t>
+            </a:r>
+            <a:r>
+              <a:rPr lang="ru-RU" dirty="0" smtClean="0"/>
+              <a:t>2018</a:t>
+            </a:r>
+            <a:endParaRPr lang="ru-RU" dirty="0"/>
+          </a:p>
+        </p:txBody>
+      </p:sp>
+      <p:sp>
+        <p:nvSpPr>
+          <p:cNvPr id="6" name="Номер слайда 5"/>
+          <p:cNvSpPr>
+            <a:spLocks noGrp="1"/>
+          </p:cNvSpPr>
+          <p:nvPr>
+            <p:ph type="sldNum" sz="quarter" idx="12"/>
+          </p:nvPr>
+        </p:nvSpPr>
+        <p:spPr/>
+        <p:txBody>
+          <a:bodyPr/>
+          <a:lstStyle/>
+          <a:p>
+            <a:fld id="{42B5FB3D-FCB6-4F02-96CD-8C0D52B29842}" type="slidenum">
+              <a:rPr lang="ru-RU" smtClean="0"/>
+              <a:t>8</a:t>
+            </a:fld>
+            <a:endParaRPr lang="ru-RU"/>
+          </a:p>
+        </p:txBody>
+      </p:sp>
+      <p:sp>
+        <p:nvSpPr>
+          <p:cNvPr id="3" name="Rectangle 2"/>
+          <p:cNvSpPr>
+            <a:spLocks noChangeArrowheads="1"/>
+          </p:cNvSpPr>
+          <p:nvPr/>
+        </p:nvSpPr>
+        <p:spPr bwMode="auto">
+          <a:xfrm>
+            <a:off x="0" y="0"/>
+            <a:ext cx="12192000" cy="0"/>
+          </a:xfrm>
+          <a:prstGeom prst="rect">
+            <a:avLst/>
+          </a:prstGeom>
+          <a:noFill/>
+          <a:ln>
+            <a:noFill/>
+          </a:ln>
+          <a:effectLst/>
+          <a:extLst>
+            <a:ext uri="{909E8E84-426E-40DD-AFC4-6F175D3DCCD1}">
+              <a14:hiddenFill xmlns:a14="http://schemas.microsoft.com/office/drawing/2010/main">
+                <a:solidFill>
+                  <a:schemeClr val="accent1"/>
+                </a:solidFill>
+              </a14:hiddenFill>
+            </a:ext>
+            <a:ext uri="{91240B29-F687-4F45-9708-019B960494DF}">
+              <a14:hiddenLine xmlns:a14="http://schemas.microsoft.com/office/drawing/2010/main" w="9525">
+                <a:solidFill>
+                  <a:schemeClr val="tx1"/>
+                </a:solidFill>
+                <a:miter lim="800000"/>
+                <a:headEnd/>
+                <a:tailEnd/>
+              </a14:hiddenLine>
+            </a:ext>
+            <a:ext uri="{AF507438-7753-43E0-B8FC-AC1667EBCBE1}">
+              <a14:hiddenEffects xmlns:a14="http://schemas.microsoft.com/office/drawing/2010/main">
+                <a:effectLst>
+                  <a:outerShdw dist="35921" dir="2700000" algn="ctr" rotWithShape="0">
+                    <a:schemeClr val="bg2"/>
+                  </a:outerShdw>
+                </a:effectLst>
+              </a14:hiddenEffects>
+            </a:ext>
+          </a:extLst>
+        </p:spPr>
+        <p:txBody>
+          <a:bodyPr vert="horz" wrap="none" lIns="91440" tIns="45720" rIns="91440" bIns="45720" numCol="1" anchor="ctr" anchorCtr="0" compatLnSpc="1">
+            <a:prstTxWarp prst="textNoShape">
+              <a:avLst/>
+            </a:prstTxWarp>
+            <a:spAutoFit/>
+          </a:bodyPr>
+          <a:lstStyle/>
+          <a:p>
+            <a:endParaRPr lang="ru-RU"/>
+          </a:p>
+        </p:txBody>
+      </p:sp>
+      <p:sp>
+        <p:nvSpPr>
+          <p:cNvPr id="8" name="Rectangle 4"/>
+          <p:cNvSpPr>
+            <a:spLocks noChangeArrowheads="1"/>
+          </p:cNvSpPr>
+          <p:nvPr/>
+        </p:nvSpPr>
+        <p:spPr bwMode="auto">
+          <a:xfrm>
+            <a:off x="0" y="0"/>
+            <a:ext cx="12192000" cy="0"/>
+          </a:xfrm>
+          <a:prstGeom prst="rect">
+            <a:avLst/>
+          </a:prstGeom>
+          <a:noFill/>
+          <a:ln>
+            <a:noFill/>
+          </a:ln>
+          <a:effectLst/>
+          <a:extLst>
+            <a:ext uri="{909E8E84-426E-40DD-AFC4-6F175D3DCCD1}">
+              <a14:hiddenFill xmlns:a14="http://schemas.microsoft.com/office/drawing/2010/main">
+                <a:solidFill>
+                  <a:schemeClr val="accent1"/>
+                </a:solidFill>
+              </a14:hiddenFill>
+            </a:ext>
+            <a:ext uri="{91240B29-F687-4F45-9708-019B960494DF}">
+              <a14:hiddenLine xmlns:a14="http://schemas.microsoft.com/office/drawing/2010/main" w="9525">
+                <a:solidFill>
+                  <a:schemeClr val="tx1"/>
+                </a:solidFill>
+                <a:miter lim="800000"/>
+                <a:headEnd/>
+                <a:tailEnd/>
+              </a14:hiddenLine>
+            </a:ext>
+            <a:ext uri="{AF507438-7753-43E0-B8FC-AC1667EBCBE1}">
+              <a14:hiddenEffects xmlns:a14="http://schemas.microsoft.com/office/drawing/2010/main">
+                <a:effectLst>
+                  <a:outerShdw dist="35921" dir="2700000" algn="ctr" rotWithShape="0">
+                    <a:schemeClr val="bg2"/>
+                  </a:outerShdw>
+                </a:effectLst>
+              </a14:hiddenEffects>
+            </a:ext>
+          </a:extLst>
+        </p:spPr>
+        <p:txBody>
+          <a:bodyPr vert="horz" wrap="none" lIns="91440" tIns="45720" rIns="91440" bIns="45720" numCol="1" anchor="ctr" anchorCtr="0" compatLnSpc="1">
+            <a:prstTxWarp prst="textNoShape">
+              <a:avLst/>
+            </a:prstTxWarp>
+            <a:spAutoFit/>
+          </a:bodyPr>
+          <a:lstStyle/>
+          <a:p>
+            <a:endParaRPr lang="ru-RU"/>
+          </a:p>
+        </p:txBody>
+      </p:sp>
+      <p:sp>
+        <p:nvSpPr>
+          <p:cNvPr id="11" name="Rectangle 7"/>
+          <p:cNvSpPr>
+            <a:spLocks noChangeArrowheads="1"/>
+          </p:cNvSpPr>
+          <p:nvPr/>
+        </p:nvSpPr>
+        <p:spPr bwMode="auto">
+          <a:xfrm>
+            <a:off x="0" y="0"/>
+            <a:ext cx="12192000" cy="0"/>
+          </a:xfrm>
+          <a:prstGeom prst="rect">
+            <a:avLst/>
+          </a:prstGeom>
+          <a:noFill/>
+          <a:ln>
+            <a:noFill/>
+          </a:ln>
+          <a:effectLst/>
+          <a:extLst>
+            <a:ext uri="{909E8E84-426E-40DD-AFC4-6F175D3DCCD1}">
+              <a14:hiddenFill xmlns:a14="http://schemas.microsoft.com/office/drawing/2010/main">
+                <a:solidFill>
+                  <a:schemeClr val="accent1"/>
+                </a:solidFill>
+              </a14:hiddenFill>
+            </a:ext>
+            <a:ext uri="{91240B29-F687-4F45-9708-019B960494DF}">
+              <a14:hiddenLine xmlns:a14="http://schemas.microsoft.com/office/drawing/2010/main" w="9525">
+                <a:solidFill>
+                  <a:schemeClr val="tx1"/>
+                </a:solidFill>
+                <a:miter lim="800000"/>
+                <a:headEnd/>
+                <a:tailEnd/>
+              </a14:hiddenLine>
+            </a:ext>
+            <a:ext uri="{AF507438-7753-43E0-B8FC-AC1667EBCBE1}">
+              <a14:hiddenEffects xmlns:a14="http://schemas.microsoft.com/office/drawing/2010/main">
+                <a:effectLst>
+                  <a:outerShdw dist="35921" dir="2700000" algn="ctr" rotWithShape="0">
+                    <a:schemeClr val="bg2"/>
+                  </a:outerShdw>
+                </a:effectLst>
+              </a14:hiddenEffects>
+            </a:ext>
+          </a:extLst>
+        </p:spPr>
+        <p:txBody>
+          <a:bodyPr vert="horz" wrap="none" lIns="91440" tIns="45720" rIns="91440" bIns="45720" numCol="1" anchor="ctr" anchorCtr="0" compatLnSpc="1">
+            <a:prstTxWarp prst="textNoShape">
+              <a:avLst/>
+            </a:prstTxWarp>
+            <a:spAutoFit/>
+          </a:bodyPr>
+          <a:lstStyle/>
+          <a:p>
+            <a:endParaRPr lang="ru-RU"/>
+          </a:p>
+        </p:txBody>
+      </p:sp>
+      <p:sp>
+        <p:nvSpPr>
+          <p:cNvPr id="13" name="Rectangle 9"/>
+          <p:cNvSpPr>
+            <a:spLocks noChangeArrowheads="1"/>
+          </p:cNvSpPr>
+          <p:nvPr/>
+        </p:nvSpPr>
+        <p:spPr bwMode="auto">
+          <a:xfrm>
+            <a:off x="0" y="0"/>
+            <a:ext cx="12192000" cy="0"/>
+          </a:xfrm>
+          <a:prstGeom prst="rect">
+            <a:avLst/>
+          </a:prstGeom>
+          <a:noFill/>
+          <a:ln>
+            <a:noFill/>
+          </a:ln>
+          <a:effectLst/>
+          <a:extLst>
+            <a:ext uri="{909E8E84-426E-40DD-AFC4-6F175D3DCCD1}">
+              <a14:hiddenFill xmlns:a14="http://schemas.microsoft.com/office/drawing/2010/main">
+                <a:solidFill>
+                  <a:schemeClr val="accent1"/>
+                </a:solidFill>
+              </a14:hiddenFill>
+            </a:ext>
+            <a:ext uri="{91240B29-F687-4F45-9708-019B960494DF}">
+              <a14:hiddenLine xmlns:a14="http://schemas.microsoft.com/office/drawing/2010/main" w="9525">
+                <a:solidFill>
+                  <a:schemeClr val="tx1"/>
+                </a:solidFill>
+                <a:miter lim="800000"/>
+                <a:headEnd/>
+                <a:tailEnd/>
+              </a14:hiddenLine>
+            </a:ext>
+            <a:ext uri="{AF507438-7753-43E0-B8FC-AC1667EBCBE1}">
+              <a14:hiddenEffects xmlns:a14="http://schemas.microsoft.com/office/drawing/2010/main">
+                <a:effectLst>
+                  <a:outerShdw dist="35921" dir="2700000" algn="ctr" rotWithShape="0">
+                    <a:schemeClr val="bg2"/>
+                  </a:outerShdw>
+                </a:effectLst>
+              </a14:hiddenEffects>
+            </a:ext>
+          </a:extLst>
+        </p:spPr>
+        <p:txBody>
+          <a:bodyPr vert="horz" wrap="none" lIns="91440" tIns="45720" rIns="91440" bIns="45720" numCol="1" anchor="ctr" anchorCtr="0" compatLnSpc="1">
+            <a:prstTxWarp prst="textNoShape">
+              <a:avLst/>
+            </a:prstTxWarp>
+            <a:spAutoFit/>
+          </a:bodyPr>
+          <a:lstStyle/>
+          <a:p>
+            <a:endParaRPr lang="ru-RU"/>
+          </a:p>
+        </p:txBody>
+      </p:sp>
+      <p:sp>
+        <p:nvSpPr>
+          <p:cNvPr id="37888" name="Rectangle 2"/>
+          <p:cNvSpPr>
+            <a:spLocks noChangeArrowheads="1"/>
+          </p:cNvSpPr>
+          <p:nvPr/>
+        </p:nvSpPr>
+        <p:spPr bwMode="auto">
+          <a:xfrm>
+            <a:off x="0" y="0"/>
+            <a:ext cx="12192000" cy="0"/>
+          </a:xfrm>
+          <a:prstGeom prst="rect">
+            <a:avLst/>
+          </a:prstGeom>
+          <a:noFill/>
+          <a:ln>
+            <a:noFill/>
+          </a:ln>
+          <a:effectLst/>
+          <a:extLst>
+            <a:ext uri="{909E8E84-426E-40DD-AFC4-6F175D3DCCD1}">
+              <a14:hiddenFill xmlns:a14="http://schemas.microsoft.com/office/drawing/2010/main">
+                <a:solidFill>
+                  <a:schemeClr val="accent1"/>
+                </a:solidFill>
+              </a14:hiddenFill>
+            </a:ext>
+            <a:ext uri="{91240B29-F687-4F45-9708-019B960494DF}">
+              <a14:hiddenLine xmlns:a14="http://schemas.microsoft.com/office/drawing/2010/main" w="9525">
+                <a:solidFill>
+                  <a:schemeClr val="tx1"/>
+                </a:solidFill>
+                <a:miter lim="800000"/>
+                <a:headEnd/>
+                <a:tailEnd/>
+              </a14:hiddenLine>
+            </a:ext>
+            <a:ext uri="{AF507438-7753-43E0-B8FC-AC1667EBCBE1}">
+              <a14:hiddenEffects xmlns:a14="http://schemas.microsoft.com/office/drawing/2010/main">
+                <a:effectLst>
+                  <a:outerShdw dist="35921" dir="2700000" algn="ctr" rotWithShape="0">
+                    <a:schemeClr val="bg2"/>
+                  </a:outerShdw>
+                </a:effectLst>
+              </a14:hiddenEffects>
+            </a:ext>
+          </a:extLst>
+        </p:spPr>
+        <p:txBody>
+          <a:bodyPr vert="horz" wrap="none" lIns="91440" tIns="45720" rIns="91440" bIns="45720" numCol="1" anchor="ctr" anchorCtr="0" compatLnSpc="1">
+            <a:prstTxWarp prst="textNoShape">
+              <a:avLst/>
+            </a:prstTxWarp>
+            <a:spAutoFit/>
+          </a:bodyPr>
+          <a:lstStyle/>
+          <a:p>
+            <a:endParaRPr lang="ru-RU"/>
+          </a:p>
+        </p:txBody>
+      </p:sp>
+      <p:sp>
+        <p:nvSpPr>
+          <p:cNvPr id="37890" name="Rectangle 4"/>
+          <p:cNvSpPr>
+            <a:spLocks noChangeArrowheads="1"/>
+          </p:cNvSpPr>
+          <p:nvPr/>
+        </p:nvSpPr>
+        <p:spPr bwMode="auto">
+          <a:xfrm>
+            <a:off x="0" y="0"/>
+            <a:ext cx="12192000" cy="0"/>
+          </a:xfrm>
+          <a:prstGeom prst="rect">
+            <a:avLst/>
+          </a:prstGeom>
+          <a:noFill/>
+          <a:ln>
+            <a:noFill/>
+          </a:ln>
+          <a:effectLst/>
+          <a:extLst>
+            <a:ext uri="{909E8E84-426E-40DD-AFC4-6F175D3DCCD1}">
+              <a14:hiddenFill xmlns:a14="http://schemas.microsoft.com/office/drawing/2010/main">
+                <a:solidFill>
+                  <a:schemeClr val="accent1"/>
+                </a:solidFill>
+              </a14:hiddenFill>
+            </a:ext>
+            <a:ext uri="{91240B29-F687-4F45-9708-019B960494DF}">
+              <a14:hiddenLine xmlns:a14="http://schemas.microsoft.com/office/drawing/2010/main" w="9525">
+                <a:solidFill>
+                  <a:schemeClr val="tx1"/>
+                </a:solidFill>
+                <a:miter lim="800000"/>
+                <a:headEnd/>
+                <a:tailEnd/>
+              </a14:hiddenLine>
+            </a:ext>
+            <a:ext uri="{AF507438-7753-43E0-B8FC-AC1667EBCBE1}">
+              <a14:hiddenEffects xmlns:a14="http://schemas.microsoft.com/office/drawing/2010/main">
+                <a:effectLst>
+                  <a:outerShdw dist="35921" dir="2700000" algn="ctr" rotWithShape="0">
+                    <a:schemeClr val="bg2"/>
+                  </a:outerShdw>
+                </a:effectLst>
+              </a14:hiddenEffects>
+            </a:ext>
+          </a:extLst>
+        </p:spPr>
+        <p:txBody>
+          <a:bodyPr vert="horz" wrap="none" lIns="91440" tIns="45720" rIns="91440" bIns="45720" numCol="1" anchor="ctr" anchorCtr="0" compatLnSpc="1">
+            <a:prstTxWarp prst="textNoShape">
+              <a:avLst/>
+            </a:prstTxWarp>
+            <a:spAutoFit/>
+          </a:bodyPr>
+          <a:lstStyle/>
+          <a:p>
+            <a:endParaRPr lang="ru-RU"/>
+          </a:p>
+        </p:txBody>
+      </p:sp>
+      <p:sp>
+        <p:nvSpPr>
+          <p:cNvPr id="37892" name="Rectangle 6"/>
+          <p:cNvSpPr>
+            <a:spLocks noChangeArrowheads="1"/>
+          </p:cNvSpPr>
+          <p:nvPr/>
+        </p:nvSpPr>
+        <p:spPr bwMode="auto">
+          <a:xfrm>
+            <a:off x="0" y="0"/>
+            <a:ext cx="12192000" cy="0"/>
+          </a:xfrm>
+          <a:prstGeom prst="rect">
+            <a:avLst/>
+          </a:prstGeom>
+          <a:noFill/>
+          <a:ln>
+            <a:noFill/>
+          </a:ln>
+          <a:effectLst/>
+          <a:extLst>
+            <a:ext uri="{909E8E84-426E-40DD-AFC4-6F175D3DCCD1}">
+              <a14:hiddenFill xmlns:a14="http://schemas.microsoft.com/office/drawing/2010/main">
+                <a:solidFill>
+                  <a:schemeClr val="accent1"/>
+                </a:solidFill>
+              </a14:hiddenFill>
+            </a:ext>
+            <a:ext uri="{91240B29-F687-4F45-9708-019B960494DF}">
+              <a14:hiddenLine xmlns:a14="http://schemas.microsoft.com/office/drawing/2010/main" w="9525">
+                <a:solidFill>
+                  <a:schemeClr val="tx1"/>
+                </a:solidFill>
+                <a:miter lim="800000"/>
+                <a:headEnd/>
+                <a:tailEnd/>
+              </a14:hiddenLine>
+            </a:ext>
+            <a:ext uri="{AF507438-7753-43E0-B8FC-AC1667EBCBE1}">
+              <a14:hiddenEffects xmlns:a14="http://schemas.microsoft.com/office/drawing/2010/main">
+                <a:effectLst>
+                  <a:outerShdw dist="35921" dir="2700000" algn="ctr" rotWithShape="0">
+                    <a:schemeClr val="bg2"/>
+                  </a:outerShdw>
+                </a:effectLst>
+              </a14:hiddenEffects>
+            </a:ext>
+          </a:extLst>
+        </p:spPr>
+        <p:txBody>
+          <a:bodyPr vert="horz" wrap="none" lIns="91440" tIns="45720" rIns="91440" bIns="45720" numCol="1" anchor="ctr" anchorCtr="0" compatLnSpc="1">
+            <a:prstTxWarp prst="textNoShape">
+              <a:avLst/>
+            </a:prstTxWarp>
+            <a:spAutoFit/>
+          </a:bodyPr>
+          <a:lstStyle/>
+          <a:p>
+            <a:endParaRPr lang="ru-RU"/>
+          </a:p>
+        </p:txBody>
+      </p:sp>
+      <p:pic>
+        <p:nvPicPr>
+          <p:cNvPr id="41986" name="Picture 2" descr="https://habrastorage.org/files/c6f/f70/de5/c6ff70de55794bbfb4855dea661d5d09.png"/>
+          <p:cNvPicPr>
+            <a:picLocks noChangeAspect="1" noChangeArrowheads="1"/>
+          </p:cNvPicPr>
+          <p:nvPr/>
+        </p:nvPicPr>
+        <p:blipFill>
+          <a:blip r:embed="rId2">
+            <a:extLst>
+              <a:ext uri="{28A0092B-C50C-407E-A947-70E740481C1C}">
+                <a14:useLocalDpi xmlns:a14="http://schemas.microsoft.com/office/drawing/2010/main" val="0"/>
+              </a:ext>
+            </a:extLst>
+          </a:blip>
+          <a:srcRect/>
+          <a:stretch>
+            <a:fillRect/>
+          </a:stretch>
+        </p:blipFill>
+        <p:spPr bwMode="auto">
+          <a:xfrm>
+            <a:off x="439736" y="1772166"/>
+            <a:ext cx="4610100" cy="4457700"/>
+          </a:xfrm>
+          <a:prstGeom prst="rect">
+            <a:avLst/>
+          </a:prstGeom>
+          <a:noFill/>
+          <a:extLst>
+            <a:ext uri="{909E8E84-426E-40DD-AFC4-6F175D3DCCD1}">
+              <a14:hiddenFill xmlns:a14="http://schemas.microsoft.com/office/drawing/2010/main">
+                <a:solidFill>
+                  <a:srgbClr val="FFFFFF"/>
+                </a:solidFill>
+              </a14:hiddenFill>
+            </a:ext>
+          </a:extLst>
+        </p:spPr>
+      </p:pic>
+      <p:sp>
+        <p:nvSpPr>
+          <p:cNvPr id="2" name="TextBox 1"/>
+          <p:cNvSpPr txBox="1"/>
+          <p:nvPr/>
+        </p:nvSpPr>
+        <p:spPr>
+          <a:xfrm>
+            <a:off x="1006473" y="848836"/>
+            <a:ext cx="4746627" cy="923330"/>
+          </a:xfrm>
+          <a:prstGeom prst="rect">
+            <a:avLst/>
+          </a:prstGeom>
+          <a:noFill/>
+        </p:spPr>
+        <p:txBody>
+          <a:bodyPr wrap="square" rtlCol="0">
+            <a:spAutoFit/>
+          </a:bodyPr>
+          <a:lstStyle/>
+          <a:p>
+            <a:r>
+              <a:rPr lang="ru-RU" dirty="0" smtClean="0"/>
+              <a:t>Сравнение линейных алгоритмов и алгоритмов, основанных на деревьях решений:</a:t>
+            </a:r>
+            <a:endParaRPr lang="ru-RU" dirty="0"/>
+          </a:p>
+        </p:txBody>
+      </p:sp>
+      <p:sp>
+        <p:nvSpPr>
+          <p:cNvPr id="4" name="TextBox 3"/>
+          <p:cNvSpPr txBox="1"/>
+          <p:nvPr/>
+        </p:nvSpPr>
+        <p:spPr>
+          <a:xfrm>
+            <a:off x="6184900" y="941169"/>
+            <a:ext cx="5435600" cy="3139321"/>
+          </a:xfrm>
+          <a:prstGeom prst="rect">
+            <a:avLst/>
+          </a:prstGeom>
+          <a:noFill/>
+        </p:spPr>
+        <p:txBody>
+          <a:bodyPr wrap="square" rtlCol="0">
+            <a:spAutoFit/>
+          </a:bodyPr>
+          <a:lstStyle/>
+          <a:p>
+            <a:r>
+              <a:rPr lang="ru-RU" dirty="0" smtClean="0"/>
+              <a:t>Недостатки: </a:t>
+            </a:r>
+          </a:p>
+          <a:p>
+            <a:pPr marL="285750" indent="-285750">
+              <a:buFont typeface="Arial" panose="020B0604020202020204" pitchFamily="34" charset="0"/>
+              <a:buChar char="•"/>
+            </a:pPr>
+            <a:r>
+              <a:rPr lang="ru-RU" dirty="0" smtClean="0"/>
+              <a:t>Алгоритмы «локальны», не </a:t>
+            </a:r>
+            <a:r>
+              <a:rPr lang="ru-RU" dirty="0"/>
+              <a:t>могут обеспечить оптимальность всего дерева в </a:t>
+            </a:r>
+            <a:r>
+              <a:rPr lang="ru-RU" dirty="0" smtClean="0"/>
+              <a:t>целом</a:t>
+            </a:r>
+          </a:p>
+          <a:p>
+            <a:pPr marL="285750" indent="-285750">
+              <a:buFont typeface="Arial" panose="020B0604020202020204" pitchFamily="34" charset="0"/>
+              <a:buChar char="•"/>
+            </a:pPr>
+            <a:r>
+              <a:rPr lang="ru-RU" dirty="0" smtClean="0"/>
+              <a:t>Свойственна проблема «</a:t>
+            </a:r>
+            <a:r>
+              <a:rPr lang="ru-RU" dirty="0" err="1" smtClean="0"/>
+              <a:t>переобученности</a:t>
+            </a:r>
+            <a:r>
+              <a:rPr lang="ru-RU" dirty="0" smtClean="0"/>
+              <a:t>»</a:t>
+            </a:r>
+          </a:p>
+          <a:p>
+            <a:endParaRPr lang="ru-RU" dirty="0"/>
+          </a:p>
+          <a:p>
+            <a:r>
+              <a:rPr lang="ru-RU" dirty="0" smtClean="0"/>
+              <a:t>Достоинства</a:t>
+            </a:r>
+          </a:p>
+          <a:p>
+            <a:pPr marL="285750" indent="-285750">
+              <a:buFont typeface="Arial" panose="020B0604020202020204" pitchFamily="34" charset="0"/>
+              <a:buChar char="•"/>
+            </a:pPr>
+            <a:r>
+              <a:rPr lang="ru-RU" dirty="0"/>
+              <a:t>Прост в понимании и </a:t>
+            </a:r>
+            <a:r>
+              <a:rPr lang="ru-RU" dirty="0" smtClean="0"/>
+              <a:t>интерпретации</a:t>
+            </a:r>
+          </a:p>
+          <a:p>
+            <a:pPr marL="285750" indent="-285750">
+              <a:buFont typeface="Arial" panose="020B0604020202020204" pitchFamily="34" charset="0"/>
+              <a:buChar char="•"/>
+            </a:pPr>
+            <a:r>
+              <a:rPr lang="ru-RU" dirty="0"/>
+              <a:t>Не требует </a:t>
+            </a:r>
+            <a:r>
+              <a:rPr lang="ru-RU" dirty="0" smtClean="0"/>
+              <a:t>предварительной обработки данных</a:t>
+            </a:r>
+          </a:p>
+          <a:p>
+            <a:pPr marL="285750" indent="-285750">
+              <a:buFont typeface="Arial" panose="020B0604020202020204" pitchFamily="34" charset="0"/>
+              <a:buChar char="•"/>
+            </a:pPr>
+            <a:r>
+              <a:rPr lang="ru-RU" dirty="0"/>
+              <a:t>Метод хорошо работает даже в том случае, если были нарушены первоначальные предположения, включенные в модель.</a:t>
+            </a:r>
+            <a:endParaRPr lang="ru-RU" dirty="0" smtClean="0"/>
+          </a:p>
+        </p:txBody>
+      </p:sp>
+    </p:spTree>
+    <p:extLst>
+      <p:ext uri="{BB962C8B-B14F-4D97-AF65-F5344CB8AC3E}">
+        <p14:creationId xmlns:p14="http://schemas.microsoft.com/office/powerpoint/2010/main" val="444572352"/>
+      </p:ext>
+    </p:extLst>
+  </p:cSld>
+  <p:clrMapOvr>
+    <a:masterClrMapping/>
+  </p:clrMapOvr>
+  <p:timing>
+    <p:tnLst>
+      <p:par>
+        <p:cTn id="1" dur="indefinite" restart="never" nodeType="tmRoot"/>
+      </p:par>
+    </p:tnLst>
+  </p:timing>
+</p:sld>
+</file>
+
+<file path=ppt/slides/slide9.xml><?xml version="1.0" encoding="utf-8"?>
+<p:sld xmlns:a="http://schemas.openxmlformats.org/drawingml/2006/main" xmlns:r="http://schemas.openxmlformats.org/officeDocument/2006/relationships" xmlns:p="http://schemas.openxmlformats.org/presentationml/2006/main">
+  <p:cSld>
+    <p:spTree>
+      <p:nvGrpSpPr>
+        <p:cNvPr id="1" name=""/>
+        <p:cNvGrpSpPr/>
+        <p:nvPr/>
+      </p:nvGrpSpPr>
+      <p:grpSpPr>
+        <a:xfrm>
+          <a:off x="0" y="0"/>
+          <a:ext cx="0" cy="0"/>
+          <a:chOff x="0" y="0"/>
+          <a:chExt cx="0" cy="0"/>
+        </a:xfrm>
+      </p:grpSpPr>
+      <p:sp>
+        <p:nvSpPr>
+          <p:cNvPr id="5" name="Заголовок 1"/>
+          <p:cNvSpPr>
+            <a:spLocks noGrp="1"/>
+          </p:cNvSpPr>
+          <p:nvPr>
+            <p:ph type="title"/>
+          </p:nvPr>
+        </p:nvSpPr>
+        <p:spPr>
+          <a:xfrm>
+            <a:off x="239483" y="117081"/>
+            <a:ext cx="11713034" cy="694418"/>
+          </a:xfrm>
+        </p:spPr>
+        <p:txBody>
+          <a:bodyPr>
+            <a:noAutofit/>
+          </a:bodyPr>
+          <a:lstStyle/>
+          <a:p>
+            <a:r>
+              <a:rPr lang="ru-RU" sz="3600" i="1" dirty="0" smtClean="0">
+                <a:solidFill>
+                  <a:schemeClr val="tx2">
+                    <a:lumMod val="60000"/>
+                    <a:lumOff val="40000"/>
+                  </a:schemeClr>
+                </a:solidFill>
+              </a:rPr>
+              <a:t>Случайный лес (</a:t>
+            </a:r>
+            <a:r>
+              <a:rPr lang="en-US" sz="3600" i="1" dirty="0" smtClean="0">
+                <a:solidFill>
+                  <a:schemeClr val="tx2">
+                    <a:lumMod val="60000"/>
+                    <a:lumOff val="40000"/>
+                  </a:schemeClr>
+                </a:solidFill>
+              </a:rPr>
+              <a:t>Random Forest)</a:t>
+            </a:r>
+            <a:endParaRPr lang="ru-RU" sz="3600" i="1" dirty="0">
+              <a:solidFill>
+                <a:schemeClr val="tx2">
+                  <a:lumMod val="60000"/>
+                  <a:lumOff val="40000"/>
+                </a:schemeClr>
+              </a:solidFill>
+            </a:endParaRPr>
+          </a:p>
+        </p:txBody>
+      </p:sp>
+      <p:sp>
+        <p:nvSpPr>
+          <p:cNvPr id="7" name="Нижний колонтитул 6"/>
+          <p:cNvSpPr>
+            <a:spLocks noGrp="1"/>
+          </p:cNvSpPr>
+          <p:nvPr>
+            <p:ph type="ftr" sz="quarter" idx="11"/>
+          </p:nvPr>
+        </p:nvSpPr>
+        <p:spPr/>
+        <p:txBody>
+          <a:bodyPr/>
+          <a:lstStyle/>
+          <a:p>
+            <a:r>
+              <a:rPr lang="ru-RU" dirty="0" smtClean="0"/>
+              <a:t>НИУ "МЭИ", Каф. </a:t>
+            </a:r>
+            <a:r>
+              <a:rPr lang="ru-RU" dirty="0" err="1" smtClean="0"/>
+              <a:t>УиИ</a:t>
+            </a:r>
+            <a:r>
+              <a:rPr lang="ru-RU" dirty="0" smtClean="0"/>
+              <a:t>, </a:t>
+            </a:r>
+            <a:r>
+              <a:rPr lang="ru-RU" dirty="0" smtClean="0"/>
+              <a:t>2018</a:t>
+            </a:r>
+            <a:endParaRPr lang="ru-RU" dirty="0"/>
+          </a:p>
+        </p:txBody>
+      </p:sp>
+      <p:sp>
+        <p:nvSpPr>
+          <p:cNvPr id="6" name="Номер слайда 5"/>
+          <p:cNvSpPr>
+            <a:spLocks noGrp="1"/>
+          </p:cNvSpPr>
+          <p:nvPr>
+            <p:ph type="sldNum" sz="quarter" idx="12"/>
+          </p:nvPr>
+        </p:nvSpPr>
+        <p:spPr/>
+        <p:txBody>
+          <a:bodyPr/>
+          <a:lstStyle/>
+          <a:p>
+            <a:fld id="{42B5FB3D-FCB6-4F02-96CD-8C0D52B29842}" type="slidenum">
+              <a:rPr lang="ru-RU" smtClean="0"/>
+              <a:t>9</a:t>
+            </a:fld>
+            <a:endParaRPr lang="ru-RU"/>
+          </a:p>
+        </p:txBody>
+      </p:sp>
+      <p:sp>
+        <p:nvSpPr>
+          <p:cNvPr id="3" name="Rectangle 2"/>
+          <p:cNvSpPr>
+            <a:spLocks noChangeArrowheads="1"/>
+          </p:cNvSpPr>
+          <p:nvPr/>
+        </p:nvSpPr>
+        <p:spPr bwMode="auto">
+          <a:xfrm>
+            <a:off x="0" y="0"/>
+            <a:ext cx="12192000" cy="0"/>
+          </a:xfrm>
+          <a:prstGeom prst="rect">
+            <a:avLst/>
+          </a:prstGeom>
+          <a:noFill/>
+          <a:ln>
+            <a:noFill/>
+          </a:ln>
+          <a:effectLst/>
+          <a:extLst>
+            <a:ext uri="{909E8E84-426E-40DD-AFC4-6F175D3DCCD1}">
+              <a14:hiddenFill xmlns:a14="http://schemas.microsoft.com/office/drawing/2010/main">
+                <a:solidFill>
+                  <a:schemeClr val="accent1"/>
+                </a:solidFill>
+              </a14:hiddenFill>
+            </a:ext>
+            <a:ext uri="{91240B29-F687-4F45-9708-019B960494DF}">
+              <a14:hiddenLine xmlns:a14="http://schemas.microsoft.com/office/drawing/2010/main" w="9525">
+                <a:solidFill>
+                  <a:schemeClr val="tx1"/>
+                </a:solidFill>
+                <a:miter lim="800000"/>
+                <a:headEnd/>
+                <a:tailEnd/>
+              </a14:hiddenLine>
+            </a:ext>
+            <a:ext uri="{AF507438-7753-43E0-B8FC-AC1667EBCBE1}">
+              <a14:hiddenEffects xmlns:a14="http://schemas.microsoft.com/office/drawing/2010/main">
+                <a:effectLst>
+                  <a:outerShdw dist="35921" dir="2700000" algn="ctr" rotWithShape="0">
+                    <a:schemeClr val="bg2"/>
+                  </a:outerShdw>
+                </a:effectLst>
+              </a14:hiddenEffects>
+            </a:ext>
+          </a:extLst>
+        </p:spPr>
+        <p:txBody>
+          <a:bodyPr vert="horz" wrap="none" lIns="91440" tIns="45720" rIns="91440" bIns="45720" numCol="1" anchor="ctr" anchorCtr="0" compatLnSpc="1">
+            <a:prstTxWarp prst="textNoShape">
+              <a:avLst/>
+            </a:prstTxWarp>
+            <a:spAutoFit/>
+          </a:bodyPr>
+          <a:lstStyle/>
+          <a:p>
+            <a:endParaRPr lang="ru-RU"/>
+          </a:p>
+        </p:txBody>
+      </p:sp>
+      <p:sp>
+        <p:nvSpPr>
+          <p:cNvPr id="8" name="Rectangle 4"/>
+          <p:cNvSpPr>
+            <a:spLocks noChangeArrowheads="1"/>
+          </p:cNvSpPr>
+          <p:nvPr/>
+        </p:nvSpPr>
+        <p:spPr bwMode="auto">
+          <a:xfrm>
+            <a:off x="0" y="0"/>
+            <a:ext cx="12192000" cy="0"/>
+          </a:xfrm>
+          <a:prstGeom prst="rect">
+            <a:avLst/>
+          </a:prstGeom>
+          <a:noFill/>
+          <a:ln>
+            <a:noFill/>
+          </a:ln>
+          <a:effectLst/>
+          <a:extLst>
+            <a:ext uri="{909E8E84-426E-40DD-AFC4-6F175D3DCCD1}">
+              <a14:hiddenFill xmlns:a14="http://schemas.microsoft.com/office/drawing/2010/main">
+                <a:solidFill>
+                  <a:schemeClr val="accent1"/>
+                </a:solidFill>
+              </a14:hiddenFill>
+            </a:ext>
+            <a:ext uri="{91240B29-F687-4F45-9708-019B960494DF}">
+              <a14:hiddenLine xmlns:a14="http://schemas.microsoft.com/office/drawing/2010/main" w="9525">
+                <a:solidFill>
+                  <a:schemeClr val="tx1"/>
+                </a:solidFill>
+                <a:miter lim="800000"/>
+                <a:headEnd/>
+                <a:tailEnd/>
+              </a14:hiddenLine>
+            </a:ext>
+            <a:ext uri="{AF507438-7753-43E0-B8FC-AC1667EBCBE1}">
+              <a14:hiddenEffects xmlns:a14="http://schemas.microsoft.com/office/drawing/2010/main">
+                <a:effectLst>
+                  <a:outerShdw dist="35921" dir="2700000" algn="ctr" rotWithShape="0">
+                    <a:schemeClr val="bg2"/>
+                  </a:outerShdw>
+                </a:effectLst>
+              </a14:hiddenEffects>
+            </a:ext>
+          </a:extLst>
+        </p:spPr>
+        <p:txBody>
+          <a:bodyPr vert="horz" wrap="none" lIns="91440" tIns="45720" rIns="91440" bIns="45720" numCol="1" anchor="ctr" anchorCtr="0" compatLnSpc="1">
+            <a:prstTxWarp prst="textNoShape">
+              <a:avLst/>
+            </a:prstTxWarp>
+            <a:spAutoFit/>
+          </a:bodyPr>
+          <a:lstStyle/>
+          <a:p>
+            <a:endParaRPr lang="ru-RU"/>
+          </a:p>
+        </p:txBody>
+      </p:sp>
+      <p:sp>
+        <p:nvSpPr>
+          <p:cNvPr id="11" name="Rectangle 7"/>
+          <p:cNvSpPr>
+            <a:spLocks noChangeArrowheads="1"/>
+          </p:cNvSpPr>
+          <p:nvPr/>
+        </p:nvSpPr>
+        <p:spPr bwMode="auto">
+          <a:xfrm>
+            <a:off x="0" y="0"/>
+            <a:ext cx="12192000" cy="0"/>
+          </a:xfrm>
+          <a:prstGeom prst="rect">
+            <a:avLst/>
+          </a:prstGeom>
+          <a:noFill/>
+          <a:ln>
+            <a:noFill/>
+          </a:ln>
+          <a:effectLst/>
+          <a:extLst>
+            <a:ext uri="{909E8E84-426E-40DD-AFC4-6F175D3DCCD1}">
+              <a14:hiddenFill xmlns:a14="http://schemas.microsoft.com/office/drawing/2010/main">
+                <a:solidFill>
+                  <a:schemeClr val="accent1"/>
+                </a:solidFill>
+              </a14:hiddenFill>
+            </a:ext>
+            <a:ext uri="{91240B29-F687-4F45-9708-019B960494DF}">
+              <a14:hiddenLine xmlns:a14="http://schemas.microsoft.com/office/drawing/2010/main" w="9525">
+                <a:solidFill>
+                  <a:schemeClr val="tx1"/>
+                </a:solidFill>
+                <a:miter lim="800000"/>
+                <a:headEnd/>
+                <a:tailEnd/>
+              </a14:hiddenLine>
+            </a:ext>
+            <a:ext uri="{AF507438-7753-43E0-B8FC-AC1667EBCBE1}">
+              <a14:hiddenEffects xmlns:a14="http://schemas.microsoft.com/office/drawing/2010/main">
+                <a:effectLst>
+                  <a:outerShdw dist="35921" dir="2700000" algn="ctr" rotWithShape="0">
+                    <a:schemeClr val="bg2"/>
+                  </a:outerShdw>
+                </a:effectLst>
+              </a14:hiddenEffects>
+            </a:ext>
+          </a:extLst>
+        </p:spPr>
+        <p:txBody>
+          <a:bodyPr vert="horz" wrap="none" lIns="91440" tIns="45720" rIns="91440" bIns="45720" numCol="1" anchor="ctr" anchorCtr="0" compatLnSpc="1">
+            <a:prstTxWarp prst="textNoShape">
+              <a:avLst/>
+            </a:prstTxWarp>
+            <a:spAutoFit/>
+          </a:bodyPr>
+          <a:lstStyle/>
+          <a:p>
+            <a:endParaRPr lang="ru-RU"/>
+          </a:p>
+        </p:txBody>
+      </p:sp>
+      <p:sp>
+        <p:nvSpPr>
+          <p:cNvPr id="13" name="Rectangle 9"/>
+          <p:cNvSpPr>
+            <a:spLocks noChangeArrowheads="1"/>
+          </p:cNvSpPr>
+          <p:nvPr/>
+        </p:nvSpPr>
+        <p:spPr bwMode="auto">
+          <a:xfrm>
+            <a:off x="0" y="0"/>
+            <a:ext cx="12192000" cy="0"/>
+          </a:xfrm>
+          <a:prstGeom prst="rect">
+            <a:avLst/>
+          </a:prstGeom>
+          <a:noFill/>
+          <a:ln>
+            <a:noFill/>
+          </a:ln>
+          <a:effectLst/>
+          <a:extLst>
+            <a:ext uri="{909E8E84-426E-40DD-AFC4-6F175D3DCCD1}">
+              <a14:hiddenFill xmlns:a14="http://schemas.microsoft.com/office/drawing/2010/main">
+                <a:solidFill>
+                  <a:schemeClr val="accent1"/>
+                </a:solidFill>
+              </a14:hiddenFill>
+            </a:ext>
+            <a:ext uri="{91240B29-F687-4F45-9708-019B960494DF}">
+              <a14:hiddenLine xmlns:a14="http://schemas.microsoft.com/office/drawing/2010/main" w="9525">
+                <a:solidFill>
+                  <a:schemeClr val="tx1"/>
+                </a:solidFill>
+                <a:miter lim="800000"/>
+                <a:headEnd/>
+                <a:tailEnd/>
+              </a14:hiddenLine>
+            </a:ext>
+            <a:ext uri="{AF507438-7753-43E0-B8FC-AC1667EBCBE1}">
+              <a14:hiddenEffects xmlns:a14="http://schemas.microsoft.com/office/drawing/2010/main">
+                <a:effectLst>
+                  <a:outerShdw dist="35921" dir="2700000" algn="ctr" rotWithShape="0">
+                    <a:schemeClr val="bg2"/>
+                  </a:outerShdw>
+                </a:effectLst>
+              </a14:hiddenEffects>
+            </a:ext>
+          </a:extLst>
+        </p:spPr>
+        <p:txBody>
+          <a:bodyPr vert="horz" wrap="none" lIns="91440" tIns="45720" rIns="91440" bIns="45720" numCol="1" anchor="ctr" anchorCtr="0" compatLnSpc="1">
+            <a:prstTxWarp prst="textNoShape">
+              <a:avLst/>
+            </a:prstTxWarp>
+            <a:spAutoFit/>
+          </a:bodyPr>
+          <a:lstStyle/>
+          <a:p>
+            <a:endParaRPr lang="ru-RU"/>
+          </a:p>
+        </p:txBody>
+      </p:sp>
+      <p:sp>
+        <p:nvSpPr>
+          <p:cNvPr id="37888" name="Rectangle 2"/>
+          <p:cNvSpPr>
+            <a:spLocks noChangeArrowheads="1"/>
+          </p:cNvSpPr>
+          <p:nvPr/>
+        </p:nvSpPr>
+        <p:spPr bwMode="auto">
+          <a:xfrm>
+            <a:off x="0" y="0"/>
+            <a:ext cx="12192000" cy="0"/>
+          </a:xfrm>
+          <a:prstGeom prst="rect">
+            <a:avLst/>
+          </a:prstGeom>
+          <a:noFill/>
+          <a:ln>
+            <a:noFill/>
+          </a:ln>
+          <a:effectLst/>
+          <a:extLst>
+            <a:ext uri="{909E8E84-426E-40DD-AFC4-6F175D3DCCD1}">
+              <a14:hiddenFill xmlns:a14="http://schemas.microsoft.com/office/drawing/2010/main">
+                <a:solidFill>
+                  <a:schemeClr val="accent1"/>
+                </a:solidFill>
+              </a14:hiddenFill>
+            </a:ext>
+            <a:ext uri="{91240B29-F687-4F45-9708-019B960494DF}">
+              <a14:hiddenLine xmlns:a14="http://schemas.microsoft.com/office/drawing/2010/main" w="9525">
+                <a:solidFill>
+                  <a:schemeClr val="tx1"/>
+                </a:solidFill>
+                <a:miter lim="800000"/>
+                <a:headEnd/>
+                <a:tailEnd/>
+              </a14:hiddenLine>
+            </a:ext>
+            <a:ext uri="{AF507438-7753-43E0-B8FC-AC1667EBCBE1}">
+              <a14:hiddenEffects xmlns:a14="http://schemas.microsoft.com/office/drawing/2010/main">
+                <a:effectLst>
+                  <a:outerShdw dist="35921" dir="2700000" algn="ctr" rotWithShape="0">
+                    <a:schemeClr val="bg2"/>
+                  </a:outerShdw>
+                </a:effectLst>
+              </a14:hiddenEffects>
+            </a:ext>
+          </a:extLst>
+        </p:spPr>
+        <p:txBody>
+          <a:bodyPr vert="horz" wrap="none" lIns="91440" tIns="45720" rIns="91440" bIns="45720" numCol="1" anchor="ctr" anchorCtr="0" compatLnSpc="1">
+            <a:prstTxWarp prst="textNoShape">
+              <a:avLst/>
+            </a:prstTxWarp>
+            <a:spAutoFit/>
+          </a:bodyPr>
+          <a:lstStyle/>
+          <a:p>
+            <a:endParaRPr lang="ru-RU"/>
+          </a:p>
+        </p:txBody>
+      </p:sp>
+      <p:sp>
+        <p:nvSpPr>
+          <p:cNvPr id="37890" name="Rectangle 4"/>
+          <p:cNvSpPr>
+            <a:spLocks noChangeArrowheads="1"/>
+          </p:cNvSpPr>
+          <p:nvPr/>
+        </p:nvSpPr>
+        <p:spPr bwMode="auto">
+          <a:xfrm>
+            <a:off x="0" y="0"/>
+            <a:ext cx="12192000" cy="0"/>
+          </a:xfrm>
+          <a:prstGeom prst="rect">
+            <a:avLst/>
+          </a:prstGeom>
+          <a:noFill/>
+          <a:ln>
+            <a:noFill/>
+          </a:ln>
+          <a:effectLst/>
+          <a:extLst>
+            <a:ext uri="{909E8E84-426E-40DD-AFC4-6F175D3DCCD1}">
+              <a14:hiddenFill xmlns:a14="http://schemas.microsoft.com/office/drawing/2010/main">
+                <a:solidFill>
+                  <a:schemeClr val="accent1"/>
+                </a:solidFill>
+              </a14:hiddenFill>
+            </a:ext>
+            <a:ext uri="{91240B29-F687-4F45-9708-019B960494DF}">
+              <a14:hiddenLine xmlns:a14="http://schemas.microsoft.com/office/drawing/2010/main" w="9525">
+                <a:solidFill>
+                  <a:schemeClr val="tx1"/>
+                </a:solidFill>
+                <a:miter lim="800000"/>
+                <a:headEnd/>
+                <a:tailEnd/>
+              </a14:hiddenLine>
+            </a:ext>
+            <a:ext uri="{AF507438-7753-43E0-B8FC-AC1667EBCBE1}">
+              <a14:hiddenEffects xmlns:a14="http://schemas.microsoft.com/office/drawing/2010/main">
+                <a:effectLst>
+                  <a:outerShdw dist="35921" dir="2700000" algn="ctr" rotWithShape="0">
+                    <a:schemeClr val="bg2"/>
+                  </a:outerShdw>
+                </a:effectLst>
+              </a14:hiddenEffects>
+            </a:ext>
+          </a:extLst>
+        </p:spPr>
+        <p:txBody>
+          <a:bodyPr vert="horz" wrap="none" lIns="91440" tIns="45720" rIns="91440" bIns="45720" numCol="1" anchor="ctr" anchorCtr="0" compatLnSpc="1">
+            <a:prstTxWarp prst="textNoShape">
+              <a:avLst/>
+            </a:prstTxWarp>
+            <a:spAutoFit/>
+          </a:bodyPr>
+          <a:lstStyle/>
+          <a:p>
+            <a:endParaRPr lang="ru-RU"/>
+          </a:p>
+        </p:txBody>
+      </p:sp>
+      <p:sp>
+        <p:nvSpPr>
+          <p:cNvPr id="37892" name="Rectangle 6"/>
+          <p:cNvSpPr>
+            <a:spLocks noChangeArrowheads="1"/>
+          </p:cNvSpPr>
+          <p:nvPr/>
+        </p:nvSpPr>
+        <p:spPr bwMode="auto">
+          <a:xfrm>
+            <a:off x="0" y="0"/>
+            <a:ext cx="12192000" cy="0"/>
+          </a:xfrm>
+          <a:prstGeom prst="rect">
+            <a:avLst/>
+          </a:prstGeom>
+          <a:noFill/>
+          <a:ln>
+            <a:noFill/>
+          </a:ln>
+          <a:effectLst/>
+          <a:extLst>
+            <a:ext uri="{909E8E84-426E-40DD-AFC4-6F175D3DCCD1}">
+              <a14:hiddenFill xmlns:a14="http://schemas.microsoft.com/office/drawing/2010/main">
+                <a:solidFill>
+                  <a:schemeClr val="accent1"/>
+                </a:solidFill>
+              </a14:hiddenFill>
+            </a:ext>
+            <a:ext uri="{91240B29-F687-4F45-9708-019B960494DF}">
+              <a14:hiddenLine xmlns:a14="http://schemas.microsoft.com/office/drawing/2010/main" w="9525">
+                <a:solidFill>
+                  <a:schemeClr val="tx1"/>
+                </a:solidFill>
+                <a:miter lim="800000"/>
+                <a:headEnd/>
+                <a:tailEnd/>
+              </a14:hiddenLine>
+            </a:ext>
+            <a:ext uri="{AF507438-7753-43E0-B8FC-AC1667EBCBE1}">
+              <a14:hiddenEffects xmlns:a14="http://schemas.microsoft.com/office/drawing/2010/main">
+                <a:effectLst>
+                  <a:outerShdw dist="35921" dir="2700000" algn="ctr" rotWithShape="0">
+                    <a:schemeClr val="bg2"/>
+                  </a:outerShdw>
+                </a:effectLst>
+              </a14:hiddenEffects>
+            </a:ext>
+          </a:extLst>
+        </p:spPr>
+        <p:txBody>
+          <a:bodyPr vert="horz" wrap="none" lIns="91440" tIns="45720" rIns="91440" bIns="45720" numCol="1" anchor="ctr" anchorCtr="0" compatLnSpc="1">
+            <a:prstTxWarp prst="textNoShape">
+              <a:avLst/>
+            </a:prstTxWarp>
+            <a:spAutoFit/>
+          </a:bodyPr>
+          <a:lstStyle/>
+          <a:p>
+            <a:endParaRPr lang="ru-RU"/>
+          </a:p>
+        </p:txBody>
+      </p:sp>
+      <p:sp>
+        <p:nvSpPr>
+          <p:cNvPr id="4" name="Rectangle 2"/>
+          <p:cNvSpPr>
+            <a:spLocks noChangeArrowheads="1"/>
+          </p:cNvSpPr>
+          <p:nvPr/>
+        </p:nvSpPr>
+        <p:spPr bwMode="auto">
+          <a:xfrm>
+            <a:off x="279400" y="1217396"/>
+            <a:ext cx="11633200" cy="4049170"/>
+          </a:xfrm>
+          <a:prstGeom prst="rect">
+            <a:avLst/>
+          </a:prstGeom>
+          <a:solidFill>
+            <a:srgbClr val="FFFFFF"/>
+          </a:solidFill>
+          <a:ln>
+            <a:noFill/>
+          </a:ln>
+          <a:effectLst/>
+          <a:extLst>
+            <a:ext uri="{91240B29-F687-4F45-9708-019B960494DF}">
+              <a14:hiddenLine xmlns:a14="http://schemas.microsoft.com/office/drawing/2010/main" w="9525">
+                <a:solidFill>
+                  <a:schemeClr val="tx1"/>
+                </a:solidFill>
+                <a:miter lim="800000"/>
+                <a:headEnd/>
+                <a:tailEnd/>
+              </a14:hiddenLine>
+            </a:ext>
+            <a:ext uri="{AF507438-7753-43E0-B8FC-AC1667EBCBE1}">
+              <a14:hiddenEffects xmlns:a14="http://schemas.microsoft.com/office/drawing/2010/main">
+                <a:effectLst>
+                  <a:outerShdw dist="35921" dir="2700000" algn="ctr" rotWithShape="0">
+                    <a:schemeClr val="bg2"/>
+                  </a:outerShdw>
+                </a:effectLst>
+              </a14:hiddenEffects>
+            </a:ext>
+          </a:extLst>
+        </p:spPr>
+        <p:txBody>
+          <a:bodyPr vert="horz" wrap="square" lIns="507840" tIns="47610" rIns="0" bIns="0" numCol="1" anchor="ctr" anchorCtr="0" compatLnSpc="1">
+            <a:prstTxWarp prst="textNoShape">
+              <a:avLst/>
+            </a:prstTxWarp>
+            <a:spAutoFit/>
+          </a:bodyPr>
+          <a:lstStyle/>
+          <a:p>
+            <a:pPr algn="just" fontAlgn="base">
+              <a:spcBef>
+                <a:spcPct val="0"/>
+              </a:spcBef>
+              <a:spcAft>
+                <a:spcPct val="0"/>
+              </a:spcAft>
+            </a:pPr>
+            <a:r>
+              <a:rPr lang="ru-RU" sz="2000" dirty="0">
+                <a:solidFill>
+                  <a:srgbClr val="222222"/>
+                </a:solidFill>
+                <a:latin typeface="Arial" pitchFamily="34" charset="0"/>
+                <a:cs typeface="Arial" pitchFamily="34" charset="0"/>
+              </a:rPr>
+              <a:t>Пусть обучающая выборка состоит из N примеров, размерность пространства признаков равна M, и задан параметр m</a:t>
+            </a:r>
+          </a:p>
+          <a:p>
+            <a:pPr marR="0" lvl="0" algn="just" defTabSz="914400" rtl="0" eaLnBrk="1" fontAlgn="base" latinLnBrk="0" hangingPunct="1">
+              <a:spcBef>
+                <a:spcPct val="0"/>
+              </a:spcBef>
+              <a:spcAft>
+                <a:spcPct val="0"/>
+              </a:spcAft>
+              <a:buClrTx/>
+              <a:buSzTx/>
+              <a:tabLst/>
+            </a:pPr>
+            <a:r>
+              <a:rPr kumimoji="0" lang="ru-RU" sz="2000" b="0" i="0" u="none" strike="noStrike" cap="none" normalizeH="0" baseline="0" dirty="0" smtClean="0">
+                <a:ln>
+                  <a:noFill/>
+                </a:ln>
+                <a:solidFill>
+                  <a:srgbClr val="222222"/>
+                </a:solidFill>
+                <a:effectLst/>
+                <a:latin typeface="Arial" pitchFamily="34" charset="0"/>
+                <a:cs typeface="Arial" pitchFamily="34" charset="0"/>
+              </a:rPr>
+              <a:t>Все деревья комитета строятся независимо друг от друга по следующей процедуре:</a:t>
+            </a:r>
+            <a:endParaRPr kumimoji="0" lang="ru-RU" sz="2800" b="0" i="0" u="none" strike="noStrike" cap="none" normalizeH="0" baseline="0" dirty="0" smtClean="0">
+              <a:ln>
+                <a:noFill/>
+              </a:ln>
+              <a:solidFill>
+                <a:schemeClr val="tx1"/>
+              </a:solidFill>
+              <a:effectLst/>
+              <a:latin typeface="Arial" pitchFamily="34" charset="0"/>
+              <a:cs typeface="Arial" pitchFamily="34" charset="0"/>
+            </a:endParaRPr>
+          </a:p>
+          <a:p>
+            <a:pPr marL="342900" indent="-342900" algn="just" eaLnBrk="0" fontAlgn="base" hangingPunct="0">
+              <a:spcBef>
+                <a:spcPct val="0"/>
+              </a:spcBef>
+              <a:spcAft>
+                <a:spcPct val="0"/>
+              </a:spcAft>
+              <a:buFont typeface="+mj-lt"/>
+              <a:buAutoNum type="arabicPeriod"/>
+            </a:pPr>
+            <a:r>
+              <a:rPr kumimoji="0" lang="ru-RU" sz="2000" b="0" i="0" u="none" strike="noStrike" cap="none" normalizeH="0" baseline="0" dirty="0" smtClean="0">
+                <a:ln>
+                  <a:noFill/>
+                </a:ln>
+                <a:solidFill>
+                  <a:srgbClr val="222222"/>
+                </a:solidFill>
+                <a:effectLst/>
+                <a:latin typeface="Arial" pitchFamily="34" charset="0"/>
+                <a:cs typeface="Arial" pitchFamily="34" charset="0"/>
+              </a:rPr>
+              <a:t>Сгенерируем случайную </a:t>
+            </a:r>
+            <a:r>
+              <a:rPr kumimoji="0" lang="ru-RU" sz="2000" b="0" i="0" u="none" strike="noStrike" cap="none" normalizeH="0" baseline="0" dirty="0" err="1" smtClean="0">
+                <a:ln>
+                  <a:noFill/>
+                </a:ln>
+                <a:solidFill>
+                  <a:srgbClr val="222222"/>
+                </a:solidFill>
+                <a:effectLst/>
+                <a:latin typeface="Arial" pitchFamily="34" charset="0"/>
+                <a:cs typeface="Arial" pitchFamily="34" charset="0"/>
+              </a:rPr>
+              <a:t>подвыборку</a:t>
+            </a:r>
+            <a:r>
+              <a:rPr kumimoji="0" lang="ru-RU" sz="2000" b="0" i="0" u="none" strike="noStrike" cap="none" normalizeH="0" baseline="0" dirty="0" smtClean="0">
+                <a:ln>
+                  <a:noFill/>
+                </a:ln>
+                <a:solidFill>
+                  <a:srgbClr val="222222"/>
+                </a:solidFill>
+                <a:effectLst/>
+                <a:latin typeface="Arial" pitchFamily="34" charset="0"/>
+                <a:cs typeface="Arial" pitchFamily="34" charset="0"/>
+              </a:rPr>
+              <a:t> </a:t>
+            </a:r>
+            <a:r>
+              <a:rPr kumimoji="0" lang="ru-RU" sz="2000" b="1" i="0" u="none" strike="noStrike" cap="none" normalizeH="0" baseline="0" dirty="0" smtClean="0">
+                <a:ln>
+                  <a:noFill/>
+                </a:ln>
+                <a:solidFill>
+                  <a:srgbClr val="222222"/>
+                </a:solidFill>
+                <a:effectLst/>
+                <a:latin typeface="Arial" pitchFamily="34" charset="0"/>
+                <a:cs typeface="Arial" pitchFamily="34" charset="0"/>
+              </a:rPr>
+              <a:t>с повторением</a:t>
+            </a:r>
+            <a:r>
+              <a:rPr kumimoji="0" lang="ru-RU" sz="2000" b="0" i="0" u="none" strike="noStrike" cap="none" normalizeH="0" baseline="0" dirty="0" smtClean="0">
+                <a:ln>
+                  <a:noFill/>
+                </a:ln>
+                <a:solidFill>
+                  <a:srgbClr val="222222"/>
+                </a:solidFill>
+                <a:effectLst/>
+                <a:latin typeface="Arial" pitchFamily="34" charset="0"/>
+                <a:cs typeface="Arial" pitchFamily="34" charset="0"/>
+              </a:rPr>
+              <a:t> размером </a:t>
+            </a:r>
+            <a:r>
+              <a:rPr kumimoji="0" lang="ru-RU" sz="2000" b="0" i="1" u="none" strike="noStrike" cap="none" normalizeH="0" baseline="0" dirty="0" smtClean="0">
+                <a:ln>
+                  <a:noFill/>
+                </a:ln>
+                <a:solidFill>
+                  <a:srgbClr val="222222"/>
+                </a:solidFill>
+                <a:effectLst/>
+                <a:latin typeface="Arial" pitchFamily="34" charset="0"/>
+                <a:cs typeface="Arial" pitchFamily="34" charset="0"/>
+              </a:rPr>
+              <a:t>N</a:t>
+            </a:r>
+            <a:r>
+              <a:rPr kumimoji="0" lang="ru-RU" sz="2000" b="0" i="0" u="none" strike="noStrike" cap="none" normalizeH="0" baseline="0" dirty="0" smtClean="0">
+                <a:ln>
+                  <a:noFill/>
+                </a:ln>
+                <a:solidFill>
+                  <a:srgbClr val="222222"/>
+                </a:solidFill>
+                <a:effectLst/>
+                <a:latin typeface="Arial" pitchFamily="34" charset="0"/>
+                <a:cs typeface="Arial" pitchFamily="34" charset="0"/>
+              </a:rPr>
+              <a:t> из обучающей выборки. (Таким образом, некоторые примеры попадут в неё несколько раз, а в среднем </a:t>
+            </a:r>
+            <a:r>
+              <a:rPr lang="ru-RU" sz="2000" i="1" dirty="0">
+                <a:solidFill>
+                  <a:srgbClr val="222222"/>
+                </a:solidFill>
+                <a:latin typeface="Arial" pitchFamily="34" charset="0"/>
+                <a:cs typeface="Arial" pitchFamily="34" charset="0"/>
+              </a:rPr>
+              <a:t>N</a:t>
+            </a:r>
+            <a:r>
+              <a:rPr lang="en-US" sz="2000" i="1" dirty="0" smtClean="0">
+                <a:solidFill>
+                  <a:srgbClr val="222222"/>
+                </a:solidFill>
+                <a:latin typeface="Arial" pitchFamily="34" charset="0"/>
+                <a:cs typeface="Arial" pitchFamily="34" charset="0"/>
+              </a:rPr>
+              <a:t>(1</a:t>
+            </a:r>
+            <a:r>
+              <a:rPr lang="ru-RU" sz="2000" i="1" dirty="0" smtClean="0">
+                <a:solidFill>
+                  <a:srgbClr val="222222"/>
+                </a:solidFill>
+                <a:latin typeface="Arial" pitchFamily="34" charset="0"/>
+                <a:cs typeface="Arial" pitchFamily="34" charset="0"/>
+              </a:rPr>
+              <a:t> </a:t>
+            </a:r>
+            <a:r>
+              <a:rPr lang="en-US" sz="2000" i="1" dirty="0" smtClean="0">
+                <a:solidFill>
+                  <a:srgbClr val="222222"/>
+                </a:solidFill>
+                <a:latin typeface="Arial" pitchFamily="34" charset="0"/>
+                <a:cs typeface="Arial" pitchFamily="34" charset="0"/>
+              </a:rPr>
+              <a:t>- 1/N)</a:t>
+            </a:r>
+            <a:r>
+              <a:rPr lang="en-US" sz="2000" i="1" baseline="30000" dirty="0" smtClean="0">
+                <a:solidFill>
+                  <a:srgbClr val="222222"/>
+                </a:solidFill>
+                <a:latin typeface="Arial" pitchFamily="34" charset="0"/>
+                <a:cs typeface="Arial" pitchFamily="34" charset="0"/>
+              </a:rPr>
+              <a:t>N</a:t>
+            </a:r>
+            <a:r>
+              <a:rPr kumimoji="0" lang="ru-RU" sz="2000" b="0" i="0" u="none" strike="noStrike" cap="none" normalizeH="0" baseline="0" dirty="0" smtClean="0">
+                <a:ln>
+                  <a:noFill/>
+                </a:ln>
+                <a:solidFill>
+                  <a:srgbClr val="222222"/>
+                </a:solidFill>
+                <a:effectLst/>
+                <a:latin typeface="Arial" pitchFamily="34" charset="0"/>
+                <a:cs typeface="Arial" pitchFamily="34" charset="0"/>
+              </a:rPr>
+              <a:t>,</a:t>
+            </a:r>
+            <a:r>
+              <a:rPr kumimoji="0" lang="ru-RU" sz="2000" b="0" i="0" u="none" strike="noStrike" cap="none" normalizeH="0" dirty="0" smtClean="0">
+                <a:ln>
+                  <a:noFill/>
+                </a:ln>
+                <a:solidFill>
+                  <a:srgbClr val="222222"/>
+                </a:solidFill>
+                <a:effectLst/>
+                <a:latin typeface="Arial" pitchFamily="34" charset="0"/>
+                <a:cs typeface="Arial" pitchFamily="34" charset="0"/>
+              </a:rPr>
+              <a:t> </a:t>
+            </a:r>
+            <a:r>
+              <a:rPr kumimoji="0" lang="ru-RU" sz="2000" b="0" i="0" u="none" strike="noStrike" cap="none" normalizeH="0" baseline="0" dirty="0" smtClean="0">
+                <a:ln>
+                  <a:noFill/>
+                </a:ln>
+                <a:solidFill>
+                  <a:srgbClr val="222222"/>
+                </a:solidFill>
+                <a:effectLst/>
+                <a:latin typeface="Arial" pitchFamily="34" charset="0"/>
+                <a:cs typeface="Arial" pitchFamily="34" charset="0"/>
+              </a:rPr>
+              <a:t>т.е. примерно </a:t>
+            </a:r>
+            <a:r>
+              <a:rPr lang="ru-RU" sz="2000" i="1" dirty="0">
+                <a:solidFill>
+                  <a:srgbClr val="222222"/>
+                </a:solidFill>
+                <a:latin typeface="Arial" pitchFamily="34" charset="0"/>
+                <a:cs typeface="Arial" pitchFamily="34" charset="0"/>
+              </a:rPr>
+              <a:t>N/</a:t>
+            </a:r>
+            <a:r>
+              <a:rPr lang="en-US" sz="2000" i="1" dirty="0">
+                <a:solidFill>
+                  <a:srgbClr val="222222"/>
+                </a:solidFill>
+                <a:latin typeface="Arial" pitchFamily="34" charset="0"/>
+                <a:cs typeface="Arial" pitchFamily="34" charset="0"/>
+              </a:rPr>
+              <a:t>e</a:t>
+            </a:r>
+            <a:r>
+              <a:rPr lang="ru-RU" sz="2000" dirty="0">
+                <a:solidFill>
+                  <a:srgbClr val="222222"/>
+                </a:solidFill>
+                <a:latin typeface="Arial" pitchFamily="34" charset="0"/>
+                <a:cs typeface="Arial" pitchFamily="34" charset="0"/>
+              </a:rPr>
+              <a:t> примеров не войдут в неё вообще)</a:t>
+            </a:r>
+          </a:p>
+          <a:p>
+            <a:pPr marL="342900" marR="0" indent="-342900" algn="just" eaLnBrk="0" fontAlgn="base" hangingPunct="0">
+              <a:spcBef>
+                <a:spcPct val="0"/>
+              </a:spcBef>
+              <a:spcAft>
+                <a:spcPct val="0"/>
+              </a:spcAft>
+              <a:buClrTx/>
+              <a:buSzTx/>
+              <a:buFont typeface="+mj-lt"/>
+              <a:buAutoNum type="arabicPeriod"/>
+              <a:tabLst/>
+            </a:pPr>
+            <a:r>
+              <a:rPr lang="en-US" sz="2000" dirty="0">
+                <a:solidFill>
+                  <a:srgbClr val="222222"/>
+                </a:solidFill>
+                <a:latin typeface="Arial" pitchFamily="34" charset="0"/>
+                <a:cs typeface="Arial" pitchFamily="34" charset="0"/>
+              </a:rPr>
+              <a:t> </a:t>
+            </a:r>
+            <a:r>
+              <a:rPr lang="ru-RU" sz="2000" dirty="0">
+                <a:solidFill>
+                  <a:srgbClr val="222222"/>
+                </a:solidFill>
+                <a:latin typeface="Arial" pitchFamily="34" charset="0"/>
+                <a:cs typeface="Arial" pitchFamily="34" charset="0"/>
+              </a:rPr>
+              <a:t>Построим решающее дерево, классифицирующее примеры данной </a:t>
+            </a:r>
+            <a:r>
+              <a:rPr lang="ru-RU" sz="2000" dirty="0" err="1">
+                <a:solidFill>
+                  <a:srgbClr val="222222"/>
+                </a:solidFill>
+                <a:latin typeface="Arial" pitchFamily="34" charset="0"/>
+                <a:cs typeface="Arial" pitchFamily="34" charset="0"/>
+              </a:rPr>
+              <a:t>подвыборки</a:t>
+            </a:r>
+            <a:r>
+              <a:rPr lang="ru-RU" sz="2000" dirty="0">
+                <a:solidFill>
+                  <a:srgbClr val="222222"/>
+                </a:solidFill>
+                <a:latin typeface="Arial" pitchFamily="34" charset="0"/>
+                <a:cs typeface="Arial" pitchFamily="34" charset="0"/>
+              </a:rPr>
+              <a:t>, причём в ходе создания очередного узла дерева будем выбирать признак, на основе которого производится разбиение, не из всех M признаков, а лишь из m случайно выбранных. </a:t>
+            </a:r>
+          </a:p>
+          <a:p>
+            <a:pPr marL="342900" marR="0" lvl="0" indent="-342900" algn="just" eaLnBrk="0" fontAlgn="base" hangingPunct="0">
+              <a:spcBef>
+                <a:spcPct val="0"/>
+              </a:spcBef>
+              <a:spcAft>
+                <a:spcPct val="0"/>
+              </a:spcAft>
+              <a:buClrTx/>
+              <a:buSzTx/>
+              <a:buFont typeface="+mj-lt"/>
+              <a:buAutoNum type="arabicPeriod"/>
+              <a:tabLst/>
+            </a:pPr>
+            <a:r>
+              <a:rPr lang="en-US" sz="2000" dirty="0">
+                <a:solidFill>
+                  <a:srgbClr val="222222"/>
+                </a:solidFill>
+                <a:latin typeface="Arial" pitchFamily="34" charset="0"/>
+                <a:cs typeface="Arial" pitchFamily="34" charset="0"/>
+              </a:rPr>
+              <a:t> </a:t>
+            </a:r>
+            <a:r>
+              <a:rPr lang="ru-RU" sz="2000" dirty="0" smtClean="0">
+                <a:solidFill>
+                  <a:srgbClr val="222222"/>
+                </a:solidFill>
+                <a:latin typeface="Arial" pitchFamily="34" charset="0"/>
+                <a:cs typeface="Arial" pitchFamily="34" charset="0"/>
+              </a:rPr>
+              <a:t>Проводится построение дерева</a:t>
+            </a:r>
+            <a:endParaRPr lang="en-US" sz="2000" dirty="0">
+              <a:solidFill>
+                <a:srgbClr val="222222"/>
+              </a:solidFill>
+              <a:latin typeface="Arial" pitchFamily="34" charset="0"/>
+              <a:cs typeface="Arial" pitchFamily="34" charset="0"/>
+            </a:endParaRPr>
+          </a:p>
+          <a:p>
+            <a:pPr marR="0" lvl="0" algn="just" eaLnBrk="0" fontAlgn="base" hangingPunct="0">
+              <a:spcBef>
+                <a:spcPct val="0"/>
+              </a:spcBef>
+              <a:spcAft>
+                <a:spcPct val="0"/>
+              </a:spcAft>
+              <a:buClrTx/>
+              <a:buSzTx/>
+              <a:tabLst/>
+            </a:pPr>
+            <a:r>
+              <a:rPr lang="ru-RU" sz="2000" dirty="0" smtClean="0">
+                <a:solidFill>
+                  <a:srgbClr val="222222"/>
+                </a:solidFill>
+                <a:latin typeface="Arial" pitchFamily="34" charset="0"/>
+                <a:cs typeface="Arial" pitchFamily="34" charset="0"/>
+              </a:rPr>
+              <a:t>Классификация </a:t>
+            </a:r>
+            <a:r>
+              <a:rPr lang="ru-RU" sz="2000" dirty="0">
+                <a:solidFill>
+                  <a:srgbClr val="222222"/>
+                </a:solidFill>
+                <a:latin typeface="Arial" pitchFamily="34" charset="0"/>
+                <a:cs typeface="Arial" pitchFamily="34" charset="0"/>
+              </a:rPr>
+              <a:t>объектов проводится путём голосования: каждое дерево комитета относит классифицируемый объект к одному из классов, и побеждает класс, за который проголосовало наибольшее число деревьев.</a:t>
+            </a:r>
+          </a:p>
+        </p:txBody>
+      </p:sp>
+      <p:sp>
+        <p:nvSpPr>
+          <p:cNvPr id="9" name="AutoShape 3" descr="{\displaystyle (1-1/N)^{N}}"/>
+          <p:cNvSpPr>
+            <a:spLocks noChangeAspect="1" noChangeArrowheads="1"/>
+          </p:cNvSpPr>
+          <p:nvPr/>
+        </p:nvSpPr>
+        <p:spPr bwMode="auto">
+          <a:xfrm>
+            <a:off x="10417175" y="-373063"/>
+            <a:ext cx="304800" cy="304800"/>
+          </a:xfrm>
+          <a:prstGeom prst="rect">
+            <a:avLst/>
+          </a:prstGeom>
+          <a:noFill/>
+          <a:extLst>
+            <a:ext uri="{909E8E84-426E-40DD-AFC4-6F175D3DCCD1}">
+              <a14:hiddenFill xmlns:a14="http://schemas.microsoft.com/office/drawing/2010/main">
+                <a:solidFill>
+                  <a:srgbClr val="FFFFFF"/>
+                </a:solidFill>
+              </a14:hiddenFill>
+            </a:ext>
+          </a:extLst>
+        </p:spPr>
+        <p:txBody>
+          <a:bodyPr vert="horz" wrap="square" lIns="91440" tIns="45720" rIns="91440" bIns="45720" numCol="1" anchor="t" anchorCtr="0" compatLnSpc="1">
+            <a:prstTxWarp prst="textNoShape">
+              <a:avLst/>
+            </a:prstTxWarp>
+          </a:bodyPr>
+          <a:lstStyle/>
+          <a:p>
+            <a:endParaRPr lang="ru-RU"/>
+          </a:p>
+        </p:txBody>
+      </p:sp>
+    </p:spTree>
+    <p:extLst>
+      <p:ext uri="{BB962C8B-B14F-4D97-AF65-F5344CB8AC3E}">
+        <p14:creationId xmlns:p14="http://schemas.microsoft.com/office/powerpoint/2010/main" val="527551611"/>
       </p:ext>
     </p:extLst>
   </p:cSld>
